--- a/slides.pptx
+++ b/slides.pptx
@@ -19,11 +19,11 @@
     <p:sldId id="272" r:id="rId10"/>
     <p:sldId id="274" r:id="rId11"/>
     <p:sldId id="275" r:id="rId12"/>
-    <p:sldId id="276" r:id="rId13"/>
-    <p:sldId id="273" r:id="rId14"/>
-    <p:sldId id="277" r:id="rId15"/>
-    <p:sldId id="278" r:id="rId16"/>
-    <p:sldId id="279" r:id="rId17"/>
+    <p:sldId id="282" r:id="rId13"/>
+    <p:sldId id="281" r:id="rId14"/>
+    <p:sldId id="276" r:id="rId15"/>
+    <p:sldId id="280" r:id="rId16"/>
+    <p:sldId id="283" r:id="rId17"/>
   </p:sldIdLst>
   <p:sldSz cx="12192000" cy="6858000"/>
   <p:notesSz cx="6858000" cy="9144000"/>
@@ -241,7 +241,7 @@
             <a:fld id="{EFC10EE1-B198-C942-8235-326C972CBB30}" type="datetimeFigureOut">
               <a:rPr lang="en-US" smtClean="0"/>
               <a:pPr/>
-              <a:t>1/11/2021</a:t>
+              <a:t>1/20/2021</a:t>
             </a:fld>
             <a:endParaRPr lang="en-US"/>
           </a:p>
@@ -1118,16 +1118,54 @@
             <a:fld id="{006BE02D-20C0-F840-AFAC-BEA99C74FDC2}" type="slidenum">
               <a:rPr lang="en-US" smtClean="0"/>
               <a:pPr/>
-              <a:t>7</a:t>
+              <a:t>6</a:t>
             </a:fld>
             <a:endParaRPr lang="en-US"/>
+          </a:p>
+        </p:txBody>
+      </p:sp>
+      <p:sp>
+        <p:nvSpPr>
+          <p:cNvPr id="5" name="TextBox 4">
+            <a:extLst>
+              <a:ext uri="{FF2B5EF4-FFF2-40B4-BE49-F238E27FC236}">
+                <a16:creationId xmlns:a16="http://schemas.microsoft.com/office/drawing/2014/main" id="{4E6D5FD5-7AFB-4F92-8710-01527F86CAB0}"/>
+              </a:ext>
+            </a:extLst>
+          </p:cNvPr>
+          <p:cNvSpPr txBox="1"/>
+          <p:nvPr/>
+        </p:nvSpPr>
+        <p:spPr>
+          <a:xfrm>
+            <a:off x="762000" y="1490116"/>
+            <a:ext cx="5334000" cy="2308324"/>
+          </a:xfrm>
+          <a:prstGeom prst="rect">
+            <a:avLst/>
+          </a:prstGeom>
+          <a:noFill/>
+        </p:spPr>
+        <p:txBody>
+          <a:bodyPr wrap="square" rtlCol="0">
+            <a:spAutoFit/>
+          </a:bodyPr>
+          <a:lstStyle/>
+          <a:p>
+            <a:r>
+              <a:rPr lang="en-US" dirty="0"/>
+              <a:t>Suppose you're on a game show, and you're given the choice of three doors: Behind one door is a car; behind the others, goats. You pick a door, say No. 1, and the host, who knows what's behind the doors, opens another door, say No. 3, which has a goat. He then says to you, "Do you want to pick door No. 2?" Is it to your advantage to switch your choice?</a:t>
+            </a:r>
+          </a:p>
+          <a:p>
+            <a:endParaRPr lang="en-US" dirty="0"/>
           </a:p>
         </p:txBody>
       </p:sp>
     </p:spTree>
     <p:extLst>
       <p:ext uri="{BB962C8B-B14F-4D97-AF65-F5344CB8AC3E}">
-        <p14:creationId xmlns:p14="http://schemas.microsoft.com/office/powerpoint/2010/main" val="1345070431"/>
+        <p14:creationId xmlns:p14="http://schemas.microsoft.com/office/powerpoint/2010/main" val="2203571883"/>
       </p:ext>
     </p:extLst>
   </p:cSld>
@@ -7756,7 +7794,15 @@
             <a:pPr algn="ctr"/>
             <a:r>
               <a:rPr lang="en-US" dirty="0"/>
-              <a:t>Code, Cr0aft, Community</a:t>
+              <a:t>Code</a:t>
+            </a:r>
+            <a:r>
+              <a:rPr lang="en-US"/>
+              <a:t>, Craft</a:t>
+            </a:r>
+            <a:r>
+              <a:rPr lang="en-US" dirty="0"/>
+              <a:t>, Community</a:t>
             </a:r>
           </a:p>
         </p:txBody>
@@ -7870,10 +7916,10 @@
       </p:grpSpPr>
       <p:sp>
         <p:nvSpPr>
-          <p:cNvPr id="3" name="Content Placeholder 2">
+          <p:cNvPr id="2" name="Title 1">
             <a:extLst>
               <a:ext uri="{FF2B5EF4-FFF2-40B4-BE49-F238E27FC236}">
-                <a16:creationId xmlns:a16="http://schemas.microsoft.com/office/drawing/2014/main" id="{E60880D0-49A6-42E2-8059-77CBA5D39839}"/>
+                <a16:creationId xmlns:a16="http://schemas.microsoft.com/office/drawing/2014/main" id="{D2BECB09-76D3-4410-9398-9B898E80F91D}"/>
               </a:ext>
             </a:extLst>
           </p:cNvPr>
@@ -7881,223 +7927,26 @@
             <a:spLocks noGrp="1"/>
           </p:cNvSpPr>
           <p:nvPr>
-            <p:ph idx="1"/>
+            <p:ph type="title"/>
           </p:nvPr>
         </p:nvSpPr>
         <p:spPr>
           <a:xfrm>
-            <a:off x="488272" y="1003177"/>
-            <a:ext cx="4190260" cy="5173786"/>
+            <a:off x="838200" y="2693232"/>
+            <a:ext cx="10515600" cy="752475"/>
           </a:xfrm>
         </p:spPr>
         <p:txBody>
           <a:bodyPr/>
           <a:lstStyle/>
           <a:p>
-            <a:pPr marL="0" indent="0">
-              <a:buNone/>
-            </a:pPr>
-            <a:r>
-              <a:rPr lang="en-US" sz="1800" dirty="0">
-                <a:effectLst/>
-                <a:latin typeface="Calibri" panose="020F0502020204030204" pitchFamily="34" charset="0"/>
-                <a:ea typeface="Calibri" panose="020F0502020204030204" pitchFamily="34" charset="0"/>
-                <a:cs typeface="Times New Roman" panose="02020603050405020304" pitchFamily="18" charset="0"/>
-              </a:rPr>
-              <a:t>Implement the </a:t>
-            </a:r>
-            <a:r>
-              <a:rPr lang="en-US" sz="1800" dirty="0" err="1">
-                <a:effectLst/>
-                <a:latin typeface="Calibri" panose="020F0502020204030204" pitchFamily="34" charset="0"/>
-                <a:ea typeface="Calibri" panose="020F0502020204030204" pitchFamily="34" charset="0"/>
-                <a:cs typeface="Times New Roman" panose="02020603050405020304" pitchFamily="18" charset="0"/>
-              </a:rPr>
-              <a:t>GetTeamScores</a:t>
-            </a:r>
-            <a:r>
-              <a:rPr lang="en-US" sz="1800" dirty="0">
-                <a:effectLst/>
-                <a:latin typeface="Calibri" panose="020F0502020204030204" pitchFamily="34" charset="0"/>
-                <a:ea typeface="Calibri" panose="020F0502020204030204" pitchFamily="34" charset="0"/>
-                <a:cs typeface="Times New Roman" panose="02020603050405020304" pitchFamily="18" charset="0"/>
-              </a:rPr>
-              <a:t>() function shown here.  </a:t>
-            </a:r>
-          </a:p>
-          <a:p>
-            <a:pPr marL="0" indent="0">
-              <a:buNone/>
-            </a:pPr>
-            <a:r>
-              <a:rPr lang="en-US" sz="1800" dirty="0">
-                <a:effectLst/>
-                <a:latin typeface="Calibri" panose="020F0502020204030204" pitchFamily="34" charset="0"/>
-                <a:ea typeface="Calibri" panose="020F0502020204030204" pitchFamily="34" charset="0"/>
-                <a:cs typeface="Times New Roman" panose="02020603050405020304" pitchFamily="18" charset="0"/>
-              </a:rPr>
-              <a:t>The function accepts a list of race participants who finished the race, and returns a list of team scores.  </a:t>
-            </a:r>
-          </a:p>
-          <a:p>
-            <a:pPr marL="0" indent="0">
-              <a:buNone/>
-            </a:pPr>
-            <a:r>
-              <a:rPr lang="en-US" sz="1800" dirty="0">
-                <a:effectLst/>
-                <a:latin typeface="Calibri" panose="020F0502020204030204" pitchFamily="34" charset="0"/>
-                <a:ea typeface="Calibri" panose="020F0502020204030204" pitchFamily="34" charset="0"/>
-                <a:cs typeface="Times New Roman" panose="02020603050405020304" pitchFamily="18" charset="0"/>
-              </a:rPr>
-              <a:t>You can assume that the list of race participants is already ordered by finish place.  </a:t>
-            </a:r>
-          </a:p>
-          <a:p>
-            <a:pPr marL="0" indent="0">
-              <a:buNone/>
-            </a:pPr>
-            <a:r>
-              <a:rPr lang="en-US" sz="1800" dirty="0">
-                <a:effectLst/>
-                <a:latin typeface="Calibri" panose="020F0502020204030204" pitchFamily="34" charset="0"/>
-                <a:ea typeface="Calibri" panose="020F0502020204030204" pitchFamily="34" charset="0"/>
-                <a:cs typeface="Times New Roman" panose="02020603050405020304" pitchFamily="18" charset="0"/>
-              </a:rPr>
-              <a:t>Your function should return a list of team scores ordered by the team finish place (i.e., the winning team should be index 0).  </a:t>
-            </a:r>
-          </a:p>
-          <a:p>
-            <a:pPr marL="0" indent="0">
-              <a:buNone/>
-            </a:pPr>
-            <a:r>
-              <a:rPr lang="en-US" sz="1800" dirty="0">
-                <a:effectLst/>
-                <a:latin typeface="Calibri" panose="020F0502020204030204" pitchFamily="34" charset="0"/>
-                <a:ea typeface="Calibri" panose="020F0502020204030204" pitchFamily="34" charset="0"/>
-                <a:cs typeface="Times New Roman" panose="02020603050405020304" pitchFamily="18" charset="0"/>
-              </a:rPr>
-              <a:t>Each </a:t>
-            </a:r>
-            <a:r>
-              <a:rPr lang="en-US" sz="1800" dirty="0" err="1">
-                <a:effectLst/>
-                <a:latin typeface="Calibri" panose="020F0502020204030204" pitchFamily="34" charset="0"/>
-                <a:ea typeface="Calibri" panose="020F0502020204030204" pitchFamily="34" charset="0"/>
-                <a:cs typeface="Times New Roman" panose="02020603050405020304" pitchFamily="18" charset="0"/>
-              </a:rPr>
-              <a:t>TeamScore</a:t>
-            </a:r>
-            <a:r>
-              <a:rPr lang="en-US" sz="1800" dirty="0">
-                <a:effectLst/>
-                <a:latin typeface="Calibri" panose="020F0502020204030204" pitchFamily="34" charset="0"/>
-                <a:ea typeface="Calibri" panose="020F0502020204030204" pitchFamily="34" charset="0"/>
-                <a:cs typeface="Times New Roman" panose="02020603050405020304" pitchFamily="18" charset="0"/>
-              </a:rPr>
-              <a:t> element in the returned list should include the Team Name, the Total Points earned by the team, and a list of point values for all participants on the team who earned points.</a:t>
-            </a:r>
-          </a:p>
-          <a:p>
-            <a:pPr marL="0" indent="0">
-              <a:buNone/>
-            </a:pPr>
-            <a:endParaRPr lang="en-US" dirty="0"/>
-          </a:p>
-        </p:txBody>
-      </p:sp>
-      <p:sp>
-        <p:nvSpPr>
-          <p:cNvPr id="5" name="TextBox 4">
-            <a:extLst>
-              <a:ext uri="{FF2B5EF4-FFF2-40B4-BE49-F238E27FC236}">
-                <a16:creationId xmlns:a16="http://schemas.microsoft.com/office/drawing/2014/main" id="{BE2E2FA7-EF4C-4E8A-ACCF-0F09254ECE95}"/>
-              </a:ext>
-            </a:extLst>
-          </p:cNvPr>
-          <p:cNvSpPr txBox="1"/>
-          <p:nvPr/>
-        </p:nvSpPr>
-        <p:spPr>
-          <a:xfrm>
-            <a:off x="4772191" y="2089005"/>
-            <a:ext cx="7157024" cy="2308324"/>
-          </a:xfrm>
-          <a:prstGeom prst="rect">
-            <a:avLst/>
-          </a:prstGeom>
-          <a:noFill/>
-        </p:spPr>
-        <p:txBody>
-          <a:bodyPr wrap="none" rtlCol="0">
-            <a:spAutoFit/>
-          </a:bodyPr>
-          <a:lstStyle/>
-          <a:p>
-            <a:r>
-              <a:rPr lang="en-US" sz="1800" dirty="0"/>
-              <a:t> public class </a:t>
-            </a:r>
-            <a:r>
-              <a:rPr lang="en-US" sz="1800" dirty="0" err="1"/>
-              <a:t>ScoreManager</a:t>
-            </a:r>
-            <a:endParaRPr lang="en-US" sz="1800" dirty="0"/>
-          </a:p>
-          <a:p>
-            <a:r>
-              <a:rPr lang="en-US" sz="1800" dirty="0"/>
-              <a:t>    {</a:t>
-            </a:r>
-          </a:p>
-          <a:p>
-            <a:r>
-              <a:rPr lang="en-US" sz="1800" dirty="0"/>
-              <a:t>        public List&lt;</a:t>
-            </a:r>
-            <a:r>
-              <a:rPr lang="en-US" sz="1800" dirty="0" err="1"/>
-              <a:t>TeamScore</a:t>
-            </a:r>
-            <a:r>
-              <a:rPr lang="en-US" sz="1800" dirty="0"/>
-              <a:t>&gt; </a:t>
-            </a:r>
-            <a:r>
-              <a:rPr lang="en-US" sz="1800" dirty="0" err="1"/>
-              <a:t>GetTeamScores</a:t>
-            </a:r>
-            <a:r>
-              <a:rPr lang="en-US" sz="1800" dirty="0"/>
-              <a:t>(List&lt;Participant&gt; participants)</a:t>
-            </a:r>
-          </a:p>
-          <a:p>
-            <a:r>
-              <a:rPr lang="en-US" sz="1800" dirty="0"/>
-              <a:t>        {</a:t>
-            </a:r>
-          </a:p>
-          <a:p>
-            <a:r>
-              <a:rPr lang="en-US" sz="1800" dirty="0"/>
-              <a:t>            // implement this function</a:t>
-            </a:r>
-          </a:p>
-          <a:p>
-            <a:r>
-              <a:rPr lang="en-US" sz="1800" dirty="0"/>
-              <a:t>        }</a:t>
-            </a:r>
-          </a:p>
-          <a:p>
-            <a:r>
-              <a:rPr lang="en-US" sz="1800" dirty="0"/>
-              <a:t>    }</a:t>
-            </a:r>
-          </a:p>
-          <a:p>
+            <a:r>
+              <a:rPr lang="en-US" sz="3600" dirty="0"/>
+              <a:t>https://github.com/Ingage-Meetup/XC-20210120</a:t>
+            </a:r>
+            <a:br>
+              <a:rPr lang="en-US" sz="3600" dirty="0"/>
+            </a:br>
             <a:endParaRPr lang="en-US" dirty="0"/>
           </a:p>
         </p:txBody>
@@ -8105,7 +7954,7 @@
     </p:spTree>
     <p:extLst>
       <p:ext uri="{BB962C8B-B14F-4D97-AF65-F5344CB8AC3E}">
-        <p14:creationId xmlns:p14="http://schemas.microsoft.com/office/powerpoint/2010/main" val="2941489057"/>
+        <p14:creationId xmlns:p14="http://schemas.microsoft.com/office/powerpoint/2010/main" val="3368888195"/>
       </p:ext>
     </p:extLst>
   </p:cSld>
@@ -8339,7 +8188,15 @@
             </a:r>
             <a:r>
               <a:rPr lang="en-US" dirty="0"/>
-              <a:t> licenses, good for any of their IDEs (IntelliJ, WebStorm, etc.)</a:t>
+              <a:t> licenses, good for any of their IDEs (IntelliJ, WebStorm, etc.) or </a:t>
+            </a:r>
+            <a:r>
+              <a:rPr lang="en-US" dirty="0" err="1"/>
+              <a:t>Resharper</a:t>
+            </a:r>
+            <a:r>
+              <a:rPr lang="en-US" dirty="0"/>
+              <a:t>.</a:t>
             </a:r>
           </a:p>
           <a:p>
@@ -8484,6 +8341,72 @@
       </p:grpSpPr>
       <p:pic>
         <p:nvPicPr>
+          <p:cNvPr id="5" name="Picture 4">
+            <a:extLst>
+              <a:ext uri="{FF2B5EF4-FFF2-40B4-BE49-F238E27FC236}">
+                <a16:creationId xmlns:a16="http://schemas.microsoft.com/office/drawing/2014/main" id="{7C077CD7-8D95-48D5-A7E0-0534826AB308}"/>
+              </a:ext>
+            </a:extLst>
+          </p:cNvPr>
+          <p:cNvPicPr>
+            <a:picLocks noChangeAspect="1"/>
+          </p:cNvPicPr>
+          <p:nvPr/>
+        </p:nvPicPr>
+        <p:blipFill>
+          <a:blip r:embed="rId3">
+            <a:extLst>
+              <a:ext uri="{28A0092B-C50C-407E-A947-70E740481C1C}">
+                <a14:useLocalDpi xmlns:a14="http://schemas.microsoft.com/office/drawing/2010/main" val="0"/>
+              </a:ext>
+            </a:extLst>
+          </a:blip>
+          <a:stretch>
+            <a:fillRect/>
+          </a:stretch>
+        </p:blipFill>
+        <p:spPr>
+          <a:xfrm>
+            <a:off x="3684644" y="918700"/>
+            <a:ext cx="4822712" cy="5939300"/>
+          </a:xfrm>
+          <a:prstGeom prst="rect">
+            <a:avLst/>
+          </a:prstGeom>
+        </p:spPr>
+      </p:pic>
+    </p:spTree>
+    <p:extLst>
+      <p:ext uri="{BB962C8B-B14F-4D97-AF65-F5344CB8AC3E}">
+        <p14:creationId xmlns:p14="http://schemas.microsoft.com/office/powerpoint/2010/main" val="353450255"/>
+      </p:ext>
+    </p:extLst>
+  </p:cSld>
+  <p:clrMapOvr>
+    <a:masterClrMapping/>
+  </p:clrMapOvr>
+</p:sld>
+</file>
+
+<file path=ppt/slides/slide6.xml><?xml version="1.0" encoding="utf-8"?>
+<p:sld xmlns:a="http://schemas.openxmlformats.org/drawingml/2006/main" xmlns:r="http://schemas.openxmlformats.org/officeDocument/2006/relationships" xmlns:p="http://schemas.openxmlformats.org/presentationml/2006/main">
+  <p:cSld>
+    <p:spTree>
+      <p:nvGrpSpPr>
+        <p:cNvPr id="1" name=""/>
+        <p:cNvGrpSpPr/>
+        <p:nvPr/>
+      </p:nvGrpSpPr>
+      <p:grpSpPr>
+        <a:xfrm>
+          <a:off x="0" y="0"/>
+          <a:ext cx="0" cy="0"/>
+          <a:chOff x="0" y="0"/>
+          <a:chExt cx="0" cy="0"/>
+        </a:xfrm>
+      </p:grpSpPr>
+      <p:pic>
+        <p:nvPicPr>
           <p:cNvPr id="3" name="Picture 2">
             <a:extLst>
               <a:ext uri="{FF2B5EF4-FFF2-40B4-BE49-F238E27FC236}">
@@ -8510,44 +8433,8 @@
         </p:blipFill>
         <p:spPr>
           <a:xfrm>
-            <a:off x="1883176" y="918700"/>
-            <a:ext cx="3276600" cy="4752975"/>
-          </a:xfrm>
-          <a:prstGeom prst="rect">
-            <a:avLst/>
-          </a:prstGeom>
-        </p:spPr>
-      </p:pic>
-      <p:pic>
-        <p:nvPicPr>
-          <p:cNvPr id="5" name="Picture 4">
-            <a:extLst>
-              <a:ext uri="{FF2B5EF4-FFF2-40B4-BE49-F238E27FC236}">
-                <a16:creationId xmlns:a16="http://schemas.microsoft.com/office/drawing/2014/main" id="{7C077CD7-8D95-48D5-A7E0-0534826AB308}"/>
-              </a:ext>
-            </a:extLst>
-          </p:cNvPr>
-          <p:cNvPicPr>
-            <a:picLocks noChangeAspect="1"/>
-          </p:cNvPicPr>
-          <p:nvPr/>
-        </p:nvPicPr>
-        <p:blipFill>
-          <a:blip r:embed="rId4">
-            <a:extLst>
-              <a:ext uri="{28A0092B-C50C-407E-A947-70E740481C1C}">
-                <a14:useLocalDpi xmlns:a14="http://schemas.microsoft.com/office/drawing/2010/main" val="0"/>
-              </a:ext>
-            </a:extLst>
-          </a:blip>
-          <a:stretch>
-            <a:fillRect/>
-          </a:stretch>
-        </p:blipFill>
-        <p:spPr>
-          <a:xfrm>
-            <a:off x="7032226" y="918700"/>
-            <a:ext cx="3867150" cy="4762500"/>
+            <a:off x="4041374" y="918700"/>
+            <a:ext cx="4109251" cy="5960803"/>
           </a:xfrm>
           <a:prstGeom prst="rect">
             <a:avLst/>
@@ -8557,7 +8444,7 @@
     </p:spTree>
     <p:extLst>
       <p:ext uri="{BB962C8B-B14F-4D97-AF65-F5344CB8AC3E}">
-        <p14:creationId xmlns:p14="http://schemas.microsoft.com/office/powerpoint/2010/main" val="353450255"/>
+        <p14:creationId xmlns:p14="http://schemas.microsoft.com/office/powerpoint/2010/main" val="731052386"/>
       </p:ext>
     </p:extLst>
   </p:cSld>
@@ -8567,7 +8454,220 @@
 </p:sld>
 </file>
 
-<file path=ppt/slides/slide6.xml><?xml version="1.0" encoding="utf-8"?>
+<file path=ppt/slides/slide7.xml><?xml version="1.0" encoding="utf-8"?>
+<p:sld xmlns:a="http://schemas.openxmlformats.org/drawingml/2006/main" xmlns:r="http://schemas.openxmlformats.org/officeDocument/2006/relationships" xmlns:p="http://schemas.openxmlformats.org/presentationml/2006/main">
+  <p:cSld>
+    <p:spTree>
+      <p:nvGrpSpPr>
+        <p:cNvPr id="1" name=""/>
+        <p:cNvGrpSpPr/>
+        <p:nvPr/>
+      </p:nvGrpSpPr>
+      <p:grpSpPr>
+        <a:xfrm>
+          <a:off x="0" y="0"/>
+          <a:ext cx="0" cy="0"/>
+          <a:chOff x="0" y="0"/>
+          <a:chExt cx="0" cy="0"/>
+        </a:xfrm>
+      </p:grpSpPr>
+      <p:sp>
+        <p:nvSpPr>
+          <p:cNvPr id="5" name="TextBox 4">
+            <a:extLst>
+              <a:ext uri="{FF2B5EF4-FFF2-40B4-BE49-F238E27FC236}">
+                <a16:creationId xmlns:a16="http://schemas.microsoft.com/office/drawing/2014/main" id="{0D643F2F-88A7-48F7-985C-267C8411ACF6}"/>
+              </a:ext>
+            </a:extLst>
+          </p:cNvPr>
+          <p:cNvSpPr txBox="1"/>
+          <p:nvPr/>
+        </p:nvSpPr>
+        <p:spPr>
+          <a:xfrm>
+            <a:off x="4793942" y="1253331"/>
+            <a:ext cx="6055697" cy="4524315"/>
+          </a:xfrm>
+          <a:prstGeom prst="rect">
+            <a:avLst/>
+          </a:prstGeom>
+          <a:noFill/>
+        </p:spPr>
+        <p:txBody>
+          <a:bodyPr wrap="none" rtlCol="0">
+            <a:spAutoFit/>
+          </a:bodyPr>
+          <a:lstStyle/>
+          <a:p>
+            <a:r>
+              <a:rPr lang="en-US" b="1" dirty="0">
+                <a:solidFill>
+                  <a:schemeClr val="bg2"/>
+                </a:solidFill>
+              </a:rPr>
+              <a:t>Published</a:t>
+            </a:r>
+            <a:br>
+              <a:rPr lang="en-US" dirty="0"/>
+            </a:br>
+            <a:endParaRPr lang="en-US" dirty="0"/>
+          </a:p>
+          <a:p>
+            <a:r>
+              <a:rPr lang="en-US" dirty="0"/>
+              <a:t>Volume 1 – Fundamental Algorithms</a:t>
+            </a:r>
+            <a:br>
+              <a:rPr lang="en-US" dirty="0"/>
+            </a:br>
+            <a:r>
+              <a:rPr lang="en-US" dirty="0"/>
+              <a:t>Volume 2 – </a:t>
+            </a:r>
+            <a:r>
+              <a:rPr lang="en-US" dirty="0" err="1"/>
+              <a:t>Seminumerical</a:t>
+            </a:r>
+            <a:r>
+              <a:rPr lang="en-US" dirty="0"/>
+              <a:t> Algorithms</a:t>
+            </a:r>
+            <a:br>
+              <a:rPr lang="en-US" dirty="0"/>
+            </a:br>
+            <a:r>
+              <a:rPr lang="en-US" dirty="0"/>
+              <a:t>Volume 3 – Sorting and Searching</a:t>
+            </a:r>
+            <a:br>
+              <a:rPr lang="en-US" dirty="0"/>
+            </a:br>
+            <a:r>
+              <a:rPr lang="en-US" dirty="0"/>
+              <a:t>Volume 4A – Combinatorial Algorithms, Part 1</a:t>
+            </a:r>
+            <a:br>
+              <a:rPr lang="en-US" dirty="0"/>
+            </a:br>
+            <a:endParaRPr lang="en-US" dirty="0"/>
+          </a:p>
+          <a:p>
+            <a:r>
+              <a:rPr lang="en-US" b="1" dirty="0">
+                <a:solidFill>
+                  <a:schemeClr val="bg2"/>
+                </a:solidFill>
+              </a:rPr>
+              <a:t>Planned</a:t>
+            </a:r>
+            <a:br>
+              <a:rPr lang="en-US" dirty="0"/>
+            </a:br>
+            <a:br>
+              <a:rPr lang="en-US" dirty="0"/>
+            </a:br>
+            <a:r>
+              <a:rPr lang="en-US" dirty="0"/>
+              <a:t>Volume 4B, 4C, etc. – Combinatorial Algorithms, Parts 2, 3, etc.</a:t>
+            </a:r>
+            <a:br>
+              <a:rPr lang="en-US" dirty="0"/>
+            </a:br>
+            <a:r>
+              <a:rPr lang="en-US" dirty="0"/>
+              <a:t>Volume 5 – Syntactic Algorithms (Lexical Analysis, Parsing)</a:t>
+            </a:r>
+          </a:p>
+          <a:p>
+            <a:endParaRPr lang="en-US" dirty="0"/>
+          </a:p>
+          <a:p>
+            <a:r>
+              <a:rPr lang="en-US" b="1" dirty="0">
+                <a:solidFill>
+                  <a:schemeClr val="bg2"/>
+                </a:solidFill>
+              </a:rPr>
+              <a:t>Maybe</a:t>
+            </a:r>
+            <a:br>
+              <a:rPr lang="en-US" dirty="0"/>
+            </a:br>
+            <a:endParaRPr lang="en-US" dirty="0"/>
+          </a:p>
+          <a:p>
+            <a:r>
+              <a:rPr lang="en-US" dirty="0"/>
+              <a:t>Volume 6 – Theory of Context-free Languages</a:t>
+            </a:r>
+          </a:p>
+          <a:p>
+            <a:r>
+              <a:rPr lang="en-US" dirty="0"/>
+              <a:t>Volume 7 – Compiler Techniques</a:t>
+            </a:r>
+          </a:p>
+        </p:txBody>
+      </p:sp>
+      <p:pic>
+        <p:nvPicPr>
+          <p:cNvPr id="1028" name="Picture 4" descr="The Art of Computer Programming, Volumes 1-4a Boxed Set">
+            <a:extLst>
+              <a:ext uri="{FF2B5EF4-FFF2-40B4-BE49-F238E27FC236}">
+                <a16:creationId xmlns:a16="http://schemas.microsoft.com/office/drawing/2014/main" id="{0C4460D7-EB3C-437B-8416-44BFF2B20763}"/>
+              </a:ext>
+            </a:extLst>
+          </p:cNvPr>
+          <p:cNvPicPr>
+            <a:picLocks noChangeAspect="1" noChangeArrowheads="1"/>
+          </p:cNvPicPr>
+          <p:nvPr/>
+        </p:nvPicPr>
+        <p:blipFill rotWithShape="1">
+          <a:blip r:embed="rId2">
+            <a:extLst>
+              <a:ext uri="{28A0092B-C50C-407E-A947-70E740481C1C}">
+                <a14:useLocalDpi xmlns:a14="http://schemas.microsoft.com/office/drawing/2010/main" val="0"/>
+              </a:ext>
+            </a:extLst>
+          </a:blip>
+          <a:srcRect t="22183" b="22413"/>
+          <a:stretch/>
+        </p:blipFill>
+        <p:spPr bwMode="auto">
+          <a:xfrm>
+            <a:off x="186430" y="1704511"/>
+            <a:ext cx="4395190" cy="3746377"/>
+          </a:xfrm>
+          <a:prstGeom prst="rect">
+            <a:avLst/>
+          </a:prstGeom>
+          <a:noFill/>
+          <a:extLst>
+            <a:ext uri="{909E8E84-426E-40DD-AFC4-6F175D3DCCD1}">
+              <a14:hiddenFill xmlns:a14="http://schemas.microsoft.com/office/drawing/2010/main">
+                <a:solidFill>
+                  <a:srgbClr val="FFFFFF"/>
+                </a:solidFill>
+              </a14:hiddenFill>
+            </a:ext>
+          </a:extLst>
+        </p:spPr>
+      </p:pic>
+    </p:spTree>
+    <p:extLst>
+      <p:ext uri="{BB962C8B-B14F-4D97-AF65-F5344CB8AC3E}">
+        <p14:creationId xmlns:p14="http://schemas.microsoft.com/office/powerpoint/2010/main" val="637421773"/>
+      </p:ext>
+    </p:extLst>
+  </p:cSld>
+  <p:clrMapOvr>
+    <a:masterClrMapping/>
+  </p:clrMapOvr>
+</p:sld>
+</file>
+
+<file path=ppt/slides/slide8.xml><?xml version="1.0" encoding="utf-8"?>
 <p:sld xmlns:a="http://schemas.openxmlformats.org/drawingml/2006/main" xmlns:r="http://schemas.openxmlformats.org/officeDocument/2006/relationships" xmlns:p="http://schemas.openxmlformats.org/presentationml/2006/main">
   <p:cSld>
     <p:spTree>
@@ -8755,7 +8855,7 @@
 </p:sld>
 </file>
 
-<file path=ppt/slides/slide7.xml><?xml version="1.0" encoding="utf-8"?>
+<file path=ppt/slides/slide9.xml><?xml version="1.0" encoding="utf-8"?>
 <p:sld xmlns:a="http://schemas.openxmlformats.org/drawingml/2006/main" xmlns:r="http://schemas.openxmlformats.org/officeDocument/2006/relationships" xmlns:p="http://schemas.openxmlformats.org/presentationml/2006/main">
   <p:cSld>
     <p:spTree>
@@ -8774,10 +8874,10 @@
       </p:grpSpPr>
       <p:sp>
         <p:nvSpPr>
-          <p:cNvPr id="3" name="Content Placeholder 2">
+          <p:cNvPr id="2" name="Title 1">
             <a:extLst>
               <a:ext uri="{FF2B5EF4-FFF2-40B4-BE49-F238E27FC236}">
-                <a16:creationId xmlns:a16="http://schemas.microsoft.com/office/drawing/2014/main" id="{754E46ED-7EAA-4C4D-86C2-37A78FEBE095}"/>
+                <a16:creationId xmlns:a16="http://schemas.microsoft.com/office/drawing/2014/main" id="{3D46D9AB-BFBF-49D6-A89F-0BCF91817C95}"/>
               </a:ext>
             </a:extLst>
           </p:cNvPr>
@@ -8785,32 +8885,34 @@
             <a:spLocks noGrp="1"/>
           </p:cNvSpPr>
           <p:nvPr>
-            <p:ph idx="1"/>
+            <p:ph type="title"/>
           </p:nvPr>
         </p:nvSpPr>
-        <p:spPr>
-          <a:xfrm>
-            <a:off x="1264763" y="1177915"/>
-            <a:ext cx="9662473" cy="5091752"/>
-          </a:xfrm>
-        </p:spPr>
+        <p:spPr/>
         <p:txBody>
           <a:bodyPr/>
           <a:lstStyle/>
           <a:p>
-            <a:pPr marL="0" indent="0">
-              <a:buNone/>
-            </a:pPr>
-            <a:endParaRPr lang="en-US" sz="2600" dirty="0"/>
-          </a:p>
-          <a:p>
-            <a:pPr marL="0" indent="0">
-              <a:buNone/>
-            </a:pPr>
             <a:r>
               <a:rPr lang="en-US" dirty="0"/>
-              <a:t>Cross country running is both an individual and a team sport.  Individuals are ranked based on the order that they cross the finish line.  A team score is calculated by assigning points to individual team members, and then summing the points of the team’s top five runners.   Teams are then ranked by the order of their team score from lowest to highest.  The rules for awarding points to individual team members, and calculating a team score are as follows:</a:t>
-            </a:r>
+              <a:t>Learning Reference</a:t>
+            </a:r>
+            <a:br>
+              <a:rPr lang="en-US" dirty="0"/>
+            </a:br>
+            <a:br>
+              <a:rPr lang="en-US" dirty="0"/>
+            </a:br>
+            <a:r>
+              <a:rPr lang="en-US" dirty="0"/>
+              <a:t>https://github.com/sindresorhus/awesome</a:t>
+            </a:r>
+            <a:br>
+              <a:rPr lang="en-US" dirty="0"/>
+            </a:br>
+            <a:br>
+              <a:rPr lang="en-US" dirty="0"/>
+            </a:br>
             <a:br>
               <a:rPr lang="en-US" dirty="0"/>
             </a:br>
@@ -8818,5739 +8920,40 @@
           </a:p>
         </p:txBody>
       </p:sp>
-      <p:sp>
-        <p:nvSpPr>
-          <p:cNvPr id="6" name="TextBox 5">
+      <p:pic>
+        <p:nvPicPr>
+          <p:cNvPr id="5" name="Picture 4">
             <a:extLst>
               <a:ext uri="{FF2B5EF4-FFF2-40B4-BE49-F238E27FC236}">
-                <a16:creationId xmlns:a16="http://schemas.microsoft.com/office/drawing/2014/main" id="{7965A1C9-2280-4DF1-B0B3-D8F1C3D58892}"/>
+                <a16:creationId xmlns:a16="http://schemas.microsoft.com/office/drawing/2014/main" id="{8381F070-29FA-4B5B-ADF5-B85CC1F613DF}"/>
               </a:ext>
             </a:extLst>
           </p:cNvPr>
-          <p:cNvSpPr txBox="1"/>
+          <p:cNvPicPr>
+            <a:picLocks noChangeAspect="1"/>
+          </p:cNvPicPr>
           <p:nvPr/>
-        </p:nvSpPr>
+        </p:nvPicPr>
+        <p:blipFill>
+          <a:blip r:embed="rId2"/>
+          <a:stretch>
+            <a:fillRect/>
+          </a:stretch>
+        </p:blipFill>
         <p:spPr>
           <a:xfrm>
-            <a:off x="838200" y="211260"/>
-            <a:ext cx="3837495" cy="646331"/>
+            <a:off x="3773888" y="2864313"/>
+            <a:ext cx="5070352" cy="3553985"/>
           </a:xfrm>
           <a:prstGeom prst="rect">
             <a:avLst/>
           </a:prstGeom>
-          <a:noFill/>
         </p:spPr>
-        <p:txBody>
-          <a:bodyPr wrap="square" rtlCol="0">
-            <a:spAutoFit/>
-          </a:bodyPr>
-          <a:lstStyle/>
-          <a:p>
-            <a:r>
-              <a:rPr lang="en-US" sz="3600" dirty="0"/>
-              <a:t>XC Team Scoring</a:t>
-            </a:r>
-          </a:p>
-        </p:txBody>
-      </p:sp>
+      </p:pic>
     </p:spTree>
     <p:extLst>
       <p:ext uri="{BB962C8B-B14F-4D97-AF65-F5344CB8AC3E}">
-        <p14:creationId xmlns:p14="http://schemas.microsoft.com/office/powerpoint/2010/main" val="3842132391"/>
-      </p:ext>
-    </p:extLst>
-  </p:cSld>
-  <p:clrMapOvr>
-    <a:masterClrMapping/>
-  </p:clrMapOvr>
-  <p:timing>
-    <p:tnLst>
-      <p:par>
-        <p:cTn id="1" dur="indefinite" restart="never" nodeType="tmRoot">
-          <p:childTnLst>
-            <p:seq concurrent="1" nextAc="seek">
-              <p:cTn id="2" dur="indefinite" nodeType="mainSeq">
-                <p:childTnLst>
-                  <p:par>
-                    <p:cTn id="3" fill="hold">
-                      <p:stCondLst>
-                        <p:cond delay="indefinite"/>
-                      </p:stCondLst>
-                      <p:childTnLst>
-                        <p:par>
-                          <p:cTn id="4" fill="hold">
-                            <p:stCondLst>
-                              <p:cond delay="0"/>
-                            </p:stCondLst>
-                            <p:childTnLst>
-                              <p:par>
-                                <p:cTn id="5" presetID="1" presetClass="entr" presetSubtype="0" fill="hold" grpId="0" nodeType="clickEffect">
-                                  <p:stCondLst>
-                                    <p:cond delay="0"/>
-                                  </p:stCondLst>
-                                  <p:childTnLst>
-                                    <p:set>
-                                      <p:cBhvr>
-                                        <p:cTn id="6" dur="1" fill="hold">
-                                          <p:stCondLst>
-                                            <p:cond delay="0"/>
-                                          </p:stCondLst>
-                                        </p:cTn>
-                                        <p:tgtEl>
-                                          <p:spTgt spid="3">
-                                            <p:txEl>
-                                              <p:pRg st="1" end="1"/>
-                                            </p:txEl>
-                                          </p:spTgt>
-                                        </p:tgtEl>
-                                        <p:attrNameLst>
-                                          <p:attrName>style.visibility</p:attrName>
-                                        </p:attrNameLst>
-                                      </p:cBhvr>
-                                      <p:to>
-                                        <p:strVal val="visible"/>
-                                      </p:to>
-                                    </p:set>
-                                  </p:childTnLst>
-                                </p:cTn>
-                              </p:par>
-                            </p:childTnLst>
-                          </p:cTn>
-                        </p:par>
-                      </p:childTnLst>
-                    </p:cTn>
-                  </p:par>
-                </p:childTnLst>
-              </p:cTn>
-              <p:prevCondLst>
-                <p:cond evt="onPrev" delay="0">
-                  <p:tgtEl>
-                    <p:sldTgt/>
-                  </p:tgtEl>
-                </p:cond>
-              </p:prevCondLst>
-              <p:nextCondLst>
-                <p:cond evt="onNext" delay="0">
-                  <p:tgtEl>
-                    <p:sldTgt/>
-                  </p:tgtEl>
-                </p:cond>
-              </p:nextCondLst>
-            </p:seq>
-          </p:childTnLst>
-        </p:cTn>
-      </p:par>
-    </p:tnLst>
-    <p:bldLst>
-      <p:bldP spid="3" grpId="0" build="p"/>
-    </p:bldLst>
-  </p:timing>
-</p:sld>
-</file>
-
-<file path=ppt/slides/slide8.xml><?xml version="1.0" encoding="utf-8"?>
-<p:sld xmlns:a="http://schemas.openxmlformats.org/drawingml/2006/main" xmlns:r="http://schemas.openxmlformats.org/officeDocument/2006/relationships" xmlns:p="http://schemas.openxmlformats.org/presentationml/2006/main">
-  <p:cSld>
-    <p:spTree>
-      <p:nvGrpSpPr>
-        <p:cNvPr id="1" name=""/>
-        <p:cNvGrpSpPr/>
-        <p:nvPr/>
-      </p:nvGrpSpPr>
-      <p:grpSpPr>
-        <a:xfrm>
-          <a:off x="0" y="0"/>
-          <a:ext cx="0" cy="0"/>
-          <a:chOff x="0" y="0"/>
-          <a:chExt cx="0" cy="0"/>
-        </a:xfrm>
-      </p:grpSpPr>
-      <p:sp>
-        <p:nvSpPr>
-          <p:cNvPr id="3" name="Content Placeholder 2">
-            <a:extLst>
-              <a:ext uri="{FF2B5EF4-FFF2-40B4-BE49-F238E27FC236}">
-                <a16:creationId xmlns:a16="http://schemas.microsoft.com/office/drawing/2014/main" id="{E9635E9D-161D-477F-A72F-F661C8F601A4}"/>
-              </a:ext>
-            </a:extLst>
-          </p:cNvPr>
-          <p:cNvSpPr>
-            <a:spLocks noGrp="1"/>
-          </p:cNvSpPr>
-          <p:nvPr>
-            <p:ph idx="1"/>
-          </p:nvPr>
-        </p:nvSpPr>
-        <p:spPr>
-          <a:xfrm>
-            <a:off x="838200" y="1171852"/>
-            <a:ext cx="10515600" cy="5005111"/>
-          </a:xfrm>
-        </p:spPr>
-        <p:txBody>
-          <a:bodyPr/>
-          <a:lstStyle/>
-          <a:p>
-            <a:pPr marL="342900" marR="0" lvl="0" indent="-342900">
-              <a:lnSpc>
-                <a:spcPct val="107000"/>
-              </a:lnSpc>
-              <a:spcBef>
-                <a:spcPts val="0"/>
-              </a:spcBef>
-              <a:spcAft>
-                <a:spcPts val="0"/>
-              </a:spcAft>
-              <a:buFont typeface="Symbol" panose="05050102010706020507" pitchFamily="18" charset="2"/>
-              <a:buChar char=""/>
-            </a:pPr>
-            <a:r>
-              <a:rPr lang="en-US" sz="2400" dirty="0">
-                <a:effectLst/>
-                <a:latin typeface="Calibri" panose="020F0502020204030204" pitchFamily="34" charset="0"/>
-                <a:ea typeface="Calibri" panose="020F0502020204030204" pitchFamily="34" charset="0"/>
-                <a:cs typeface="Times New Roman" panose="02020603050405020304" pitchFamily="18" charset="0"/>
-              </a:rPr>
-              <a:t>A team must have at least five runners to earn points and receive a team score.  If a team has less than five runners, those runners cannot earn points and the team is excluded from the team results.  </a:t>
-            </a:r>
-          </a:p>
-          <a:p>
-            <a:pPr marL="342900" marR="0" lvl="0" indent="-342900">
-              <a:lnSpc>
-                <a:spcPct val="107000"/>
-              </a:lnSpc>
-              <a:spcBef>
-                <a:spcPts val="0"/>
-              </a:spcBef>
-              <a:spcAft>
-                <a:spcPts val="0"/>
-              </a:spcAft>
-              <a:buFont typeface="Symbol" panose="05050102010706020507" pitchFamily="18" charset="2"/>
-              <a:buChar char=""/>
-            </a:pPr>
-            <a:r>
-              <a:rPr lang="en-US" sz="2400" dirty="0">
-                <a:effectLst/>
-                <a:latin typeface="Calibri" panose="020F0502020204030204" pitchFamily="34" charset="0"/>
-                <a:ea typeface="Calibri" panose="020F0502020204030204" pitchFamily="34" charset="0"/>
-                <a:cs typeface="Times New Roman" panose="02020603050405020304" pitchFamily="18" charset="0"/>
-              </a:rPr>
-              <a:t>Only the top seven runners from each team earn points; if a team has more than seven runners, the additional runners do not earn points and are excluded from the team results.</a:t>
-            </a:r>
-          </a:p>
-          <a:p>
-            <a:pPr marL="342900" marR="0" lvl="0" indent="-342900">
-              <a:lnSpc>
-                <a:spcPct val="107000"/>
-              </a:lnSpc>
-              <a:spcBef>
-                <a:spcPts val="0"/>
-              </a:spcBef>
-              <a:spcAft>
-                <a:spcPts val="0"/>
-              </a:spcAft>
-              <a:buFont typeface="Symbol" panose="05050102010706020507" pitchFamily="18" charset="2"/>
-              <a:buChar char=""/>
-            </a:pPr>
-            <a:r>
-              <a:rPr lang="en-US" sz="2400" dirty="0">
-                <a:effectLst/>
-                <a:latin typeface="Calibri" panose="020F0502020204030204" pitchFamily="34" charset="0"/>
-                <a:ea typeface="Calibri" panose="020F0502020204030204" pitchFamily="34" charset="0"/>
-                <a:cs typeface="Times New Roman" panose="02020603050405020304" pitchFamily="18" charset="0"/>
-              </a:rPr>
-              <a:t>Each team's score is calculated by adding up the points earned by the top five runners on that team.</a:t>
-            </a:r>
-          </a:p>
-          <a:p>
-            <a:pPr marL="342900" marR="0" lvl="0" indent="-342900">
-              <a:lnSpc>
-                <a:spcPct val="107000"/>
-              </a:lnSpc>
-              <a:spcBef>
-                <a:spcPts val="0"/>
-              </a:spcBef>
-              <a:spcAft>
-                <a:spcPts val="0"/>
-              </a:spcAft>
-              <a:buFont typeface="Symbol" panose="05050102010706020507" pitchFamily="18" charset="2"/>
-              <a:buChar char=""/>
-            </a:pPr>
-            <a:r>
-              <a:rPr lang="en-US" sz="2400" dirty="0">
-                <a:effectLst/>
-                <a:latin typeface="Calibri" panose="020F0502020204030204" pitchFamily="34" charset="0"/>
-                <a:ea typeface="Calibri" panose="020F0502020204030204" pitchFamily="34" charset="0"/>
-                <a:cs typeface="Times New Roman" panose="02020603050405020304" pitchFamily="18" charset="0"/>
-              </a:rPr>
-              <a:t>In the event of a tie where multiple teams earn the same team score, the 6th-place runner from each of those teams is the tiebreaker (i.e., the team whose 6th-place runner earned a lower point value wins).</a:t>
-            </a:r>
-          </a:p>
-          <a:p>
-            <a:pPr marL="0" indent="0">
-              <a:buNone/>
-            </a:pPr>
-            <a:endParaRPr lang="en-US" dirty="0"/>
-          </a:p>
-        </p:txBody>
-      </p:sp>
-    </p:spTree>
-    <p:extLst>
-      <p:ext uri="{BB962C8B-B14F-4D97-AF65-F5344CB8AC3E}">
-        <p14:creationId xmlns:p14="http://schemas.microsoft.com/office/powerpoint/2010/main" val="173376209"/>
-      </p:ext>
-    </p:extLst>
-  </p:cSld>
-  <p:clrMapOvr>
-    <a:masterClrMapping/>
-  </p:clrMapOvr>
-</p:sld>
-</file>
-
-<file path=ppt/slides/slide9.xml><?xml version="1.0" encoding="utf-8"?>
-<p:sld xmlns:a="http://schemas.openxmlformats.org/drawingml/2006/main" xmlns:r="http://schemas.openxmlformats.org/officeDocument/2006/relationships" xmlns:p="http://schemas.openxmlformats.org/presentationml/2006/main">
-  <p:cSld>
-    <p:spTree>
-      <p:nvGrpSpPr>
-        <p:cNvPr id="1" name=""/>
-        <p:cNvGrpSpPr/>
-        <p:nvPr/>
-      </p:nvGrpSpPr>
-      <p:grpSpPr>
-        <a:xfrm>
-          <a:off x="0" y="0"/>
-          <a:ext cx="0" cy="0"/>
-          <a:chOff x="0" y="0"/>
-          <a:chExt cx="0" cy="0"/>
-        </a:xfrm>
-      </p:grpSpPr>
-      <p:graphicFrame>
-        <p:nvGraphicFramePr>
-          <p:cNvPr id="4" name="Content Placeholder 3">
-            <a:extLst>
-              <a:ext uri="{FF2B5EF4-FFF2-40B4-BE49-F238E27FC236}">
-                <a16:creationId xmlns:a16="http://schemas.microsoft.com/office/drawing/2014/main" id="{EEBFA518-33F9-4E60-B9A2-7DFC6DAD0D5F}"/>
-              </a:ext>
-            </a:extLst>
-          </p:cNvPr>
-          <p:cNvGraphicFramePr>
-            <a:graphicFrameLocks noGrp="1"/>
-          </p:cNvGraphicFramePr>
-          <p:nvPr>
-            <p:ph idx="1"/>
-            <p:extLst>
-              <p:ext uri="{D42A27DB-BD31-4B8C-83A1-F6EECF244321}">
-                <p14:modId xmlns:p14="http://schemas.microsoft.com/office/powerpoint/2010/main" val="2944325708"/>
-              </p:ext>
-            </p:extLst>
-          </p:nvPr>
-        </p:nvGraphicFramePr>
-        <p:xfrm>
-          <a:off x="351548" y="1631188"/>
-          <a:ext cx="5143500" cy="4971288"/>
-        </p:xfrm>
-        <a:graphic>
-          <a:graphicData uri="http://schemas.openxmlformats.org/drawingml/2006/table">
-            <a:tbl>
-              <a:tblPr firstRow="1" firstCol="1" bandRow="1">
-                <a:tableStyleId>{5C22544A-7EE6-4342-B048-85BDC9FD1C3A}</a:tableStyleId>
-              </a:tblPr>
-              <a:tblGrid>
-                <a:gridCol w="443865">
-                  <a:extLst>
-                    <a:ext uri="{9D8B030D-6E8A-4147-A177-3AD203B41FA5}">
-                      <a16:colId xmlns:a16="http://schemas.microsoft.com/office/drawing/2014/main" val="842130064"/>
-                    </a:ext>
-                  </a:extLst>
-                </a:gridCol>
-                <a:gridCol w="1282700">
-                  <a:extLst>
-                    <a:ext uri="{9D8B030D-6E8A-4147-A177-3AD203B41FA5}">
-                      <a16:colId xmlns:a16="http://schemas.microsoft.com/office/drawing/2014/main" val="1143668647"/>
-                    </a:ext>
-                  </a:extLst>
-                </a:gridCol>
-                <a:gridCol w="1759585">
-                  <a:extLst>
-                    <a:ext uri="{9D8B030D-6E8A-4147-A177-3AD203B41FA5}">
-                      <a16:colId xmlns:a16="http://schemas.microsoft.com/office/drawing/2014/main" val="152514792"/>
-                    </a:ext>
-                  </a:extLst>
-                </a:gridCol>
-                <a:gridCol w="971550">
-                  <a:extLst>
-                    <a:ext uri="{9D8B030D-6E8A-4147-A177-3AD203B41FA5}">
-                      <a16:colId xmlns:a16="http://schemas.microsoft.com/office/drawing/2014/main" val="1346019248"/>
-                    </a:ext>
-                  </a:extLst>
-                </a:gridCol>
-                <a:gridCol w="685800">
-                  <a:extLst>
-                    <a:ext uri="{9D8B030D-6E8A-4147-A177-3AD203B41FA5}">
-                      <a16:colId xmlns:a16="http://schemas.microsoft.com/office/drawing/2014/main" val="1978512431"/>
-                    </a:ext>
-                  </a:extLst>
-                </a:gridCol>
-              </a:tblGrid>
-              <a:tr h="0">
-                <a:tc>
-                  <a:txBody>
-                    <a:bodyPr/>
-                    <a:lstStyle/>
-                    <a:p>
-                      <a:pPr marL="0" marR="0">
-                        <a:lnSpc>
-                          <a:spcPct val="107000"/>
-                        </a:lnSpc>
-                        <a:spcBef>
-                          <a:spcPts val="0"/>
-                        </a:spcBef>
-                        <a:spcAft>
-                          <a:spcPts val="0"/>
-                        </a:spcAft>
-                      </a:pPr>
-                      <a:r>
-                        <a:rPr lang="en-US" sz="1000">
-                          <a:effectLst/>
-                        </a:rPr>
-                        <a:t>Place</a:t>
-                      </a:r>
-                      <a:endParaRPr lang="en-US" sz="1100">
-                        <a:effectLst/>
-                        <a:latin typeface="Calibri" panose="020F0502020204030204" pitchFamily="34" charset="0"/>
-                        <a:ea typeface="Calibri" panose="020F0502020204030204" pitchFamily="34" charset="0"/>
-                        <a:cs typeface="Times New Roman" panose="02020603050405020304" pitchFamily="18" charset="0"/>
-                      </a:endParaRPr>
-                    </a:p>
-                  </a:txBody>
-                  <a:tcPr marL="68580" marR="68580" marT="0" marB="0" anchor="b"/>
-                </a:tc>
-                <a:tc>
-                  <a:txBody>
-                    <a:bodyPr/>
-                    <a:lstStyle/>
-                    <a:p>
-                      <a:pPr marL="0" marR="0">
-                        <a:lnSpc>
-                          <a:spcPct val="107000"/>
-                        </a:lnSpc>
-                        <a:spcBef>
-                          <a:spcPts val="0"/>
-                        </a:spcBef>
-                        <a:spcAft>
-                          <a:spcPts val="0"/>
-                        </a:spcAft>
-                      </a:pPr>
-                      <a:r>
-                        <a:rPr lang="en-US" sz="1000">
-                          <a:effectLst/>
-                        </a:rPr>
-                        <a:t>Athlete Name</a:t>
-                      </a:r>
-                      <a:endParaRPr lang="en-US" sz="1100">
-                        <a:effectLst/>
-                        <a:latin typeface="Calibri" panose="020F0502020204030204" pitchFamily="34" charset="0"/>
-                        <a:ea typeface="Calibri" panose="020F0502020204030204" pitchFamily="34" charset="0"/>
-                        <a:cs typeface="Times New Roman" panose="02020603050405020304" pitchFamily="18" charset="0"/>
-                      </a:endParaRPr>
-                    </a:p>
-                  </a:txBody>
-                  <a:tcPr marL="68580" marR="68580" marT="0" marB="0" anchor="b"/>
-                </a:tc>
-                <a:tc>
-                  <a:txBody>
-                    <a:bodyPr/>
-                    <a:lstStyle/>
-                    <a:p>
-                      <a:pPr marL="0" marR="0">
-                        <a:lnSpc>
-                          <a:spcPct val="107000"/>
-                        </a:lnSpc>
-                        <a:spcBef>
-                          <a:spcPts val="0"/>
-                        </a:spcBef>
-                        <a:spcAft>
-                          <a:spcPts val="0"/>
-                        </a:spcAft>
-                      </a:pPr>
-                      <a:r>
-                        <a:rPr lang="en-US" sz="1000">
-                          <a:effectLst/>
-                        </a:rPr>
-                        <a:t>Team Name</a:t>
-                      </a:r>
-                      <a:endParaRPr lang="en-US" sz="1100">
-                        <a:effectLst/>
-                        <a:latin typeface="Calibri" panose="020F0502020204030204" pitchFamily="34" charset="0"/>
-                        <a:ea typeface="Calibri" panose="020F0502020204030204" pitchFamily="34" charset="0"/>
-                        <a:cs typeface="Times New Roman" panose="02020603050405020304" pitchFamily="18" charset="0"/>
-                      </a:endParaRPr>
-                    </a:p>
-                  </a:txBody>
-                  <a:tcPr marL="68580" marR="68580" marT="0" marB="0" anchor="b"/>
-                </a:tc>
-                <a:tc>
-                  <a:txBody>
-                    <a:bodyPr/>
-                    <a:lstStyle/>
-                    <a:p>
-                      <a:pPr marL="0" marR="0" algn="r">
-                        <a:lnSpc>
-                          <a:spcPct val="107000"/>
-                        </a:lnSpc>
-                        <a:spcBef>
-                          <a:spcPts val="0"/>
-                        </a:spcBef>
-                        <a:spcAft>
-                          <a:spcPts val="0"/>
-                        </a:spcAft>
-                      </a:pPr>
-                      <a:r>
-                        <a:rPr lang="en-US" sz="1000">
-                          <a:effectLst/>
-                        </a:rPr>
-                        <a:t>Elapsed Time</a:t>
-                      </a:r>
-                      <a:endParaRPr lang="en-US" sz="1100">
-                        <a:effectLst/>
-                        <a:latin typeface="Calibri" panose="020F0502020204030204" pitchFamily="34" charset="0"/>
-                        <a:ea typeface="Calibri" panose="020F0502020204030204" pitchFamily="34" charset="0"/>
-                        <a:cs typeface="Times New Roman" panose="02020603050405020304" pitchFamily="18" charset="0"/>
-                      </a:endParaRPr>
-                    </a:p>
-                  </a:txBody>
-                  <a:tcPr marL="68580" marR="68580" marT="0" marB="0" anchor="b"/>
-                </a:tc>
-                <a:tc>
-                  <a:txBody>
-                    <a:bodyPr/>
-                    <a:lstStyle/>
-                    <a:p>
-                      <a:pPr marL="0" marR="0" algn="r">
-                        <a:lnSpc>
-                          <a:spcPct val="107000"/>
-                        </a:lnSpc>
-                        <a:spcBef>
-                          <a:spcPts val="0"/>
-                        </a:spcBef>
-                        <a:spcAft>
-                          <a:spcPts val="0"/>
-                        </a:spcAft>
-                      </a:pPr>
-                      <a:r>
-                        <a:rPr lang="en-US" sz="1000">
-                          <a:effectLst/>
-                        </a:rPr>
-                        <a:t>Points</a:t>
-                      </a:r>
-                      <a:endParaRPr lang="en-US" sz="1100">
-                        <a:effectLst/>
-                        <a:latin typeface="Calibri" panose="020F0502020204030204" pitchFamily="34" charset="0"/>
-                        <a:ea typeface="Calibri" panose="020F0502020204030204" pitchFamily="34" charset="0"/>
-                        <a:cs typeface="Times New Roman" panose="02020603050405020304" pitchFamily="18" charset="0"/>
-                      </a:endParaRPr>
-                    </a:p>
-                  </a:txBody>
-                  <a:tcPr marL="68580" marR="68580" marT="0" marB="0" anchor="b"/>
-                </a:tc>
-                <a:extLst>
-                  <a:ext uri="{0D108BD9-81ED-4DB2-BD59-A6C34878D82A}">
-                    <a16:rowId xmlns:a16="http://schemas.microsoft.com/office/drawing/2014/main" val="1930135970"/>
-                  </a:ext>
-                </a:extLst>
-              </a:tr>
-              <a:tr h="0">
-                <a:tc>
-                  <a:txBody>
-                    <a:bodyPr/>
-                    <a:lstStyle/>
-                    <a:p>
-                      <a:pPr marL="0" marR="0" algn="r">
-                        <a:lnSpc>
-                          <a:spcPct val="107000"/>
-                        </a:lnSpc>
-                        <a:spcBef>
-                          <a:spcPts val="0"/>
-                        </a:spcBef>
-                        <a:spcAft>
-                          <a:spcPts val="0"/>
-                        </a:spcAft>
-                      </a:pPr>
-                      <a:r>
-                        <a:rPr lang="en-US" sz="1000">
-                          <a:effectLst/>
-                        </a:rPr>
-                        <a:t>1</a:t>
-                      </a:r>
-                      <a:endParaRPr lang="en-US" sz="1100">
-                        <a:effectLst/>
-                        <a:latin typeface="Calibri" panose="020F0502020204030204" pitchFamily="34" charset="0"/>
-                        <a:ea typeface="Calibri" panose="020F0502020204030204" pitchFamily="34" charset="0"/>
-                        <a:cs typeface="Times New Roman" panose="02020603050405020304" pitchFamily="18" charset="0"/>
-                      </a:endParaRPr>
-                    </a:p>
-                  </a:txBody>
-                  <a:tcPr marL="68580" marR="68580" marT="0" marB="0" anchor="b"/>
-                </a:tc>
-                <a:tc>
-                  <a:txBody>
-                    <a:bodyPr/>
-                    <a:lstStyle/>
-                    <a:p>
-                      <a:pPr marL="0" marR="0">
-                        <a:lnSpc>
-                          <a:spcPct val="107000"/>
-                        </a:lnSpc>
-                        <a:spcBef>
-                          <a:spcPts val="0"/>
-                        </a:spcBef>
-                        <a:spcAft>
-                          <a:spcPts val="0"/>
-                        </a:spcAft>
-                      </a:pPr>
-                      <a:r>
-                        <a:rPr lang="en-US" sz="1000">
-                          <a:effectLst/>
-                        </a:rPr>
-                        <a:t>Noah Perry</a:t>
-                      </a:r>
-                      <a:endParaRPr lang="en-US" sz="1100">
-                        <a:effectLst/>
-                        <a:latin typeface="Calibri" panose="020F0502020204030204" pitchFamily="34" charset="0"/>
-                        <a:ea typeface="Calibri" panose="020F0502020204030204" pitchFamily="34" charset="0"/>
-                        <a:cs typeface="Times New Roman" panose="02020603050405020304" pitchFamily="18" charset="0"/>
-                      </a:endParaRPr>
-                    </a:p>
-                  </a:txBody>
-                  <a:tcPr marL="68580" marR="68580" marT="0" marB="0" anchor="b"/>
-                </a:tc>
-                <a:tc>
-                  <a:txBody>
-                    <a:bodyPr/>
-                    <a:lstStyle/>
-                    <a:p>
-                      <a:pPr marL="0" marR="0">
-                        <a:lnSpc>
-                          <a:spcPct val="107000"/>
-                        </a:lnSpc>
-                        <a:spcBef>
-                          <a:spcPts val="0"/>
-                        </a:spcBef>
-                        <a:spcAft>
-                          <a:spcPts val="0"/>
-                        </a:spcAft>
-                      </a:pPr>
-                      <a:r>
-                        <a:rPr lang="en-US" sz="1000" dirty="0">
-                          <a:effectLst/>
-                        </a:rPr>
-                        <a:t>Central High</a:t>
-                      </a:r>
-                      <a:endParaRPr lang="en-US" sz="1100" dirty="0">
-                        <a:effectLst/>
-                        <a:latin typeface="Calibri" panose="020F0502020204030204" pitchFamily="34" charset="0"/>
-                        <a:ea typeface="Calibri" panose="020F0502020204030204" pitchFamily="34" charset="0"/>
-                        <a:cs typeface="Times New Roman" panose="02020603050405020304" pitchFamily="18" charset="0"/>
-                      </a:endParaRPr>
-                    </a:p>
-                  </a:txBody>
-                  <a:tcPr marL="68580" marR="68580" marT="0" marB="0" anchor="b"/>
-                </a:tc>
-                <a:tc>
-                  <a:txBody>
-                    <a:bodyPr/>
-                    <a:lstStyle/>
-                    <a:p>
-                      <a:pPr marL="0" marR="0" algn="r">
-                        <a:lnSpc>
-                          <a:spcPct val="107000"/>
-                        </a:lnSpc>
-                        <a:spcBef>
-                          <a:spcPts val="0"/>
-                        </a:spcBef>
-                        <a:spcAft>
-                          <a:spcPts val="0"/>
-                        </a:spcAft>
-                      </a:pPr>
-                      <a:r>
-                        <a:rPr lang="en-US" sz="1000">
-                          <a:effectLst/>
-                        </a:rPr>
-                        <a:t>17:35</a:t>
-                      </a:r>
-                      <a:endParaRPr lang="en-US" sz="1100">
-                        <a:effectLst/>
-                        <a:latin typeface="Calibri" panose="020F0502020204030204" pitchFamily="34" charset="0"/>
-                        <a:ea typeface="Calibri" panose="020F0502020204030204" pitchFamily="34" charset="0"/>
-                        <a:cs typeface="Times New Roman" panose="02020603050405020304" pitchFamily="18" charset="0"/>
-                      </a:endParaRPr>
-                    </a:p>
-                  </a:txBody>
-                  <a:tcPr marL="68580" marR="68580" marT="0" marB="0" anchor="b"/>
-                </a:tc>
-                <a:tc>
-                  <a:txBody>
-                    <a:bodyPr/>
-                    <a:lstStyle/>
-                    <a:p>
-                      <a:pPr marL="0" marR="0" algn="r">
-                        <a:lnSpc>
-                          <a:spcPct val="107000"/>
-                        </a:lnSpc>
-                        <a:spcBef>
-                          <a:spcPts val="0"/>
-                        </a:spcBef>
-                        <a:spcAft>
-                          <a:spcPts val="0"/>
-                        </a:spcAft>
-                      </a:pPr>
-                      <a:r>
-                        <a:rPr lang="en-US" sz="1000">
-                          <a:effectLst/>
-                        </a:rPr>
-                        <a:t>1</a:t>
-                      </a:r>
-                      <a:endParaRPr lang="en-US" sz="1100">
-                        <a:effectLst/>
-                        <a:latin typeface="Calibri" panose="020F0502020204030204" pitchFamily="34" charset="0"/>
-                        <a:ea typeface="Calibri" panose="020F0502020204030204" pitchFamily="34" charset="0"/>
-                        <a:cs typeface="Times New Roman" panose="02020603050405020304" pitchFamily="18" charset="0"/>
-                      </a:endParaRPr>
-                    </a:p>
-                  </a:txBody>
-                  <a:tcPr marL="68580" marR="68580" marT="0" marB="0" anchor="b"/>
-                </a:tc>
-                <a:extLst>
-                  <a:ext uri="{0D108BD9-81ED-4DB2-BD59-A6C34878D82A}">
-                    <a16:rowId xmlns:a16="http://schemas.microsoft.com/office/drawing/2014/main" val="3778471059"/>
-                  </a:ext>
-                </a:extLst>
-              </a:tr>
-              <a:tr h="0">
-                <a:tc>
-                  <a:txBody>
-                    <a:bodyPr/>
-                    <a:lstStyle/>
-                    <a:p>
-                      <a:pPr marL="0" marR="0" algn="r">
-                        <a:lnSpc>
-                          <a:spcPct val="107000"/>
-                        </a:lnSpc>
-                        <a:spcBef>
-                          <a:spcPts val="0"/>
-                        </a:spcBef>
-                        <a:spcAft>
-                          <a:spcPts val="0"/>
-                        </a:spcAft>
-                      </a:pPr>
-                      <a:r>
-                        <a:rPr lang="en-US" sz="1000">
-                          <a:effectLst/>
-                        </a:rPr>
-                        <a:t>2</a:t>
-                      </a:r>
-                      <a:endParaRPr lang="en-US" sz="1100">
-                        <a:effectLst/>
-                        <a:latin typeface="Calibri" panose="020F0502020204030204" pitchFamily="34" charset="0"/>
-                        <a:ea typeface="Calibri" panose="020F0502020204030204" pitchFamily="34" charset="0"/>
-                        <a:cs typeface="Times New Roman" panose="02020603050405020304" pitchFamily="18" charset="0"/>
-                      </a:endParaRPr>
-                    </a:p>
-                  </a:txBody>
-                  <a:tcPr marL="68580" marR="68580" marT="0" marB="0" anchor="b"/>
-                </a:tc>
-                <a:tc>
-                  <a:txBody>
-                    <a:bodyPr/>
-                    <a:lstStyle/>
-                    <a:p>
-                      <a:pPr marL="0" marR="0">
-                        <a:lnSpc>
-                          <a:spcPct val="107000"/>
-                        </a:lnSpc>
-                        <a:spcBef>
-                          <a:spcPts val="0"/>
-                        </a:spcBef>
-                        <a:spcAft>
-                          <a:spcPts val="0"/>
-                        </a:spcAft>
-                      </a:pPr>
-                      <a:r>
-                        <a:rPr lang="en-US" sz="1000">
-                          <a:effectLst/>
-                        </a:rPr>
-                        <a:t>Jake Sandefur</a:t>
-                      </a:r>
-                      <a:endParaRPr lang="en-US" sz="1100">
-                        <a:effectLst/>
-                        <a:latin typeface="Calibri" panose="020F0502020204030204" pitchFamily="34" charset="0"/>
-                        <a:ea typeface="Calibri" panose="020F0502020204030204" pitchFamily="34" charset="0"/>
-                        <a:cs typeface="Times New Roman" panose="02020603050405020304" pitchFamily="18" charset="0"/>
-                      </a:endParaRPr>
-                    </a:p>
-                  </a:txBody>
-                  <a:tcPr marL="68580" marR="68580" marT="0" marB="0" anchor="b"/>
-                </a:tc>
-                <a:tc>
-                  <a:txBody>
-                    <a:bodyPr/>
-                    <a:lstStyle/>
-                    <a:p>
-                      <a:pPr marL="0" marR="0">
-                        <a:lnSpc>
-                          <a:spcPct val="107000"/>
-                        </a:lnSpc>
-                        <a:spcBef>
-                          <a:spcPts val="0"/>
-                        </a:spcBef>
-                        <a:spcAft>
-                          <a:spcPts val="0"/>
-                        </a:spcAft>
-                      </a:pPr>
-                      <a:r>
-                        <a:rPr lang="en-US" sz="1000">
-                          <a:effectLst/>
-                        </a:rPr>
-                        <a:t>Hamilton Academy</a:t>
-                      </a:r>
-                      <a:endParaRPr lang="en-US" sz="1100">
-                        <a:effectLst/>
-                        <a:latin typeface="Calibri" panose="020F0502020204030204" pitchFamily="34" charset="0"/>
-                        <a:ea typeface="Calibri" panose="020F0502020204030204" pitchFamily="34" charset="0"/>
-                        <a:cs typeface="Times New Roman" panose="02020603050405020304" pitchFamily="18" charset="0"/>
-                      </a:endParaRPr>
-                    </a:p>
-                  </a:txBody>
-                  <a:tcPr marL="68580" marR="68580" marT="0" marB="0" anchor="b"/>
-                </a:tc>
-                <a:tc>
-                  <a:txBody>
-                    <a:bodyPr/>
-                    <a:lstStyle/>
-                    <a:p>
-                      <a:pPr marL="0" marR="0" algn="r">
-                        <a:lnSpc>
-                          <a:spcPct val="107000"/>
-                        </a:lnSpc>
-                        <a:spcBef>
-                          <a:spcPts val="0"/>
-                        </a:spcBef>
-                        <a:spcAft>
-                          <a:spcPts val="0"/>
-                        </a:spcAft>
-                      </a:pPr>
-                      <a:r>
-                        <a:rPr lang="en-US" sz="1000">
-                          <a:effectLst/>
-                        </a:rPr>
-                        <a:t>17:43</a:t>
-                      </a:r>
-                      <a:endParaRPr lang="en-US" sz="1100">
-                        <a:effectLst/>
-                        <a:latin typeface="Calibri" panose="020F0502020204030204" pitchFamily="34" charset="0"/>
-                        <a:ea typeface="Calibri" panose="020F0502020204030204" pitchFamily="34" charset="0"/>
-                        <a:cs typeface="Times New Roman" panose="02020603050405020304" pitchFamily="18" charset="0"/>
-                      </a:endParaRPr>
-                    </a:p>
-                  </a:txBody>
-                  <a:tcPr marL="68580" marR="68580" marT="0" marB="0" anchor="b"/>
-                </a:tc>
-                <a:tc>
-                  <a:txBody>
-                    <a:bodyPr/>
-                    <a:lstStyle/>
-                    <a:p>
-                      <a:pPr>
-                        <a:lnSpc>
-                          <a:spcPct val="107000"/>
-                        </a:lnSpc>
-                      </a:pPr>
-                      <a:endParaRPr lang="en-US" sz="1100">
-                        <a:effectLst/>
-                        <a:latin typeface="Calibri" panose="020F0502020204030204" pitchFamily="34" charset="0"/>
-                        <a:cs typeface="Times New Roman" panose="02020603050405020304" pitchFamily="18" charset="0"/>
-                      </a:endParaRPr>
-                    </a:p>
-                  </a:txBody>
-                  <a:tcPr marL="68580" marR="68580" marT="0" marB="0" anchor="b"/>
-                </a:tc>
-                <a:extLst>
-                  <a:ext uri="{0D108BD9-81ED-4DB2-BD59-A6C34878D82A}">
-                    <a16:rowId xmlns:a16="http://schemas.microsoft.com/office/drawing/2014/main" val="935595890"/>
-                  </a:ext>
-                </a:extLst>
-              </a:tr>
-              <a:tr h="0">
-                <a:tc>
-                  <a:txBody>
-                    <a:bodyPr/>
-                    <a:lstStyle/>
-                    <a:p>
-                      <a:pPr marL="0" marR="0" algn="r">
-                        <a:lnSpc>
-                          <a:spcPct val="107000"/>
-                        </a:lnSpc>
-                        <a:spcBef>
-                          <a:spcPts val="0"/>
-                        </a:spcBef>
-                        <a:spcAft>
-                          <a:spcPts val="0"/>
-                        </a:spcAft>
-                      </a:pPr>
-                      <a:r>
-                        <a:rPr lang="en-US" sz="1000">
-                          <a:effectLst/>
-                        </a:rPr>
-                        <a:t>3</a:t>
-                      </a:r>
-                      <a:endParaRPr lang="en-US" sz="1100">
-                        <a:effectLst/>
-                        <a:latin typeface="Calibri" panose="020F0502020204030204" pitchFamily="34" charset="0"/>
-                        <a:ea typeface="Calibri" panose="020F0502020204030204" pitchFamily="34" charset="0"/>
-                        <a:cs typeface="Times New Roman" panose="02020603050405020304" pitchFamily="18" charset="0"/>
-                      </a:endParaRPr>
-                    </a:p>
-                  </a:txBody>
-                  <a:tcPr marL="68580" marR="68580" marT="0" marB="0" anchor="b"/>
-                </a:tc>
-                <a:tc>
-                  <a:txBody>
-                    <a:bodyPr/>
-                    <a:lstStyle/>
-                    <a:p>
-                      <a:pPr marL="0" marR="0">
-                        <a:lnSpc>
-                          <a:spcPct val="107000"/>
-                        </a:lnSpc>
-                        <a:spcBef>
-                          <a:spcPts val="0"/>
-                        </a:spcBef>
-                        <a:spcAft>
-                          <a:spcPts val="0"/>
-                        </a:spcAft>
-                      </a:pPr>
-                      <a:r>
-                        <a:rPr lang="en-US" sz="1000">
-                          <a:effectLst/>
-                        </a:rPr>
-                        <a:t>Sam Gibbs</a:t>
-                      </a:r>
-                      <a:endParaRPr lang="en-US" sz="1100">
-                        <a:effectLst/>
-                        <a:latin typeface="Calibri" panose="020F0502020204030204" pitchFamily="34" charset="0"/>
-                        <a:ea typeface="Calibri" panose="020F0502020204030204" pitchFamily="34" charset="0"/>
-                        <a:cs typeface="Times New Roman" panose="02020603050405020304" pitchFamily="18" charset="0"/>
-                      </a:endParaRPr>
-                    </a:p>
-                  </a:txBody>
-                  <a:tcPr marL="68580" marR="68580" marT="0" marB="0" anchor="b"/>
-                </a:tc>
-                <a:tc>
-                  <a:txBody>
-                    <a:bodyPr/>
-                    <a:lstStyle/>
-                    <a:p>
-                      <a:pPr marL="0" marR="0">
-                        <a:lnSpc>
-                          <a:spcPct val="107000"/>
-                        </a:lnSpc>
-                        <a:spcBef>
-                          <a:spcPts val="0"/>
-                        </a:spcBef>
-                        <a:spcAft>
-                          <a:spcPts val="0"/>
-                        </a:spcAft>
-                      </a:pPr>
-                      <a:r>
-                        <a:rPr lang="en-US" sz="1000">
-                          <a:effectLst/>
-                        </a:rPr>
-                        <a:t>Springfield</a:t>
-                      </a:r>
-                      <a:endParaRPr lang="en-US" sz="1100">
-                        <a:effectLst/>
-                        <a:latin typeface="Calibri" panose="020F0502020204030204" pitchFamily="34" charset="0"/>
-                        <a:ea typeface="Calibri" panose="020F0502020204030204" pitchFamily="34" charset="0"/>
-                        <a:cs typeface="Times New Roman" panose="02020603050405020304" pitchFamily="18" charset="0"/>
-                      </a:endParaRPr>
-                    </a:p>
-                  </a:txBody>
-                  <a:tcPr marL="68580" marR="68580" marT="0" marB="0" anchor="b"/>
-                </a:tc>
-                <a:tc>
-                  <a:txBody>
-                    <a:bodyPr/>
-                    <a:lstStyle/>
-                    <a:p>
-                      <a:pPr marL="0" marR="0" algn="r">
-                        <a:lnSpc>
-                          <a:spcPct val="107000"/>
-                        </a:lnSpc>
-                        <a:spcBef>
-                          <a:spcPts val="0"/>
-                        </a:spcBef>
-                        <a:spcAft>
-                          <a:spcPts val="0"/>
-                        </a:spcAft>
-                      </a:pPr>
-                      <a:r>
-                        <a:rPr lang="en-US" sz="1000">
-                          <a:effectLst/>
-                        </a:rPr>
-                        <a:t>17:44</a:t>
-                      </a:r>
-                      <a:endParaRPr lang="en-US" sz="1100">
-                        <a:effectLst/>
-                        <a:latin typeface="Calibri" panose="020F0502020204030204" pitchFamily="34" charset="0"/>
-                        <a:ea typeface="Calibri" panose="020F0502020204030204" pitchFamily="34" charset="0"/>
-                        <a:cs typeface="Times New Roman" panose="02020603050405020304" pitchFamily="18" charset="0"/>
-                      </a:endParaRPr>
-                    </a:p>
-                  </a:txBody>
-                  <a:tcPr marL="68580" marR="68580" marT="0" marB="0" anchor="b"/>
-                </a:tc>
-                <a:tc>
-                  <a:txBody>
-                    <a:bodyPr/>
-                    <a:lstStyle/>
-                    <a:p>
-                      <a:pPr marL="0" marR="0" algn="r">
-                        <a:lnSpc>
-                          <a:spcPct val="107000"/>
-                        </a:lnSpc>
-                        <a:spcBef>
-                          <a:spcPts val="0"/>
-                        </a:spcBef>
-                        <a:spcAft>
-                          <a:spcPts val="0"/>
-                        </a:spcAft>
-                      </a:pPr>
-                      <a:r>
-                        <a:rPr lang="en-US" sz="1000">
-                          <a:effectLst/>
-                        </a:rPr>
-                        <a:t>2</a:t>
-                      </a:r>
-                      <a:endParaRPr lang="en-US" sz="1100">
-                        <a:effectLst/>
-                        <a:latin typeface="Calibri" panose="020F0502020204030204" pitchFamily="34" charset="0"/>
-                        <a:ea typeface="Calibri" panose="020F0502020204030204" pitchFamily="34" charset="0"/>
-                        <a:cs typeface="Times New Roman" panose="02020603050405020304" pitchFamily="18" charset="0"/>
-                      </a:endParaRPr>
-                    </a:p>
-                  </a:txBody>
-                  <a:tcPr marL="68580" marR="68580" marT="0" marB="0" anchor="b"/>
-                </a:tc>
-                <a:extLst>
-                  <a:ext uri="{0D108BD9-81ED-4DB2-BD59-A6C34878D82A}">
-                    <a16:rowId xmlns:a16="http://schemas.microsoft.com/office/drawing/2014/main" val="765522899"/>
-                  </a:ext>
-                </a:extLst>
-              </a:tr>
-              <a:tr h="0">
-                <a:tc>
-                  <a:txBody>
-                    <a:bodyPr/>
-                    <a:lstStyle/>
-                    <a:p>
-                      <a:pPr marL="0" marR="0" algn="r">
-                        <a:lnSpc>
-                          <a:spcPct val="107000"/>
-                        </a:lnSpc>
-                        <a:spcBef>
-                          <a:spcPts val="0"/>
-                        </a:spcBef>
-                        <a:spcAft>
-                          <a:spcPts val="0"/>
-                        </a:spcAft>
-                      </a:pPr>
-                      <a:r>
-                        <a:rPr lang="en-US" sz="1000">
-                          <a:effectLst/>
-                        </a:rPr>
-                        <a:t>4</a:t>
-                      </a:r>
-                      <a:endParaRPr lang="en-US" sz="1100">
-                        <a:effectLst/>
-                        <a:latin typeface="Calibri" panose="020F0502020204030204" pitchFamily="34" charset="0"/>
-                        <a:ea typeface="Calibri" panose="020F0502020204030204" pitchFamily="34" charset="0"/>
-                        <a:cs typeface="Times New Roman" panose="02020603050405020304" pitchFamily="18" charset="0"/>
-                      </a:endParaRPr>
-                    </a:p>
-                  </a:txBody>
-                  <a:tcPr marL="68580" marR="68580" marT="0" marB="0" anchor="b"/>
-                </a:tc>
-                <a:tc>
-                  <a:txBody>
-                    <a:bodyPr/>
-                    <a:lstStyle/>
-                    <a:p>
-                      <a:pPr marL="0" marR="0">
-                        <a:lnSpc>
-                          <a:spcPct val="107000"/>
-                        </a:lnSpc>
-                        <a:spcBef>
-                          <a:spcPts val="0"/>
-                        </a:spcBef>
-                        <a:spcAft>
-                          <a:spcPts val="0"/>
-                        </a:spcAft>
-                      </a:pPr>
-                      <a:r>
-                        <a:rPr lang="en-US" sz="1000">
-                          <a:effectLst/>
-                        </a:rPr>
-                        <a:t>David Sander</a:t>
-                      </a:r>
-                      <a:endParaRPr lang="en-US" sz="1100">
-                        <a:effectLst/>
-                        <a:latin typeface="Calibri" panose="020F0502020204030204" pitchFamily="34" charset="0"/>
-                        <a:ea typeface="Calibri" panose="020F0502020204030204" pitchFamily="34" charset="0"/>
-                        <a:cs typeface="Times New Roman" panose="02020603050405020304" pitchFamily="18" charset="0"/>
-                      </a:endParaRPr>
-                    </a:p>
-                  </a:txBody>
-                  <a:tcPr marL="68580" marR="68580" marT="0" marB="0" anchor="b"/>
-                </a:tc>
-                <a:tc>
-                  <a:txBody>
-                    <a:bodyPr/>
-                    <a:lstStyle/>
-                    <a:p>
-                      <a:pPr marL="0" marR="0">
-                        <a:lnSpc>
-                          <a:spcPct val="107000"/>
-                        </a:lnSpc>
-                        <a:spcBef>
-                          <a:spcPts val="0"/>
-                        </a:spcBef>
-                        <a:spcAft>
-                          <a:spcPts val="0"/>
-                        </a:spcAft>
-                      </a:pPr>
-                      <a:r>
-                        <a:rPr lang="en-US" sz="1000">
-                          <a:effectLst/>
-                        </a:rPr>
-                        <a:t>Springfield</a:t>
-                      </a:r>
-                      <a:endParaRPr lang="en-US" sz="1100">
-                        <a:effectLst/>
-                        <a:latin typeface="Calibri" panose="020F0502020204030204" pitchFamily="34" charset="0"/>
-                        <a:ea typeface="Calibri" panose="020F0502020204030204" pitchFamily="34" charset="0"/>
-                        <a:cs typeface="Times New Roman" panose="02020603050405020304" pitchFamily="18" charset="0"/>
-                      </a:endParaRPr>
-                    </a:p>
-                  </a:txBody>
-                  <a:tcPr marL="68580" marR="68580" marT="0" marB="0" anchor="b"/>
-                </a:tc>
-                <a:tc>
-                  <a:txBody>
-                    <a:bodyPr/>
-                    <a:lstStyle/>
-                    <a:p>
-                      <a:pPr marL="0" marR="0" algn="r">
-                        <a:lnSpc>
-                          <a:spcPct val="107000"/>
-                        </a:lnSpc>
-                        <a:spcBef>
-                          <a:spcPts val="0"/>
-                        </a:spcBef>
-                        <a:spcAft>
-                          <a:spcPts val="0"/>
-                        </a:spcAft>
-                      </a:pPr>
-                      <a:r>
-                        <a:rPr lang="en-US" sz="1000">
-                          <a:effectLst/>
-                        </a:rPr>
-                        <a:t>17:59</a:t>
-                      </a:r>
-                      <a:endParaRPr lang="en-US" sz="1100">
-                        <a:effectLst/>
-                        <a:latin typeface="Calibri" panose="020F0502020204030204" pitchFamily="34" charset="0"/>
-                        <a:ea typeface="Calibri" panose="020F0502020204030204" pitchFamily="34" charset="0"/>
-                        <a:cs typeface="Times New Roman" panose="02020603050405020304" pitchFamily="18" charset="0"/>
-                      </a:endParaRPr>
-                    </a:p>
-                  </a:txBody>
-                  <a:tcPr marL="68580" marR="68580" marT="0" marB="0" anchor="b"/>
-                </a:tc>
-                <a:tc>
-                  <a:txBody>
-                    <a:bodyPr/>
-                    <a:lstStyle/>
-                    <a:p>
-                      <a:pPr marL="0" marR="0" algn="r">
-                        <a:lnSpc>
-                          <a:spcPct val="107000"/>
-                        </a:lnSpc>
-                        <a:spcBef>
-                          <a:spcPts val="0"/>
-                        </a:spcBef>
-                        <a:spcAft>
-                          <a:spcPts val="0"/>
-                        </a:spcAft>
-                      </a:pPr>
-                      <a:r>
-                        <a:rPr lang="en-US" sz="1000">
-                          <a:effectLst/>
-                        </a:rPr>
-                        <a:t>3</a:t>
-                      </a:r>
-                      <a:endParaRPr lang="en-US" sz="1100">
-                        <a:effectLst/>
-                        <a:latin typeface="Calibri" panose="020F0502020204030204" pitchFamily="34" charset="0"/>
-                        <a:ea typeface="Calibri" panose="020F0502020204030204" pitchFamily="34" charset="0"/>
-                        <a:cs typeface="Times New Roman" panose="02020603050405020304" pitchFamily="18" charset="0"/>
-                      </a:endParaRPr>
-                    </a:p>
-                  </a:txBody>
-                  <a:tcPr marL="68580" marR="68580" marT="0" marB="0" anchor="b"/>
-                </a:tc>
-                <a:extLst>
-                  <a:ext uri="{0D108BD9-81ED-4DB2-BD59-A6C34878D82A}">
-                    <a16:rowId xmlns:a16="http://schemas.microsoft.com/office/drawing/2014/main" val="1564797540"/>
-                  </a:ext>
-                </a:extLst>
-              </a:tr>
-              <a:tr h="0">
-                <a:tc>
-                  <a:txBody>
-                    <a:bodyPr/>
-                    <a:lstStyle/>
-                    <a:p>
-                      <a:pPr marL="0" marR="0" algn="r">
-                        <a:lnSpc>
-                          <a:spcPct val="107000"/>
-                        </a:lnSpc>
-                        <a:spcBef>
-                          <a:spcPts val="0"/>
-                        </a:spcBef>
-                        <a:spcAft>
-                          <a:spcPts val="0"/>
-                        </a:spcAft>
-                      </a:pPr>
-                      <a:r>
-                        <a:rPr lang="en-US" sz="1000">
-                          <a:effectLst/>
-                        </a:rPr>
-                        <a:t>5</a:t>
-                      </a:r>
-                      <a:endParaRPr lang="en-US" sz="1100">
-                        <a:effectLst/>
-                        <a:latin typeface="Calibri" panose="020F0502020204030204" pitchFamily="34" charset="0"/>
-                        <a:ea typeface="Calibri" panose="020F0502020204030204" pitchFamily="34" charset="0"/>
-                        <a:cs typeface="Times New Roman" panose="02020603050405020304" pitchFamily="18" charset="0"/>
-                      </a:endParaRPr>
-                    </a:p>
-                  </a:txBody>
-                  <a:tcPr marL="68580" marR="68580" marT="0" marB="0" anchor="b"/>
-                </a:tc>
-                <a:tc>
-                  <a:txBody>
-                    <a:bodyPr/>
-                    <a:lstStyle/>
-                    <a:p>
-                      <a:pPr marL="0" marR="0">
-                        <a:lnSpc>
-                          <a:spcPct val="107000"/>
-                        </a:lnSpc>
-                        <a:spcBef>
-                          <a:spcPts val="0"/>
-                        </a:spcBef>
-                        <a:spcAft>
-                          <a:spcPts val="0"/>
-                        </a:spcAft>
-                      </a:pPr>
-                      <a:r>
-                        <a:rPr lang="en-US" sz="1000">
-                          <a:effectLst/>
-                        </a:rPr>
-                        <a:t>Lucas Webster</a:t>
-                      </a:r>
-                      <a:endParaRPr lang="en-US" sz="1100">
-                        <a:effectLst/>
-                        <a:latin typeface="Calibri" panose="020F0502020204030204" pitchFamily="34" charset="0"/>
-                        <a:ea typeface="Calibri" panose="020F0502020204030204" pitchFamily="34" charset="0"/>
-                        <a:cs typeface="Times New Roman" panose="02020603050405020304" pitchFamily="18" charset="0"/>
-                      </a:endParaRPr>
-                    </a:p>
-                  </a:txBody>
-                  <a:tcPr marL="68580" marR="68580" marT="0" marB="0" anchor="b"/>
-                </a:tc>
-                <a:tc>
-                  <a:txBody>
-                    <a:bodyPr/>
-                    <a:lstStyle/>
-                    <a:p>
-                      <a:pPr marL="0" marR="0">
-                        <a:lnSpc>
-                          <a:spcPct val="107000"/>
-                        </a:lnSpc>
-                        <a:spcBef>
-                          <a:spcPts val="0"/>
-                        </a:spcBef>
-                        <a:spcAft>
-                          <a:spcPts val="0"/>
-                        </a:spcAft>
-                      </a:pPr>
-                      <a:r>
-                        <a:rPr lang="en-US" sz="1000">
-                          <a:effectLst/>
-                        </a:rPr>
-                        <a:t>Central High</a:t>
-                      </a:r>
-                      <a:endParaRPr lang="en-US" sz="1100">
-                        <a:effectLst/>
-                        <a:latin typeface="Calibri" panose="020F0502020204030204" pitchFamily="34" charset="0"/>
-                        <a:ea typeface="Calibri" panose="020F0502020204030204" pitchFamily="34" charset="0"/>
-                        <a:cs typeface="Times New Roman" panose="02020603050405020304" pitchFamily="18" charset="0"/>
-                      </a:endParaRPr>
-                    </a:p>
-                  </a:txBody>
-                  <a:tcPr marL="68580" marR="68580" marT="0" marB="0" anchor="b"/>
-                </a:tc>
-                <a:tc>
-                  <a:txBody>
-                    <a:bodyPr/>
-                    <a:lstStyle/>
-                    <a:p>
-                      <a:pPr marL="0" marR="0" algn="r">
-                        <a:lnSpc>
-                          <a:spcPct val="107000"/>
-                        </a:lnSpc>
-                        <a:spcBef>
-                          <a:spcPts val="0"/>
-                        </a:spcBef>
-                        <a:spcAft>
-                          <a:spcPts val="0"/>
-                        </a:spcAft>
-                      </a:pPr>
-                      <a:r>
-                        <a:rPr lang="en-US" sz="1000" dirty="0">
-                          <a:effectLst/>
-                        </a:rPr>
-                        <a:t>18:19</a:t>
-                      </a:r>
-                      <a:endParaRPr lang="en-US" sz="1100" dirty="0">
-                        <a:effectLst/>
-                        <a:latin typeface="Calibri" panose="020F0502020204030204" pitchFamily="34" charset="0"/>
-                        <a:ea typeface="Calibri" panose="020F0502020204030204" pitchFamily="34" charset="0"/>
-                        <a:cs typeface="Times New Roman" panose="02020603050405020304" pitchFamily="18" charset="0"/>
-                      </a:endParaRPr>
-                    </a:p>
-                  </a:txBody>
-                  <a:tcPr marL="68580" marR="68580" marT="0" marB="0" anchor="b"/>
-                </a:tc>
-                <a:tc>
-                  <a:txBody>
-                    <a:bodyPr/>
-                    <a:lstStyle/>
-                    <a:p>
-                      <a:pPr marL="0" marR="0" algn="r">
-                        <a:lnSpc>
-                          <a:spcPct val="107000"/>
-                        </a:lnSpc>
-                        <a:spcBef>
-                          <a:spcPts val="0"/>
-                        </a:spcBef>
-                        <a:spcAft>
-                          <a:spcPts val="0"/>
-                        </a:spcAft>
-                      </a:pPr>
-                      <a:r>
-                        <a:rPr lang="en-US" sz="1000">
-                          <a:effectLst/>
-                        </a:rPr>
-                        <a:t>4</a:t>
-                      </a:r>
-                      <a:endParaRPr lang="en-US" sz="1100">
-                        <a:effectLst/>
-                        <a:latin typeface="Calibri" panose="020F0502020204030204" pitchFamily="34" charset="0"/>
-                        <a:ea typeface="Calibri" panose="020F0502020204030204" pitchFamily="34" charset="0"/>
-                        <a:cs typeface="Times New Roman" panose="02020603050405020304" pitchFamily="18" charset="0"/>
-                      </a:endParaRPr>
-                    </a:p>
-                  </a:txBody>
-                  <a:tcPr marL="68580" marR="68580" marT="0" marB="0" anchor="b"/>
-                </a:tc>
-                <a:extLst>
-                  <a:ext uri="{0D108BD9-81ED-4DB2-BD59-A6C34878D82A}">
-                    <a16:rowId xmlns:a16="http://schemas.microsoft.com/office/drawing/2014/main" val="1941652581"/>
-                  </a:ext>
-                </a:extLst>
-              </a:tr>
-              <a:tr h="0">
-                <a:tc>
-                  <a:txBody>
-                    <a:bodyPr/>
-                    <a:lstStyle/>
-                    <a:p>
-                      <a:pPr marL="0" marR="0" algn="r">
-                        <a:lnSpc>
-                          <a:spcPct val="107000"/>
-                        </a:lnSpc>
-                        <a:spcBef>
-                          <a:spcPts val="0"/>
-                        </a:spcBef>
-                        <a:spcAft>
-                          <a:spcPts val="0"/>
-                        </a:spcAft>
-                      </a:pPr>
-                      <a:r>
-                        <a:rPr lang="en-US" sz="1000">
-                          <a:effectLst/>
-                        </a:rPr>
-                        <a:t>6</a:t>
-                      </a:r>
-                      <a:endParaRPr lang="en-US" sz="1100">
-                        <a:effectLst/>
-                        <a:latin typeface="Calibri" panose="020F0502020204030204" pitchFamily="34" charset="0"/>
-                        <a:ea typeface="Calibri" panose="020F0502020204030204" pitchFamily="34" charset="0"/>
-                        <a:cs typeface="Times New Roman" panose="02020603050405020304" pitchFamily="18" charset="0"/>
-                      </a:endParaRPr>
-                    </a:p>
-                  </a:txBody>
-                  <a:tcPr marL="68580" marR="68580" marT="0" marB="0" anchor="b"/>
-                </a:tc>
-                <a:tc>
-                  <a:txBody>
-                    <a:bodyPr/>
-                    <a:lstStyle/>
-                    <a:p>
-                      <a:pPr marL="0" marR="0">
-                        <a:lnSpc>
-                          <a:spcPct val="107000"/>
-                        </a:lnSpc>
-                        <a:spcBef>
-                          <a:spcPts val="0"/>
-                        </a:spcBef>
-                        <a:spcAft>
-                          <a:spcPts val="0"/>
-                        </a:spcAft>
-                      </a:pPr>
-                      <a:r>
-                        <a:rPr lang="en-US" sz="1000">
-                          <a:effectLst/>
-                        </a:rPr>
-                        <a:t>Jack Hatton</a:t>
-                      </a:r>
-                      <a:endParaRPr lang="en-US" sz="1100">
-                        <a:effectLst/>
-                        <a:latin typeface="Calibri" panose="020F0502020204030204" pitchFamily="34" charset="0"/>
-                        <a:ea typeface="Calibri" panose="020F0502020204030204" pitchFamily="34" charset="0"/>
-                        <a:cs typeface="Times New Roman" panose="02020603050405020304" pitchFamily="18" charset="0"/>
-                      </a:endParaRPr>
-                    </a:p>
-                  </a:txBody>
-                  <a:tcPr marL="68580" marR="68580" marT="0" marB="0" anchor="b"/>
-                </a:tc>
-                <a:tc>
-                  <a:txBody>
-                    <a:bodyPr/>
-                    <a:lstStyle/>
-                    <a:p>
-                      <a:pPr marL="0" marR="0">
-                        <a:lnSpc>
-                          <a:spcPct val="107000"/>
-                        </a:lnSpc>
-                        <a:spcBef>
-                          <a:spcPts val="0"/>
-                        </a:spcBef>
-                        <a:spcAft>
-                          <a:spcPts val="0"/>
-                        </a:spcAft>
-                      </a:pPr>
-                      <a:r>
-                        <a:rPr lang="en-US" sz="1000">
-                          <a:effectLst/>
-                        </a:rPr>
-                        <a:t>Gray County</a:t>
-                      </a:r>
-                      <a:endParaRPr lang="en-US" sz="1100">
-                        <a:effectLst/>
-                        <a:latin typeface="Calibri" panose="020F0502020204030204" pitchFamily="34" charset="0"/>
-                        <a:ea typeface="Calibri" panose="020F0502020204030204" pitchFamily="34" charset="0"/>
-                        <a:cs typeface="Times New Roman" panose="02020603050405020304" pitchFamily="18" charset="0"/>
-                      </a:endParaRPr>
-                    </a:p>
-                  </a:txBody>
-                  <a:tcPr marL="68580" marR="68580" marT="0" marB="0" anchor="b"/>
-                </a:tc>
-                <a:tc>
-                  <a:txBody>
-                    <a:bodyPr/>
-                    <a:lstStyle/>
-                    <a:p>
-                      <a:pPr marL="0" marR="0" algn="r">
-                        <a:lnSpc>
-                          <a:spcPct val="107000"/>
-                        </a:lnSpc>
-                        <a:spcBef>
-                          <a:spcPts val="0"/>
-                        </a:spcBef>
-                        <a:spcAft>
-                          <a:spcPts val="0"/>
-                        </a:spcAft>
-                      </a:pPr>
-                      <a:r>
-                        <a:rPr lang="en-US" sz="1000">
-                          <a:effectLst/>
-                        </a:rPr>
-                        <a:t>18:24</a:t>
-                      </a:r>
-                      <a:endParaRPr lang="en-US" sz="1100">
-                        <a:effectLst/>
-                        <a:latin typeface="Calibri" panose="020F0502020204030204" pitchFamily="34" charset="0"/>
-                        <a:ea typeface="Calibri" panose="020F0502020204030204" pitchFamily="34" charset="0"/>
-                        <a:cs typeface="Times New Roman" panose="02020603050405020304" pitchFamily="18" charset="0"/>
-                      </a:endParaRPr>
-                    </a:p>
-                  </a:txBody>
-                  <a:tcPr marL="68580" marR="68580" marT="0" marB="0" anchor="b"/>
-                </a:tc>
-                <a:tc>
-                  <a:txBody>
-                    <a:bodyPr/>
-                    <a:lstStyle/>
-                    <a:p>
-                      <a:pPr marL="0" marR="0" algn="r">
-                        <a:lnSpc>
-                          <a:spcPct val="107000"/>
-                        </a:lnSpc>
-                        <a:spcBef>
-                          <a:spcPts val="0"/>
-                        </a:spcBef>
-                        <a:spcAft>
-                          <a:spcPts val="0"/>
-                        </a:spcAft>
-                      </a:pPr>
-                      <a:r>
-                        <a:rPr lang="en-US" sz="1000">
-                          <a:effectLst/>
-                        </a:rPr>
-                        <a:t>5</a:t>
-                      </a:r>
-                      <a:endParaRPr lang="en-US" sz="1100">
-                        <a:effectLst/>
-                        <a:latin typeface="Calibri" panose="020F0502020204030204" pitchFamily="34" charset="0"/>
-                        <a:ea typeface="Calibri" panose="020F0502020204030204" pitchFamily="34" charset="0"/>
-                        <a:cs typeface="Times New Roman" panose="02020603050405020304" pitchFamily="18" charset="0"/>
-                      </a:endParaRPr>
-                    </a:p>
-                  </a:txBody>
-                  <a:tcPr marL="68580" marR="68580" marT="0" marB="0" anchor="b"/>
-                </a:tc>
-                <a:extLst>
-                  <a:ext uri="{0D108BD9-81ED-4DB2-BD59-A6C34878D82A}">
-                    <a16:rowId xmlns:a16="http://schemas.microsoft.com/office/drawing/2014/main" val="1346167936"/>
-                  </a:ext>
-                </a:extLst>
-              </a:tr>
-              <a:tr h="0">
-                <a:tc>
-                  <a:txBody>
-                    <a:bodyPr/>
-                    <a:lstStyle/>
-                    <a:p>
-                      <a:pPr marL="0" marR="0" algn="r">
-                        <a:lnSpc>
-                          <a:spcPct val="107000"/>
-                        </a:lnSpc>
-                        <a:spcBef>
-                          <a:spcPts val="0"/>
-                        </a:spcBef>
-                        <a:spcAft>
-                          <a:spcPts val="0"/>
-                        </a:spcAft>
-                      </a:pPr>
-                      <a:r>
-                        <a:rPr lang="en-US" sz="1000">
-                          <a:effectLst/>
-                        </a:rPr>
-                        <a:t>7</a:t>
-                      </a:r>
-                      <a:endParaRPr lang="en-US" sz="1100">
-                        <a:effectLst/>
-                        <a:latin typeface="Calibri" panose="020F0502020204030204" pitchFamily="34" charset="0"/>
-                        <a:ea typeface="Calibri" panose="020F0502020204030204" pitchFamily="34" charset="0"/>
-                        <a:cs typeface="Times New Roman" panose="02020603050405020304" pitchFamily="18" charset="0"/>
-                      </a:endParaRPr>
-                    </a:p>
-                  </a:txBody>
-                  <a:tcPr marL="68580" marR="68580" marT="0" marB="0" anchor="b"/>
-                </a:tc>
-                <a:tc>
-                  <a:txBody>
-                    <a:bodyPr/>
-                    <a:lstStyle/>
-                    <a:p>
-                      <a:pPr marL="0" marR="0">
-                        <a:lnSpc>
-                          <a:spcPct val="107000"/>
-                        </a:lnSpc>
-                        <a:spcBef>
-                          <a:spcPts val="0"/>
-                        </a:spcBef>
-                        <a:spcAft>
-                          <a:spcPts val="0"/>
-                        </a:spcAft>
-                      </a:pPr>
-                      <a:r>
-                        <a:rPr lang="en-US" sz="1000">
-                          <a:effectLst/>
-                        </a:rPr>
-                        <a:t>Logan Walters</a:t>
-                      </a:r>
-                      <a:endParaRPr lang="en-US" sz="1100">
-                        <a:effectLst/>
-                        <a:latin typeface="Calibri" panose="020F0502020204030204" pitchFamily="34" charset="0"/>
-                        <a:ea typeface="Calibri" panose="020F0502020204030204" pitchFamily="34" charset="0"/>
-                        <a:cs typeface="Times New Roman" panose="02020603050405020304" pitchFamily="18" charset="0"/>
-                      </a:endParaRPr>
-                    </a:p>
-                  </a:txBody>
-                  <a:tcPr marL="68580" marR="68580" marT="0" marB="0" anchor="b"/>
-                </a:tc>
-                <a:tc>
-                  <a:txBody>
-                    <a:bodyPr/>
-                    <a:lstStyle/>
-                    <a:p>
-                      <a:pPr marL="0" marR="0">
-                        <a:lnSpc>
-                          <a:spcPct val="107000"/>
-                        </a:lnSpc>
-                        <a:spcBef>
-                          <a:spcPts val="0"/>
-                        </a:spcBef>
-                        <a:spcAft>
-                          <a:spcPts val="0"/>
-                        </a:spcAft>
-                      </a:pPr>
-                      <a:r>
-                        <a:rPr lang="en-US" sz="1000">
-                          <a:effectLst/>
-                        </a:rPr>
-                        <a:t>Central High</a:t>
-                      </a:r>
-                      <a:endParaRPr lang="en-US" sz="1100">
-                        <a:effectLst/>
-                        <a:latin typeface="Calibri" panose="020F0502020204030204" pitchFamily="34" charset="0"/>
-                        <a:ea typeface="Calibri" panose="020F0502020204030204" pitchFamily="34" charset="0"/>
-                        <a:cs typeface="Times New Roman" panose="02020603050405020304" pitchFamily="18" charset="0"/>
-                      </a:endParaRPr>
-                    </a:p>
-                  </a:txBody>
-                  <a:tcPr marL="68580" marR="68580" marT="0" marB="0" anchor="b"/>
-                </a:tc>
-                <a:tc>
-                  <a:txBody>
-                    <a:bodyPr/>
-                    <a:lstStyle/>
-                    <a:p>
-                      <a:pPr marL="0" marR="0" algn="r">
-                        <a:lnSpc>
-                          <a:spcPct val="107000"/>
-                        </a:lnSpc>
-                        <a:spcBef>
-                          <a:spcPts val="0"/>
-                        </a:spcBef>
-                        <a:spcAft>
-                          <a:spcPts val="0"/>
-                        </a:spcAft>
-                      </a:pPr>
-                      <a:r>
-                        <a:rPr lang="en-US" sz="1000">
-                          <a:effectLst/>
-                        </a:rPr>
-                        <a:t>18:40</a:t>
-                      </a:r>
-                      <a:endParaRPr lang="en-US" sz="1100">
-                        <a:effectLst/>
-                        <a:latin typeface="Calibri" panose="020F0502020204030204" pitchFamily="34" charset="0"/>
-                        <a:ea typeface="Calibri" panose="020F0502020204030204" pitchFamily="34" charset="0"/>
-                        <a:cs typeface="Times New Roman" panose="02020603050405020304" pitchFamily="18" charset="0"/>
-                      </a:endParaRPr>
-                    </a:p>
-                  </a:txBody>
-                  <a:tcPr marL="68580" marR="68580" marT="0" marB="0" anchor="b"/>
-                </a:tc>
-                <a:tc>
-                  <a:txBody>
-                    <a:bodyPr/>
-                    <a:lstStyle/>
-                    <a:p>
-                      <a:pPr marL="0" marR="0" algn="r">
-                        <a:lnSpc>
-                          <a:spcPct val="107000"/>
-                        </a:lnSpc>
-                        <a:spcBef>
-                          <a:spcPts val="0"/>
-                        </a:spcBef>
-                        <a:spcAft>
-                          <a:spcPts val="0"/>
-                        </a:spcAft>
-                      </a:pPr>
-                      <a:r>
-                        <a:rPr lang="en-US" sz="1000">
-                          <a:effectLst/>
-                        </a:rPr>
-                        <a:t>6</a:t>
-                      </a:r>
-                      <a:endParaRPr lang="en-US" sz="1100">
-                        <a:effectLst/>
-                        <a:latin typeface="Calibri" panose="020F0502020204030204" pitchFamily="34" charset="0"/>
-                        <a:ea typeface="Calibri" panose="020F0502020204030204" pitchFamily="34" charset="0"/>
-                        <a:cs typeface="Times New Roman" panose="02020603050405020304" pitchFamily="18" charset="0"/>
-                      </a:endParaRPr>
-                    </a:p>
-                  </a:txBody>
-                  <a:tcPr marL="68580" marR="68580" marT="0" marB="0" anchor="b"/>
-                </a:tc>
-                <a:extLst>
-                  <a:ext uri="{0D108BD9-81ED-4DB2-BD59-A6C34878D82A}">
-                    <a16:rowId xmlns:a16="http://schemas.microsoft.com/office/drawing/2014/main" val="1741195073"/>
-                  </a:ext>
-                </a:extLst>
-              </a:tr>
-              <a:tr h="0">
-                <a:tc>
-                  <a:txBody>
-                    <a:bodyPr/>
-                    <a:lstStyle/>
-                    <a:p>
-                      <a:pPr marL="0" marR="0" algn="r">
-                        <a:lnSpc>
-                          <a:spcPct val="107000"/>
-                        </a:lnSpc>
-                        <a:spcBef>
-                          <a:spcPts val="0"/>
-                        </a:spcBef>
-                        <a:spcAft>
-                          <a:spcPts val="0"/>
-                        </a:spcAft>
-                      </a:pPr>
-                      <a:r>
-                        <a:rPr lang="en-US" sz="1000">
-                          <a:effectLst/>
-                        </a:rPr>
-                        <a:t>8</a:t>
-                      </a:r>
-                      <a:endParaRPr lang="en-US" sz="1100">
-                        <a:effectLst/>
-                        <a:latin typeface="Calibri" panose="020F0502020204030204" pitchFamily="34" charset="0"/>
-                        <a:ea typeface="Calibri" panose="020F0502020204030204" pitchFamily="34" charset="0"/>
-                        <a:cs typeface="Times New Roman" panose="02020603050405020304" pitchFamily="18" charset="0"/>
-                      </a:endParaRPr>
-                    </a:p>
-                  </a:txBody>
-                  <a:tcPr marL="68580" marR="68580" marT="0" marB="0" anchor="b"/>
-                </a:tc>
-                <a:tc>
-                  <a:txBody>
-                    <a:bodyPr/>
-                    <a:lstStyle/>
-                    <a:p>
-                      <a:pPr marL="0" marR="0">
-                        <a:lnSpc>
-                          <a:spcPct val="107000"/>
-                        </a:lnSpc>
-                        <a:spcBef>
-                          <a:spcPts val="0"/>
-                        </a:spcBef>
-                        <a:spcAft>
-                          <a:spcPts val="0"/>
-                        </a:spcAft>
-                      </a:pPr>
-                      <a:r>
-                        <a:rPr lang="en-US" sz="1000">
-                          <a:effectLst/>
-                        </a:rPr>
-                        <a:t>Bradley Davis</a:t>
-                      </a:r>
-                      <a:endParaRPr lang="en-US" sz="1100">
-                        <a:effectLst/>
-                        <a:latin typeface="Calibri" panose="020F0502020204030204" pitchFamily="34" charset="0"/>
-                        <a:ea typeface="Calibri" panose="020F0502020204030204" pitchFamily="34" charset="0"/>
-                        <a:cs typeface="Times New Roman" panose="02020603050405020304" pitchFamily="18" charset="0"/>
-                      </a:endParaRPr>
-                    </a:p>
-                  </a:txBody>
-                  <a:tcPr marL="68580" marR="68580" marT="0" marB="0" anchor="b"/>
-                </a:tc>
-                <a:tc>
-                  <a:txBody>
-                    <a:bodyPr/>
-                    <a:lstStyle/>
-                    <a:p>
-                      <a:pPr marL="0" marR="0">
-                        <a:lnSpc>
-                          <a:spcPct val="107000"/>
-                        </a:lnSpc>
-                        <a:spcBef>
-                          <a:spcPts val="0"/>
-                        </a:spcBef>
-                        <a:spcAft>
-                          <a:spcPts val="0"/>
-                        </a:spcAft>
-                      </a:pPr>
-                      <a:r>
-                        <a:rPr lang="en-US" sz="1000">
-                          <a:effectLst/>
-                        </a:rPr>
-                        <a:t>Central High</a:t>
-                      </a:r>
-                      <a:endParaRPr lang="en-US" sz="1100">
-                        <a:effectLst/>
-                        <a:latin typeface="Calibri" panose="020F0502020204030204" pitchFamily="34" charset="0"/>
-                        <a:ea typeface="Calibri" panose="020F0502020204030204" pitchFamily="34" charset="0"/>
-                        <a:cs typeface="Times New Roman" panose="02020603050405020304" pitchFamily="18" charset="0"/>
-                      </a:endParaRPr>
-                    </a:p>
-                  </a:txBody>
-                  <a:tcPr marL="68580" marR="68580" marT="0" marB="0" anchor="b"/>
-                </a:tc>
-                <a:tc>
-                  <a:txBody>
-                    <a:bodyPr/>
-                    <a:lstStyle/>
-                    <a:p>
-                      <a:pPr marL="0" marR="0" algn="r">
-                        <a:lnSpc>
-                          <a:spcPct val="107000"/>
-                        </a:lnSpc>
-                        <a:spcBef>
-                          <a:spcPts val="0"/>
-                        </a:spcBef>
-                        <a:spcAft>
-                          <a:spcPts val="0"/>
-                        </a:spcAft>
-                      </a:pPr>
-                      <a:r>
-                        <a:rPr lang="en-US" sz="1000">
-                          <a:effectLst/>
-                        </a:rPr>
-                        <a:t>18:54</a:t>
-                      </a:r>
-                      <a:endParaRPr lang="en-US" sz="1100">
-                        <a:effectLst/>
-                        <a:latin typeface="Calibri" panose="020F0502020204030204" pitchFamily="34" charset="0"/>
-                        <a:ea typeface="Calibri" panose="020F0502020204030204" pitchFamily="34" charset="0"/>
-                        <a:cs typeface="Times New Roman" panose="02020603050405020304" pitchFamily="18" charset="0"/>
-                      </a:endParaRPr>
-                    </a:p>
-                  </a:txBody>
-                  <a:tcPr marL="68580" marR="68580" marT="0" marB="0" anchor="b"/>
-                </a:tc>
-                <a:tc>
-                  <a:txBody>
-                    <a:bodyPr/>
-                    <a:lstStyle/>
-                    <a:p>
-                      <a:pPr marL="0" marR="0" algn="r">
-                        <a:lnSpc>
-                          <a:spcPct val="107000"/>
-                        </a:lnSpc>
-                        <a:spcBef>
-                          <a:spcPts val="0"/>
-                        </a:spcBef>
-                        <a:spcAft>
-                          <a:spcPts val="0"/>
-                        </a:spcAft>
-                      </a:pPr>
-                      <a:r>
-                        <a:rPr lang="en-US" sz="1000">
-                          <a:effectLst/>
-                        </a:rPr>
-                        <a:t>7</a:t>
-                      </a:r>
-                      <a:endParaRPr lang="en-US" sz="1100">
-                        <a:effectLst/>
-                        <a:latin typeface="Calibri" panose="020F0502020204030204" pitchFamily="34" charset="0"/>
-                        <a:ea typeface="Calibri" panose="020F0502020204030204" pitchFamily="34" charset="0"/>
-                        <a:cs typeface="Times New Roman" panose="02020603050405020304" pitchFamily="18" charset="0"/>
-                      </a:endParaRPr>
-                    </a:p>
-                  </a:txBody>
-                  <a:tcPr marL="68580" marR="68580" marT="0" marB="0" anchor="b"/>
-                </a:tc>
-                <a:extLst>
-                  <a:ext uri="{0D108BD9-81ED-4DB2-BD59-A6C34878D82A}">
-                    <a16:rowId xmlns:a16="http://schemas.microsoft.com/office/drawing/2014/main" val="1017639626"/>
-                  </a:ext>
-                </a:extLst>
-              </a:tr>
-              <a:tr h="0">
-                <a:tc>
-                  <a:txBody>
-                    <a:bodyPr/>
-                    <a:lstStyle/>
-                    <a:p>
-                      <a:pPr marL="0" marR="0" algn="r">
-                        <a:lnSpc>
-                          <a:spcPct val="107000"/>
-                        </a:lnSpc>
-                        <a:spcBef>
-                          <a:spcPts val="0"/>
-                        </a:spcBef>
-                        <a:spcAft>
-                          <a:spcPts val="0"/>
-                        </a:spcAft>
-                      </a:pPr>
-                      <a:r>
-                        <a:rPr lang="en-US" sz="1000">
-                          <a:effectLst/>
-                        </a:rPr>
-                        <a:t>9</a:t>
-                      </a:r>
-                      <a:endParaRPr lang="en-US" sz="1100">
-                        <a:effectLst/>
-                        <a:latin typeface="Calibri" panose="020F0502020204030204" pitchFamily="34" charset="0"/>
-                        <a:ea typeface="Calibri" panose="020F0502020204030204" pitchFamily="34" charset="0"/>
-                        <a:cs typeface="Times New Roman" panose="02020603050405020304" pitchFamily="18" charset="0"/>
-                      </a:endParaRPr>
-                    </a:p>
-                  </a:txBody>
-                  <a:tcPr marL="68580" marR="68580" marT="0" marB="0" anchor="b"/>
-                </a:tc>
-                <a:tc>
-                  <a:txBody>
-                    <a:bodyPr/>
-                    <a:lstStyle/>
-                    <a:p>
-                      <a:pPr marL="0" marR="0">
-                        <a:lnSpc>
-                          <a:spcPct val="107000"/>
-                        </a:lnSpc>
-                        <a:spcBef>
-                          <a:spcPts val="0"/>
-                        </a:spcBef>
-                        <a:spcAft>
-                          <a:spcPts val="0"/>
-                        </a:spcAft>
-                      </a:pPr>
-                      <a:r>
-                        <a:rPr lang="en-US" sz="1000">
-                          <a:effectLst/>
-                        </a:rPr>
-                        <a:t>Cameron Brockman</a:t>
-                      </a:r>
-                      <a:endParaRPr lang="en-US" sz="1100">
-                        <a:effectLst/>
-                        <a:latin typeface="Calibri" panose="020F0502020204030204" pitchFamily="34" charset="0"/>
-                        <a:ea typeface="Calibri" panose="020F0502020204030204" pitchFamily="34" charset="0"/>
-                        <a:cs typeface="Times New Roman" panose="02020603050405020304" pitchFamily="18" charset="0"/>
-                      </a:endParaRPr>
-                    </a:p>
-                  </a:txBody>
-                  <a:tcPr marL="68580" marR="68580" marT="0" marB="0" anchor="b"/>
-                </a:tc>
-                <a:tc>
-                  <a:txBody>
-                    <a:bodyPr/>
-                    <a:lstStyle/>
-                    <a:p>
-                      <a:pPr marL="0" marR="0">
-                        <a:lnSpc>
-                          <a:spcPct val="107000"/>
-                        </a:lnSpc>
-                        <a:spcBef>
-                          <a:spcPts val="0"/>
-                        </a:spcBef>
-                        <a:spcAft>
-                          <a:spcPts val="0"/>
-                        </a:spcAft>
-                      </a:pPr>
-                      <a:r>
-                        <a:rPr lang="en-US" sz="1000">
-                          <a:effectLst/>
-                        </a:rPr>
-                        <a:t>Springfield</a:t>
-                      </a:r>
-                      <a:endParaRPr lang="en-US" sz="1100">
-                        <a:effectLst/>
-                        <a:latin typeface="Calibri" panose="020F0502020204030204" pitchFamily="34" charset="0"/>
-                        <a:ea typeface="Calibri" panose="020F0502020204030204" pitchFamily="34" charset="0"/>
-                        <a:cs typeface="Times New Roman" panose="02020603050405020304" pitchFamily="18" charset="0"/>
-                      </a:endParaRPr>
-                    </a:p>
-                  </a:txBody>
-                  <a:tcPr marL="68580" marR="68580" marT="0" marB="0" anchor="b"/>
-                </a:tc>
-                <a:tc>
-                  <a:txBody>
-                    <a:bodyPr/>
-                    <a:lstStyle/>
-                    <a:p>
-                      <a:pPr marL="0" marR="0" algn="r">
-                        <a:lnSpc>
-                          <a:spcPct val="107000"/>
-                        </a:lnSpc>
-                        <a:spcBef>
-                          <a:spcPts val="0"/>
-                        </a:spcBef>
-                        <a:spcAft>
-                          <a:spcPts val="0"/>
-                        </a:spcAft>
-                      </a:pPr>
-                      <a:r>
-                        <a:rPr lang="en-US" sz="1000">
-                          <a:effectLst/>
-                        </a:rPr>
-                        <a:t>19:03</a:t>
-                      </a:r>
-                      <a:endParaRPr lang="en-US" sz="1100">
-                        <a:effectLst/>
-                        <a:latin typeface="Calibri" panose="020F0502020204030204" pitchFamily="34" charset="0"/>
-                        <a:ea typeface="Calibri" panose="020F0502020204030204" pitchFamily="34" charset="0"/>
-                        <a:cs typeface="Times New Roman" panose="02020603050405020304" pitchFamily="18" charset="0"/>
-                      </a:endParaRPr>
-                    </a:p>
-                  </a:txBody>
-                  <a:tcPr marL="68580" marR="68580" marT="0" marB="0" anchor="b"/>
-                </a:tc>
-                <a:tc>
-                  <a:txBody>
-                    <a:bodyPr/>
-                    <a:lstStyle/>
-                    <a:p>
-                      <a:pPr marL="0" marR="0" algn="r">
-                        <a:lnSpc>
-                          <a:spcPct val="107000"/>
-                        </a:lnSpc>
-                        <a:spcBef>
-                          <a:spcPts val="0"/>
-                        </a:spcBef>
-                        <a:spcAft>
-                          <a:spcPts val="0"/>
-                        </a:spcAft>
-                      </a:pPr>
-                      <a:r>
-                        <a:rPr lang="en-US" sz="1000">
-                          <a:effectLst/>
-                        </a:rPr>
-                        <a:t>8</a:t>
-                      </a:r>
-                      <a:endParaRPr lang="en-US" sz="1100">
-                        <a:effectLst/>
-                        <a:latin typeface="Calibri" panose="020F0502020204030204" pitchFamily="34" charset="0"/>
-                        <a:ea typeface="Calibri" panose="020F0502020204030204" pitchFamily="34" charset="0"/>
-                        <a:cs typeface="Times New Roman" panose="02020603050405020304" pitchFamily="18" charset="0"/>
-                      </a:endParaRPr>
-                    </a:p>
-                  </a:txBody>
-                  <a:tcPr marL="68580" marR="68580" marT="0" marB="0" anchor="b"/>
-                </a:tc>
-                <a:extLst>
-                  <a:ext uri="{0D108BD9-81ED-4DB2-BD59-A6C34878D82A}">
-                    <a16:rowId xmlns:a16="http://schemas.microsoft.com/office/drawing/2014/main" val="2342216248"/>
-                  </a:ext>
-                </a:extLst>
-              </a:tr>
-              <a:tr h="0">
-                <a:tc>
-                  <a:txBody>
-                    <a:bodyPr/>
-                    <a:lstStyle/>
-                    <a:p>
-                      <a:pPr marL="0" marR="0" algn="r">
-                        <a:lnSpc>
-                          <a:spcPct val="107000"/>
-                        </a:lnSpc>
-                        <a:spcBef>
-                          <a:spcPts val="0"/>
-                        </a:spcBef>
-                        <a:spcAft>
-                          <a:spcPts val="0"/>
-                        </a:spcAft>
-                      </a:pPr>
-                      <a:r>
-                        <a:rPr lang="en-US" sz="1000">
-                          <a:effectLst/>
-                        </a:rPr>
-                        <a:t>10</a:t>
-                      </a:r>
-                      <a:endParaRPr lang="en-US" sz="1100">
-                        <a:effectLst/>
-                        <a:latin typeface="Calibri" panose="020F0502020204030204" pitchFamily="34" charset="0"/>
-                        <a:ea typeface="Calibri" panose="020F0502020204030204" pitchFamily="34" charset="0"/>
-                        <a:cs typeface="Times New Roman" panose="02020603050405020304" pitchFamily="18" charset="0"/>
-                      </a:endParaRPr>
-                    </a:p>
-                  </a:txBody>
-                  <a:tcPr marL="68580" marR="68580" marT="0" marB="0" anchor="b"/>
-                </a:tc>
-                <a:tc>
-                  <a:txBody>
-                    <a:bodyPr/>
-                    <a:lstStyle/>
-                    <a:p>
-                      <a:pPr marL="0" marR="0">
-                        <a:lnSpc>
-                          <a:spcPct val="107000"/>
-                        </a:lnSpc>
-                        <a:spcBef>
-                          <a:spcPts val="0"/>
-                        </a:spcBef>
-                        <a:spcAft>
-                          <a:spcPts val="0"/>
-                        </a:spcAft>
-                      </a:pPr>
-                      <a:r>
-                        <a:rPr lang="en-US" sz="1000">
-                          <a:effectLst/>
-                        </a:rPr>
-                        <a:t>James Springer</a:t>
-                      </a:r>
-                      <a:endParaRPr lang="en-US" sz="1100">
-                        <a:effectLst/>
-                        <a:latin typeface="Calibri" panose="020F0502020204030204" pitchFamily="34" charset="0"/>
-                        <a:ea typeface="Calibri" panose="020F0502020204030204" pitchFamily="34" charset="0"/>
-                        <a:cs typeface="Times New Roman" panose="02020603050405020304" pitchFamily="18" charset="0"/>
-                      </a:endParaRPr>
-                    </a:p>
-                  </a:txBody>
-                  <a:tcPr marL="68580" marR="68580" marT="0" marB="0" anchor="b"/>
-                </a:tc>
-                <a:tc>
-                  <a:txBody>
-                    <a:bodyPr/>
-                    <a:lstStyle/>
-                    <a:p>
-                      <a:pPr marL="0" marR="0">
-                        <a:lnSpc>
-                          <a:spcPct val="107000"/>
-                        </a:lnSpc>
-                        <a:spcBef>
-                          <a:spcPts val="0"/>
-                        </a:spcBef>
-                        <a:spcAft>
-                          <a:spcPts val="0"/>
-                        </a:spcAft>
-                      </a:pPr>
-                      <a:r>
-                        <a:rPr lang="en-US" sz="1000">
-                          <a:effectLst/>
-                        </a:rPr>
-                        <a:t>Gray County</a:t>
-                      </a:r>
-                      <a:endParaRPr lang="en-US" sz="1100">
-                        <a:effectLst/>
-                        <a:latin typeface="Calibri" panose="020F0502020204030204" pitchFamily="34" charset="0"/>
-                        <a:ea typeface="Calibri" panose="020F0502020204030204" pitchFamily="34" charset="0"/>
-                        <a:cs typeface="Times New Roman" panose="02020603050405020304" pitchFamily="18" charset="0"/>
-                      </a:endParaRPr>
-                    </a:p>
-                  </a:txBody>
-                  <a:tcPr marL="68580" marR="68580" marT="0" marB="0" anchor="b"/>
-                </a:tc>
-                <a:tc>
-                  <a:txBody>
-                    <a:bodyPr/>
-                    <a:lstStyle/>
-                    <a:p>
-                      <a:pPr marL="0" marR="0" algn="r">
-                        <a:lnSpc>
-                          <a:spcPct val="107000"/>
-                        </a:lnSpc>
-                        <a:spcBef>
-                          <a:spcPts val="0"/>
-                        </a:spcBef>
-                        <a:spcAft>
-                          <a:spcPts val="0"/>
-                        </a:spcAft>
-                      </a:pPr>
-                      <a:r>
-                        <a:rPr lang="en-US" sz="1000">
-                          <a:effectLst/>
-                        </a:rPr>
-                        <a:t>19:08</a:t>
-                      </a:r>
-                      <a:endParaRPr lang="en-US" sz="1100">
-                        <a:effectLst/>
-                        <a:latin typeface="Calibri" panose="020F0502020204030204" pitchFamily="34" charset="0"/>
-                        <a:ea typeface="Calibri" panose="020F0502020204030204" pitchFamily="34" charset="0"/>
-                        <a:cs typeface="Times New Roman" panose="02020603050405020304" pitchFamily="18" charset="0"/>
-                      </a:endParaRPr>
-                    </a:p>
-                  </a:txBody>
-                  <a:tcPr marL="68580" marR="68580" marT="0" marB="0" anchor="b"/>
-                </a:tc>
-                <a:tc>
-                  <a:txBody>
-                    <a:bodyPr/>
-                    <a:lstStyle/>
-                    <a:p>
-                      <a:pPr marL="0" marR="0" algn="r">
-                        <a:lnSpc>
-                          <a:spcPct val="107000"/>
-                        </a:lnSpc>
-                        <a:spcBef>
-                          <a:spcPts val="0"/>
-                        </a:spcBef>
-                        <a:spcAft>
-                          <a:spcPts val="0"/>
-                        </a:spcAft>
-                      </a:pPr>
-                      <a:r>
-                        <a:rPr lang="en-US" sz="1000">
-                          <a:effectLst/>
-                        </a:rPr>
-                        <a:t>9</a:t>
-                      </a:r>
-                      <a:endParaRPr lang="en-US" sz="1100">
-                        <a:effectLst/>
-                        <a:latin typeface="Calibri" panose="020F0502020204030204" pitchFamily="34" charset="0"/>
-                        <a:ea typeface="Calibri" panose="020F0502020204030204" pitchFamily="34" charset="0"/>
-                        <a:cs typeface="Times New Roman" panose="02020603050405020304" pitchFamily="18" charset="0"/>
-                      </a:endParaRPr>
-                    </a:p>
-                  </a:txBody>
-                  <a:tcPr marL="68580" marR="68580" marT="0" marB="0" anchor="b"/>
-                </a:tc>
-                <a:extLst>
-                  <a:ext uri="{0D108BD9-81ED-4DB2-BD59-A6C34878D82A}">
-                    <a16:rowId xmlns:a16="http://schemas.microsoft.com/office/drawing/2014/main" val="1948046384"/>
-                  </a:ext>
-                </a:extLst>
-              </a:tr>
-              <a:tr h="0">
-                <a:tc>
-                  <a:txBody>
-                    <a:bodyPr/>
-                    <a:lstStyle/>
-                    <a:p>
-                      <a:pPr marL="0" marR="0" algn="r">
-                        <a:lnSpc>
-                          <a:spcPct val="107000"/>
-                        </a:lnSpc>
-                        <a:spcBef>
-                          <a:spcPts val="0"/>
-                        </a:spcBef>
-                        <a:spcAft>
-                          <a:spcPts val="0"/>
-                        </a:spcAft>
-                      </a:pPr>
-                      <a:r>
-                        <a:rPr lang="en-US" sz="1000">
-                          <a:effectLst/>
-                        </a:rPr>
-                        <a:t>11</a:t>
-                      </a:r>
-                      <a:endParaRPr lang="en-US" sz="1100">
-                        <a:effectLst/>
-                        <a:latin typeface="Calibri" panose="020F0502020204030204" pitchFamily="34" charset="0"/>
-                        <a:ea typeface="Calibri" panose="020F0502020204030204" pitchFamily="34" charset="0"/>
-                        <a:cs typeface="Times New Roman" panose="02020603050405020304" pitchFamily="18" charset="0"/>
-                      </a:endParaRPr>
-                    </a:p>
-                  </a:txBody>
-                  <a:tcPr marL="68580" marR="68580" marT="0" marB="0" anchor="b"/>
-                </a:tc>
-                <a:tc>
-                  <a:txBody>
-                    <a:bodyPr/>
-                    <a:lstStyle/>
-                    <a:p>
-                      <a:pPr marL="0" marR="0">
-                        <a:lnSpc>
-                          <a:spcPct val="107000"/>
-                        </a:lnSpc>
-                        <a:spcBef>
-                          <a:spcPts val="0"/>
-                        </a:spcBef>
-                        <a:spcAft>
-                          <a:spcPts val="0"/>
-                        </a:spcAft>
-                      </a:pPr>
-                      <a:r>
-                        <a:rPr lang="en-US" sz="1000">
-                          <a:effectLst/>
-                        </a:rPr>
-                        <a:t>Dylan Hasler</a:t>
-                      </a:r>
-                      <a:endParaRPr lang="en-US" sz="1100">
-                        <a:effectLst/>
-                        <a:latin typeface="Calibri" panose="020F0502020204030204" pitchFamily="34" charset="0"/>
-                        <a:ea typeface="Calibri" panose="020F0502020204030204" pitchFamily="34" charset="0"/>
-                        <a:cs typeface="Times New Roman" panose="02020603050405020304" pitchFamily="18" charset="0"/>
-                      </a:endParaRPr>
-                    </a:p>
-                  </a:txBody>
-                  <a:tcPr marL="68580" marR="68580" marT="0" marB="0" anchor="b"/>
-                </a:tc>
-                <a:tc>
-                  <a:txBody>
-                    <a:bodyPr/>
-                    <a:lstStyle/>
-                    <a:p>
-                      <a:pPr marL="0" marR="0">
-                        <a:lnSpc>
-                          <a:spcPct val="107000"/>
-                        </a:lnSpc>
-                        <a:spcBef>
-                          <a:spcPts val="0"/>
-                        </a:spcBef>
-                        <a:spcAft>
-                          <a:spcPts val="0"/>
-                        </a:spcAft>
-                      </a:pPr>
-                      <a:r>
-                        <a:rPr lang="en-US" sz="1000">
-                          <a:effectLst/>
-                        </a:rPr>
-                        <a:t>Central High</a:t>
-                      </a:r>
-                      <a:endParaRPr lang="en-US" sz="1100">
-                        <a:effectLst/>
-                        <a:latin typeface="Calibri" panose="020F0502020204030204" pitchFamily="34" charset="0"/>
-                        <a:ea typeface="Calibri" panose="020F0502020204030204" pitchFamily="34" charset="0"/>
-                        <a:cs typeface="Times New Roman" panose="02020603050405020304" pitchFamily="18" charset="0"/>
-                      </a:endParaRPr>
-                    </a:p>
-                  </a:txBody>
-                  <a:tcPr marL="68580" marR="68580" marT="0" marB="0" anchor="b"/>
-                </a:tc>
-                <a:tc>
-                  <a:txBody>
-                    <a:bodyPr/>
-                    <a:lstStyle/>
-                    <a:p>
-                      <a:pPr marL="0" marR="0" algn="r">
-                        <a:lnSpc>
-                          <a:spcPct val="107000"/>
-                        </a:lnSpc>
-                        <a:spcBef>
-                          <a:spcPts val="0"/>
-                        </a:spcBef>
-                        <a:spcAft>
-                          <a:spcPts val="0"/>
-                        </a:spcAft>
-                      </a:pPr>
-                      <a:r>
-                        <a:rPr lang="en-US" sz="1000">
-                          <a:effectLst/>
-                        </a:rPr>
-                        <a:t>19:10</a:t>
-                      </a:r>
-                      <a:endParaRPr lang="en-US" sz="1100">
-                        <a:effectLst/>
-                        <a:latin typeface="Calibri" panose="020F0502020204030204" pitchFamily="34" charset="0"/>
-                        <a:ea typeface="Calibri" panose="020F0502020204030204" pitchFamily="34" charset="0"/>
-                        <a:cs typeface="Times New Roman" panose="02020603050405020304" pitchFamily="18" charset="0"/>
-                      </a:endParaRPr>
-                    </a:p>
-                  </a:txBody>
-                  <a:tcPr marL="68580" marR="68580" marT="0" marB="0" anchor="b"/>
-                </a:tc>
-                <a:tc>
-                  <a:txBody>
-                    <a:bodyPr/>
-                    <a:lstStyle/>
-                    <a:p>
-                      <a:pPr marL="0" marR="0" algn="r">
-                        <a:lnSpc>
-                          <a:spcPct val="107000"/>
-                        </a:lnSpc>
-                        <a:spcBef>
-                          <a:spcPts val="0"/>
-                        </a:spcBef>
-                        <a:spcAft>
-                          <a:spcPts val="0"/>
-                        </a:spcAft>
-                      </a:pPr>
-                      <a:r>
-                        <a:rPr lang="en-US" sz="1000">
-                          <a:effectLst/>
-                        </a:rPr>
-                        <a:t>10</a:t>
-                      </a:r>
-                      <a:endParaRPr lang="en-US" sz="1100">
-                        <a:effectLst/>
-                        <a:latin typeface="Calibri" panose="020F0502020204030204" pitchFamily="34" charset="0"/>
-                        <a:ea typeface="Calibri" panose="020F0502020204030204" pitchFamily="34" charset="0"/>
-                        <a:cs typeface="Times New Roman" panose="02020603050405020304" pitchFamily="18" charset="0"/>
-                      </a:endParaRPr>
-                    </a:p>
-                  </a:txBody>
-                  <a:tcPr marL="68580" marR="68580" marT="0" marB="0" anchor="b"/>
-                </a:tc>
-                <a:extLst>
-                  <a:ext uri="{0D108BD9-81ED-4DB2-BD59-A6C34878D82A}">
-                    <a16:rowId xmlns:a16="http://schemas.microsoft.com/office/drawing/2014/main" val="2598875747"/>
-                  </a:ext>
-                </a:extLst>
-              </a:tr>
-              <a:tr h="0">
-                <a:tc>
-                  <a:txBody>
-                    <a:bodyPr/>
-                    <a:lstStyle/>
-                    <a:p>
-                      <a:pPr marL="0" marR="0" algn="r">
-                        <a:lnSpc>
-                          <a:spcPct val="107000"/>
-                        </a:lnSpc>
-                        <a:spcBef>
-                          <a:spcPts val="0"/>
-                        </a:spcBef>
-                        <a:spcAft>
-                          <a:spcPts val="0"/>
-                        </a:spcAft>
-                      </a:pPr>
-                      <a:r>
-                        <a:rPr lang="en-US" sz="1000">
-                          <a:effectLst/>
-                        </a:rPr>
-                        <a:t>12</a:t>
-                      </a:r>
-                      <a:endParaRPr lang="en-US" sz="1100">
-                        <a:effectLst/>
-                        <a:latin typeface="Calibri" panose="020F0502020204030204" pitchFamily="34" charset="0"/>
-                        <a:ea typeface="Calibri" panose="020F0502020204030204" pitchFamily="34" charset="0"/>
-                        <a:cs typeface="Times New Roman" panose="02020603050405020304" pitchFamily="18" charset="0"/>
-                      </a:endParaRPr>
-                    </a:p>
-                  </a:txBody>
-                  <a:tcPr marL="68580" marR="68580" marT="0" marB="0" anchor="b"/>
-                </a:tc>
-                <a:tc>
-                  <a:txBody>
-                    <a:bodyPr/>
-                    <a:lstStyle/>
-                    <a:p>
-                      <a:pPr marL="0" marR="0">
-                        <a:lnSpc>
-                          <a:spcPct val="107000"/>
-                        </a:lnSpc>
-                        <a:spcBef>
-                          <a:spcPts val="0"/>
-                        </a:spcBef>
-                        <a:spcAft>
-                          <a:spcPts val="0"/>
-                        </a:spcAft>
-                      </a:pPr>
-                      <a:r>
-                        <a:rPr lang="en-US" sz="1000">
-                          <a:effectLst/>
-                        </a:rPr>
-                        <a:t>Shawn Berger</a:t>
-                      </a:r>
-                      <a:endParaRPr lang="en-US" sz="1100">
-                        <a:effectLst/>
-                        <a:latin typeface="Calibri" panose="020F0502020204030204" pitchFamily="34" charset="0"/>
-                        <a:ea typeface="Calibri" panose="020F0502020204030204" pitchFamily="34" charset="0"/>
-                        <a:cs typeface="Times New Roman" panose="02020603050405020304" pitchFamily="18" charset="0"/>
-                      </a:endParaRPr>
-                    </a:p>
-                  </a:txBody>
-                  <a:tcPr marL="68580" marR="68580" marT="0" marB="0" anchor="b"/>
-                </a:tc>
-                <a:tc>
-                  <a:txBody>
-                    <a:bodyPr/>
-                    <a:lstStyle/>
-                    <a:p>
-                      <a:pPr marL="0" marR="0">
-                        <a:lnSpc>
-                          <a:spcPct val="107000"/>
-                        </a:lnSpc>
-                        <a:spcBef>
-                          <a:spcPts val="0"/>
-                        </a:spcBef>
-                        <a:spcAft>
-                          <a:spcPts val="0"/>
-                        </a:spcAft>
-                      </a:pPr>
-                      <a:r>
-                        <a:rPr lang="en-US" sz="1000">
-                          <a:effectLst/>
-                        </a:rPr>
-                        <a:t>Hamilton Academy</a:t>
-                      </a:r>
-                      <a:endParaRPr lang="en-US" sz="1100">
-                        <a:effectLst/>
-                        <a:latin typeface="Calibri" panose="020F0502020204030204" pitchFamily="34" charset="0"/>
-                        <a:ea typeface="Calibri" panose="020F0502020204030204" pitchFamily="34" charset="0"/>
-                        <a:cs typeface="Times New Roman" panose="02020603050405020304" pitchFamily="18" charset="0"/>
-                      </a:endParaRPr>
-                    </a:p>
-                  </a:txBody>
-                  <a:tcPr marL="68580" marR="68580" marT="0" marB="0" anchor="b"/>
-                </a:tc>
-                <a:tc>
-                  <a:txBody>
-                    <a:bodyPr/>
-                    <a:lstStyle/>
-                    <a:p>
-                      <a:pPr marL="0" marR="0" algn="r">
-                        <a:lnSpc>
-                          <a:spcPct val="107000"/>
-                        </a:lnSpc>
-                        <a:spcBef>
-                          <a:spcPts val="0"/>
-                        </a:spcBef>
-                        <a:spcAft>
-                          <a:spcPts val="0"/>
-                        </a:spcAft>
-                      </a:pPr>
-                      <a:r>
-                        <a:rPr lang="en-US" sz="1000">
-                          <a:effectLst/>
-                        </a:rPr>
-                        <a:t>19:23</a:t>
-                      </a:r>
-                      <a:endParaRPr lang="en-US" sz="1100">
-                        <a:effectLst/>
-                        <a:latin typeface="Calibri" panose="020F0502020204030204" pitchFamily="34" charset="0"/>
-                        <a:ea typeface="Calibri" panose="020F0502020204030204" pitchFamily="34" charset="0"/>
-                        <a:cs typeface="Times New Roman" panose="02020603050405020304" pitchFamily="18" charset="0"/>
-                      </a:endParaRPr>
-                    </a:p>
-                  </a:txBody>
-                  <a:tcPr marL="68580" marR="68580" marT="0" marB="0" anchor="b"/>
-                </a:tc>
-                <a:tc>
-                  <a:txBody>
-                    <a:bodyPr/>
-                    <a:lstStyle/>
-                    <a:p>
-                      <a:pPr>
-                        <a:lnSpc>
-                          <a:spcPct val="107000"/>
-                        </a:lnSpc>
-                      </a:pPr>
-                      <a:endParaRPr lang="en-US" sz="1100">
-                        <a:effectLst/>
-                        <a:latin typeface="Calibri" panose="020F0502020204030204" pitchFamily="34" charset="0"/>
-                        <a:cs typeface="Times New Roman" panose="02020603050405020304" pitchFamily="18" charset="0"/>
-                      </a:endParaRPr>
-                    </a:p>
-                  </a:txBody>
-                  <a:tcPr marL="68580" marR="68580" marT="0" marB="0" anchor="b"/>
-                </a:tc>
-                <a:extLst>
-                  <a:ext uri="{0D108BD9-81ED-4DB2-BD59-A6C34878D82A}">
-                    <a16:rowId xmlns:a16="http://schemas.microsoft.com/office/drawing/2014/main" val="1684280418"/>
-                  </a:ext>
-                </a:extLst>
-              </a:tr>
-              <a:tr h="0">
-                <a:tc>
-                  <a:txBody>
-                    <a:bodyPr/>
-                    <a:lstStyle/>
-                    <a:p>
-                      <a:pPr marL="0" marR="0" algn="r">
-                        <a:lnSpc>
-                          <a:spcPct val="107000"/>
-                        </a:lnSpc>
-                        <a:spcBef>
-                          <a:spcPts val="0"/>
-                        </a:spcBef>
-                        <a:spcAft>
-                          <a:spcPts val="0"/>
-                        </a:spcAft>
-                      </a:pPr>
-                      <a:r>
-                        <a:rPr lang="en-US" sz="1000">
-                          <a:effectLst/>
-                        </a:rPr>
-                        <a:t>13</a:t>
-                      </a:r>
-                      <a:endParaRPr lang="en-US" sz="1100">
-                        <a:effectLst/>
-                        <a:latin typeface="Calibri" panose="020F0502020204030204" pitchFamily="34" charset="0"/>
-                        <a:ea typeface="Calibri" panose="020F0502020204030204" pitchFamily="34" charset="0"/>
-                        <a:cs typeface="Times New Roman" panose="02020603050405020304" pitchFamily="18" charset="0"/>
-                      </a:endParaRPr>
-                    </a:p>
-                  </a:txBody>
-                  <a:tcPr marL="68580" marR="68580" marT="0" marB="0" anchor="b"/>
-                </a:tc>
-                <a:tc>
-                  <a:txBody>
-                    <a:bodyPr/>
-                    <a:lstStyle/>
-                    <a:p>
-                      <a:pPr marL="0" marR="0">
-                        <a:lnSpc>
-                          <a:spcPct val="107000"/>
-                        </a:lnSpc>
-                        <a:spcBef>
-                          <a:spcPts val="0"/>
-                        </a:spcBef>
-                        <a:spcAft>
-                          <a:spcPts val="0"/>
-                        </a:spcAft>
-                      </a:pPr>
-                      <a:r>
-                        <a:rPr lang="en-US" sz="1000">
-                          <a:effectLst/>
-                        </a:rPr>
-                        <a:t>Austin Schwartz</a:t>
-                      </a:r>
-                      <a:endParaRPr lang="en-US" sz="1100">
-                        <a:effectLst/>
-                        <a:latin typeface="Calibri" panose="020F0502020204030204" pitchFamily="34" charset="0"/>
-                        <a:ea typeface="Calibri" panose="020F0502020204030204" pitchFamily="34" charset="0"/>
-                        <a:cs typeface="Times New Roman" panose="02020603050405020304" pitchFamily="18" charset="0"/>
-                      </a:endParaRPr>
-                    </a:p>
-                  </a:txBody>
-                  <a:tcPr marL="68580" marR="68580" marT="0" marB="0" anchor="b"/>
-                </a:tc>
-                <a:tc>
-                  <a:txBody>
-                    <a:bodyPr/>
-                    <a:lstStyle/>
-                    <a:p>
-                      <a:pPr marL="0" marR="0">
-                        <a:lnSpc>
-                          <a:spcPct val="107000"/>
-                        </a:lnSpc>
-                        <a:spcBef>
-                          <a:spcPts val="0"/>
-                        </a:spcBef>
-                        <a:spcAft>
-                          <a:spcPts val="0"/>
-                        </a:spcAft>
-                      </a:pPr>
-                      <a:r>
-                        <a:rPr lang="en-US" sz="1000">
-                          <a:effectLst/>
-                        </a:rPr>
-                        <a:t>Springfield</a:t>
-                      </a:r>
-                      <a:endParaRPr lang="en-US" sz="1100">
-                        <a:effectLst/>
-                        <a:latin typeface="Calibri" panose="020F0502020204030204" pitchFamily="34" charset="0"/>
-                        <a:ea typeface="Calibri" panose="020F0502020204030204" pitchFamily="34" charset="0"/>
-                        <a:cs typeface="Times New Roman" panose="02020603050405020304" pitchFamily="18" charset="0"/>
-                      </a:endParaRPr>
-                    </a:p>
-                  </a:txBody>
-                  <a:tcPr marL="68580" marR="68580" marT="0" marB="0" anchor="b"/>
-                </a:tc>
-                <a:tc>
-                  <a:txBody>
-                    <a:bodyPr/>
-                    <a:lstStyle/>
-                    <a:p>
-                      <a:pPr marL="0" marR="0" algn="r">
-                        <a:lnSpc>
-                          <a:spcPct val="107000"/>
-                        </a:lnSpc>
-                        <a:spcBef>
-                          <a:spcPts val="0"/>
-                        </a:spcBef>
-                        <a:spcAft>
-                          <a:spcPts val="0"/>
-                        </a:spcAft>
-                      </a:pPr>
-                      <a:r>
-                        <a:rPr lang="en-US" sz="1000">
-                          <a:effectLst/>
-                        </a:rPr>
-                        <a:t>19:31</a:t>
-                      </a:r>
-                      <a:endParaRPr lang="en-US" sz="1100">
-                        <a:effectLst/>
-                        <a:latin typeface="Calibri" panose="020F0502020204030204" pitchFamily="34" charset="0"/>
-                        <a:ea typeface="Calibri" panose="020F0502020204030204" pitchFamily="34" charset="0"/>
-                        <a:cs typeface="Times New Roman" panose="02020603050405020304" pitchFamily="18" charset="0"/>
-                      </a:endParaRPr>
-                    </a:p>
-                  </a:txBody>
-                  <a:tcPr marL="68580" marR="68580" marT="0" marB="0" anchor="b"/>
-                </a:tc>
-                <a:tc>
-                  <a:txBody>
-                    <a:bodyPr/>
-                    <a:lstStyle/>
-                    <a:p>
-                      <a:pPr marL="0" marR="0" algn="r">
-                        <a:lnSpc>
-                          <a:spcPct val="107000"/>
-                        </a:lnSpc>
-                        <a:spcBef>
-                          <a:spcPts val="0"/>
-                        </a:spcBef>
-                        <a:spcAft>
-                          <a:spcPts val="0"/>
-                        </a:spcAft>
-                      </a:pPr>
-                      <a:r>
-                        <a:rPr lang="en-US" sz="1000">
-                          <a:effectLst/>
-                        </a:rPr>
-                        <a:t>11</a:t>
-                      </a:r>
-                      <a:endParaRPr lang="en-US" sz="1100">
-                        <a:effectLst/>
-                        <a:latin typeface="Calibri" panose="020F0502020204030204" pitchFamily="34" charset="0"/>
-                        <a:ea typeface="Calibri" panose="020F0502020204030204" pitchFamily="34" charset="0"/>
-                        <a:cs typeface="Times New Roman" panose="02020603050405020304" pitchFamily="18" charset="0"/>
-                      </a:endParaRPr>
-                    </a:p>
-                  </a:txBody>
-                  <a:tcPr marL="68580" marR="68580" marT="0" marB="0" anchor="b"/>
-                </a:tc>
-                <a:extLst>
-                  <a:ext uri="{0D108BD9-81ED-4DB2-BD59-A6C34878D82A}">
-                    <a16:rowId xmlns:a16="http://schemas.microsoft.com/office/drawing/2014/main" val="3218631843"/>
-                  </a:ext>
-                </a:extLst>
-              </a:tr>
-              <a:tr h="0">
-                <a:tc>
-                  <a:txBody>
-                    <a:bodyPr/>
-                    <a:lstStyle/>
-                    <a:p>
-                      <a:pPr marL="0" marR="0" algn="r">
-                        <a:lnSpc>
-                          <a:spcPct val="107000"/>
-                        </a:lnSpc>
-                        <a:spcBef>
-                          <a:spcPts val="0"/>
-                        </a:spcBef>
-                        <a:spcAft>
-                          <a:spcPts val="0"/>
-                        </a:spcAft>
-                      </a:pPr>
-                      <a:r>
-                        <a:rPr lang="en-US" sz="1000">
-                          <a:effectLst/>
-                        </a:rPr>
-                        <a:t>14</a:t>
-                      </a:r>
-                      <a:endParaRPr lang="en-US" sz="1100">
-                        <a:effectLst/>
-                        <a:latin typeface="Calibri" panose="020F0502020204030204" pitchFamily="34" charset="0"/>
-                        <a:ea typeface="Calibri" panose="020F0502020204030204" pitchFamily="34" charset="0"/>
-                        <a:cs typeface="Times New Roman" panose="02020603050405020304" pitchFamily="18" charset="0"/>
-                      </a:endParaRPr>
-                    </a:p>
-                  </a:txBody>
-                  <a:tcPr marL="68580" marR="68580" marT="0" marB="0" anchor="b"/>
-                </a:tc>
-                <a:tc>
-                  <a:txBody>
-                    <a:bodyPr/>
-                    <a:lstStyle/>
-                    <a:p>
-                      <a:pPr marL="0" marR="0">
-                        <a:lnSpc>
-                          <a:spcPct val="107000"/>
-                        </a:lnSpc>
-                        <a:spcBef>
-                          <a:spcPts val="0"/>
-                        </a:spcBef>
-                        <a:spcAft>
-                          <a:spcPts val="0"/>
-                        </a:spcAft>
-                      </a:pPr>
-                      <a:r>
-                        <a:rPr lang="en-US" sz="1000">
-                          <a:effectLst/>
-                        </a:rPr>
-                        <a:t>Tyler Bergman</a:t>
-                      </a:r>
-                      <a:endParaRPr lang="en-US" sz="1100">
-                        <a:effectLst/>
-                        <a:latin typeface="Calibri" panose="020F0502020204030204" pitchFamily="34" charset="0"/>
-                        <a:ea typeface="Calibri" panose="020F0502020204030204" pitchFamily="34" charset="0"/>
-                        <a:cs typeface="Times New Roman" panose="02020603050405020304" pitchFamily="18" charset="0"/>
-                      </a:endParaRPr>
-                    </a:p>
-                  </a:txBody>
-                  <a:tcPr marL="68580" marR="68580" marT="0" marB="0" anchor="b"/>
-                </a:tc>
-                <a:tc>
-                  <a:txBody>
-                    <a:bodyPr/>
-                    <a:lstStyle/>
-                    <a:p>
-                      <a:pPr marL="0" marR="0">
-                        <a:lnSpc>
-                          <a:spcPct val="107000"/>
-                        </a:lnSpc>
-                        <a:spcBef>
-                          <a:spcPts val="0"/>
-                        </a:spcBef>
-                        <a:spcAft>
-                          <a:spcPts val="0"/>
-                        </a:spcAft>
-                      </a:pPr>
-                      <a:r>
-                        <a:rPr lang="en-US" sz="1000">
-                          <a:effectLst/>
-                        </a:rPr>
-                        <a:t>Springfield</a:t>
-                      </a:r>
-                      <a:endParaRPr lang="en-US" sz="1100">
-                        <a:effectLst/>
-                        <a:latin typeface="Calibri" panose="020F0502020204030204" pitchFamily="34" charset="0"/>
-                        <a:ea typeface="Calibri" panose="020F0502020204030204" pitchFamily="34" charset="0"/>
-                        <a:cs typeface="Times New Roman" panose="02020603050405020304" pitchFamily="18" charset="0"/>
-                      </a:endParaRPr>
-                    </a:p>
-                  </a:txBody>
-                  <a:tcPr marL="68580" marR="68580" marT="0" marB="0" anchor="b"/>
-                </a:tc>
-                <a:tc>
-                  <a:txBody>
-                    <a:bodyPr/>
-                    <a:lstStyle/>
-                    <a:p>
-                      <a:pPr marL="0" marR="0" algn="r">
-                        <a:lnSpc>
-                          <a:spcPct val="107000"/>
-                        </a:lnSpc>
-                        <a:spcBef>
-                          <a:spcPts val="0"/>
-                        </a:spcBef>
-                        <a:spcAft>
-                          <a:spcPts val="0"/>
-                        </a:spcAft>
-                      </a:pPr>
-                      <a:r>
-                        <a:rPr lang="en-US" sz="1000">
-                          <a:effectLst/>
-                        </a:rPr>
-                        <a:t>19:34</a:t>
-                      </a:r>
-                      <a:endParaRPr lang="en-US" sz="1100">
-                        <a:effectLst/>
-                        <a:latin typeface="Calibri" panose="020F0502020204030204" pitchFamily="34" charset="0"/>
-                        <a:ea typeface="Calibri" panose="020F0502020204030204" pitchFamily="34" charset="0"/>
-                        <a:cs typeface="Times New Roman" panose="02020603050405020304" pitchFamily="18" charset="0"/>
-                      </a:endParaRPr>
-                    </a:p>
-                  </a:txBody>
-                  <a:tcPr marL="68580" marR="68580" marT="0" marB="0" anchor="b"/>
-                </a:tc>
-                <a:tc>
-                  <a:txBody>
-                    <a:bodyPr/>
-                    <a:lstStyle/>
-                    <a:p>
-                      <a:pPr marL="0" marR="0" algn="r">
-                        <a:lnSpc>
-                          <a:spcPct val="107000"/>
-                        </a:lnSpc>
-                        <a:spcBef>
-                          <a:spcPts val="0"/>
-                        </a:spcBef>
-                        <a:spcAft>
-                          <a:spcPts val="0"/>
-                        </a:spcAft>
-                      </a:pPr>
-                      <a:r>
-                        <a:rPr lang="en-US" sz="1000">
-                          <a:effectLst/>
-                        </a:rPr>
-                        <a:t>12</a:t>
-                      </a:r>
-                      <a:endParaRPr lang="en-US" sz="1100">
-                        <a:effectLst/>
-                        <a:latin typeface="Calibri" panose="020F0502020204030204" pitchFamily="34" charset="0"/>
-                        <a:ea typeface="Calibri" panose="020F0502020204030204" pitchFamily="34" charset="0"/>
-                        <a:cs typeface="Times New Roman" panose="02020603050405020304" pitchFamily="18" charset="0"/>
-                      </a:endParaRPr>
-                    </a:p>
-                  </a:txBody>
-                  <a:tcPr marL="68580" marR="68580" marT="0" marB="0" anchor="b"/>
-                </a:tc>
-                <a:extLst>
-                  <a:ext uri="{0D108BD9-81ED-4DB2-BD59-A6C34878D82A}">
-                    <a16:rowId xmlns:a16="http://schemas.microsoft.com/office/drawing/2014/main" val="2971017484"/>
-                  </a:ext>
-                </a:extLst>
-              </a:tr>
-              <a:tr h="0">
-                <a:tc>
-                  <a:txBody>
-                    <a:bodyPr/>
-                    <a:lstStyle/>
-                    <a:p>
-                      <a:pPr marL="0" marR="0" algn="r">
-                        <a:lnSpc>
-                          <a:spcPct val="107000"/>
-                        </a:lnSpc>
-                        <a:spcBef>
-                          <a:spcPts val="0"/>
-                        </a:spcBef>
-                        <a:spcAft>
-                          <a:spcPts val="0"/>
-                        </a:spcAft>
-                      </a:pPr>
-                      <a:r>
-                        <a:rPr lang="en-US" sz="1000">
-                          <a:effectLst/>
-                        </a:rPr>
-                        <a:t>15</a:t>
-                      </a:r>
-                      <a:endParaRPr lang="en-US" sz="1100">
-                        <a:effectLst/>
-                        <a:latin typeface="Calibri" panose="020F0502020204030204" pitchFamily="34" charset="0"/>
-                        <a:ea typeface="Calibri" panose="020F0502020204030204" pitchFamily="34" charset="0"/>
-                        <a:cs typeface="Times New Roman" panose="02020603050405020304" pitchFamily="18" charset="0"/>
-                      </a:endParaRPr>
-                    </a:p>
-                  </a:txBody>
-                  <a:tcPr marL="68580" marR="68580" marT="0" marB="0" anchor="b"/>
-                </a:tc>
-                <a:tc>
-                  <a:txBody>
-                    <a:bodyPr/>
-                    <a:lstStyle/>
-                    <a:p>
-                      <a:pPr marL="0" marR="0">
-                        <a:lnSpc>
-                          <a:spcPct val="107000"/>
-                        </a:lnSpc>
-                        <a:spcBef>
-                          <a:spcPts val="0"/>
-                        </a:spcBef>
-                        <a:spcAft>
-                          <a:spcPts val="0"/>
-                        </a:spcAft>
-                      </a:pPr>
-                      <a:r>
-                        <a:rPr lang="en-US" sz="1000">
-                          <a:effectLst/>
-                        </a:rPr>
-                        <a:t>Brandon Schultz</a:t>
-                      </a:r>
-                      <a:endParaRPr lang="en-US" sz="1100">
-                        <a:effectLst/>
-                        <a:latin typeface="Calibri" panose="020F0502020204030204" pitchFamily="34" charset="0"/>
-                        <a:ea typeface="Calibri" panose="020F0502020204030204" pitchFamily="34" charset="0"/>
-                        <a:cs typeface="Times New Roman" panose="02020603050405020304" pitchFamily="18" charset="0"/>
-                      </a:endParaRPr>
-                    </a:p>
-                  </a:txBody>
-                  <a:tcPr marL="68580" marR="68580" marT="0" marB="0" anchor="b"/>
-                </a:tc>
-                <a:tc>
-                  <a:txBody>
-                    <a:bodyPr/>
-                    <a:lstStyle/>
-                    <a:p>
-                      <a:pPr marL="0" marR="0">
-                        <a:lnSpc>
-                          <a:spcPct val="107000"/>
-                        </a:lnSpc>
-                        <a:spcBef>
-                          <a:spcPts val="0"/>
-                        </a:spcBef>
-                        <a:spcAft>
-                          <a:spcPts val="0"/>
-                        </a:spcAft>
-                      </a:pPr>
-                      <a:r>
-                        <a:rPr lang="en-US" sz="1000">
-                          <a:effectLst/>
-                        </a:rPr>
-                        <a:t>Central High</a:t>
-                      </a:r>
-                      <a:endParaRPr lang="en-US" sz="1100">
-                        <a:effectLst/>
-                        <a:latin typeface="Calibri" panose="020F0502020204030204" pitchFamily="34" charset="0"/>
-                        <a:ea typeface="Calibri" panose="020F0502020204030204" pitchFamily="34" charset="0"/>
-                        <a:cs typeface="Times New Roman" panose="02020603050405020304" pitchFamily="18" charset="0"/>
-                      </a:endParaRPr>
-                    </a:p>
-                  </a:txBody>
-                  <a:tcPr marL="68580" marR="68580" marT="0" marB="0" anchor="b"/>
-                </a:tc>
-                <a:tc>
-                  <a:txBody>
-                    <a:bodyPr/>
-                    <a:lstStyle/>
-                    <a:p>
-                      <a:pPr marL="0" marR="0" algn="r">
-                        <a:lnSpc>
-                          <a:spcPct val="107000"/>
-                        </a:lnSpc>
-                        <a:spcBef>
-                          <a:spcPts val="0"/>
-                        </a:spcBef>
-                        <a:spcAft>
-                          <a:spcPts val="0"/>
-                        </a:spcAft>
-                      </a:pPr>
-                      <a:r>
-                        <a:rPr lang="en-US" sz="1000">
-                          <a:effectLst/>
-                        </a:rPr>
-                        <a:t>19:35</a:t>
-                      </a:r>
-                      <a:endParaRPr lang="en-US" sz="1100">
-                        <a:effectLst/>
-                        <a:latin typeface="Calibri" panose="020F0502020204030204" pitchFamily="34" charset="0"/>
-                        <a:ea typeface="Calibri" panose="020F0502020204030204" pitchFamily="34" charset="0"/>
-                        <a:cs typeface="Times New Roman" panose="02020603050405020304" pitchFamily="18" charset="0"/>
-                      </a:endParaRPr>
-                    </a:p>
-                  </a:txBody>
-                  <a:tcPr marL="68580" marR="68580" marT="0" marB="0" anchor="b"/>
-                </a:tc>
-                <a:tc>
-                  <a:txBody>
-                    <a:bodyPr/>
-                    <a:lstStyle/>
-                    <a:p>
-                      <a:pPr marL="0" marR="0" algn="r">
-                        <a:lnSpc>
-                          <a:spcPct val="107000"/>
-                        </a:lnSpc>
-                        <a:spcBef>
-                          <a:spcPts val="0"/>
-                        </a:spcBef>
-                        <a:spcAft>
-                          <a:spcPts val="0"/>
-                        </a:spcAft>
-                      </a:pPr>
-                      <a:r>
-                        <a:rPr lang="en-US" sz="1000">
-                          <a:effectLst/>
-                        </a:rPr>
-                        <a:t>13</a:t>
-                      </a:r>
-                      <a:endParaRPr lang="en-US" sz="1100">
-                        <a:effectLst/>
-                        <a:latin typeface="Calibri" panose="020F0502020204030204" pitchFamily="34" charset="0"/>
-                        <a:ea typeface="Calibri" panose="020F0502020204030204" pitchFamily="34" charset="0"/>
-                        <a:cs typeface="Times New Roman" panose="02020603050405020304" pitchFamily="18" charset="0"/>
-                      </a:endParaRPr>
-                    </a:p>
-                  </a:txBody>
-                  <a:tcPr marL="68580" marR="68580" marT="0" marB="0" anchor="b"/>
-                </a:tc>
-                <a:extLst>
-                  <a:ext uri="{0D108BD9-81ED-4DB2-BD59-A6C34878D82A}">
-                    <a16:rowId xmlns:a16="http://schemas.microsoft.com/office/drawing/2014/main" val="2566199373"/>
-                  </a:ext>
-                </a:extLst>
-              </a:tr>
-              <a:tr h="0">
-                <a:tc>
-                  <a:txBody>
-                    <a:bodyPr/>
-                    <a:lstStyle/>
-                    <a:p>
-                      <a:pPr marL="0" marR="0" algn="r">
-                        <a:lnSpc>
-                          <a:spcPct val="107000"/>
-                        </a:lnSpc>
-                        <a:spcBef>
-                          <a:spcPts val="0"/>
-                        </a:spcBef>
-                        <a:spcAft>
-                          <a:spcPts val="0"/>
-                        </a:spcAft>
-                      </a:pPr>
-                      <a:r>
-                        <a:rPr lang="en-US" sz="1000">
-                          <a:effectLst/>
-                        </a:rPr>
-                        <a:t>16</a:t>
-                      </a:r>
-                      <a:endParaRPr lang="en-US" sz="1100">
-                        <a:effectLst/>
-                        <a:latin typeface="Calibri" panose="020F0502020204030204" pitchFamily="34" charset="0"/>
-                        <a:ea typeface="Calibri" panose="020F0502020204030204" pitchFamily="34" charset="0"/>
-                        <a:cs typeface="Times New Roman" panose="02020603050405020304" pitchFamily="18" charset="0"/>
-                      </a:endParaRPr>
-                    </a:p>
-                  </a:txBody>
-                  <a:tcPr marL="68580" marR="68580" marT="0" marB="0" anchor="b"/>
-                </a:tc>
-                <a:tc>
-                  <a:txBody>
-                    <a:bodyPr/>
-                    <a:lstStyle/>
-                    <a:p>
-                      <a:pPr marL="0" marR="0">
-                        <a:lnSpc>
-                          <a:spcPct val="107000"/>
-                        </a:lnSpc>
-                        <a:spcBef>
-                          <a:spcPts val="0"/>
-                        </a:spcBef>
-                        <a:spcAft>
-                          <a:spcPts val="0"/>
-                        </a:spcAft>
-                      </a:pPr>
-                      <a:r>
-                        <a:rPr lang="en-US" sz="1000">
-                          <a:effectLst/>
-                        </a:rPr>
-                        <a:t>Evan Holtz</a:t>
-                      </a:r>
-                      <a:endParaRPr lang="en-US" sz="1100">
-                        <a:effectLst/>
-                        <a:latin typeface="Calibri" panose="020F0502020204030204" pitchFamily="34" charset="0"/>
-                        <a:ea typeface="Calibri" panose="020F0502020204030204" pitchFamily="34" charset="0"/>
-                        <a:cs typeface="Times New Roman" panose="02020603050405020304" pitchFamily="18" charset="0"/>
-                      </a:endParaRPr>
-                    </a:p>
-                  </a:txBody>
-                  <a:tcPr marL="68580" marR="68580" marT="0" marB="0" anchor="b"/>
-                </a:tc>
-                <a:tc>
-                  <a:txBody>
-                    <a:bodyPr/>
-                    <a:lstStyle/>
-                    <a:p>
-                      <a:pPr marL="0" marR="0">
-                        <a:lnSpc>
-                          <a:spcPct val="107000"/>
-                        </a:lnSpc>
-                        <a:spcBef>
-                          <a:spcPts val="0"/>
-                        </a:spcBef>
-                        <a:spcAft>
-                          <a:spcPts val="0"/>
-                        </a:spcAft>
-                      </a:pPr>
-                      <a:r>
-                        <a:rPr lang="en-US" sz="1000">
-                          <a:effectLst/>
-                        </a:rPr>
-                        <a:t>Gray County</a:t>
-                      </a:r>
-                      <a:endParaRPr lang="en-US" sz="1100">
-                        <a:effectLst/>
-                        <a:latin typeface="Calibri" panose="020F0502020204030204" pitchFamily="34" charset="0"/>
-                        <a:ea typeface="Calibri" panose="020F0502020204030204" pitchFamily="34" charset="0"/>
-                        <a:cs typeface="Times New Roman" panose="02020603050405020304" pitchFamily="18" charset="0"/>
-                      </a:endParaRPr>
-                    </a:p>
-                  </a:txBody>
-                  <a:tcPr marL="68580" marR="68580" marT="0" marB="0" anchor="b"/>
-                </a:tc>
-                <a:tc>
-                  <a:txBody>
-                    <a:bodyPr/>
-                    <a:lstStyle/>
-                    <a:p>
-                      <a:pPr marL="0" marR="0" algn="r">
-                        <a:lnSpc>
-                          <a:spcPct val="107000"/>
-                        </a:lnSpc>
-                        <a:spcBef>
-                          <a:spcPts val="0"/>
-                        </a:spcBef>
-                        <a:spcAft>
-                          <a:spcPts val="0"/>
-                        </a:spcAft>
-                      </a:pPr>
-                      <a:r>
-                        <a:rPr lang="en-US" sz="1000">
-                          <a:effectLst/>
-                        </a:rPr>
-                        <a:t>19:36</a:t>
-                      </a:r>
-                      <a:endParaRPr lang="en-US" sz="1100">
-                        <a:effectLst/>
-                        <a:latin typeface="Calibri" panose="020F0502020204030204" pitchFamily="34" charset="0"/>
-                        <a:ea typeface="Calibri" panose="020F0502020204030204" pitchFamily="34" charset="0"/>
-                        <a:cs typeface="Times New Roman" panose="02020603050405020304" pitchFamily="18" charset="0"/>
-                      </a:endParaRPr>
-                    </a:p>
-                  </a:txBody>
-                  <a:tcPr marL="68580" marR="68580" marT="0" marB="0" anchor="b"/>
-                </a:tc>
-                <a:tc>
-                  <a:txBody>
-                    <a:bodyPr/>
-                    <a:lstStyle/>
-                    <a:p>
-                      <a:pPr marL="0" marR="0" algn="r">
-                        <a:lnSpc>
-                          <a:spcPct val="107000"/>
-                        </a:lnSpc>
-                        <a:spcBef>
-                          <a:spcPts val="0"/>
-                        </a:spcBef>
-                        <a:spcAft>
-                          <a:spcPts val="0"/>
-                        </a:spcAft>
-                      </a:pPr>
-                      <a:r>
-                        <a:rPr lang="en-US" sz="1000">
-                          <a:effectLst/>
-                        </a:rPr>
-                        <a:t>14</a:t>
-                      </a:r>
-                      <a:endParaRPr lang="en-US" sz="1100">
-                        <a:effectLst/>
-                        <a:latin typeface="Calibri" panose="020F0502020204030204" pitchFamily="34" charset="0"/>
-                        <a:ea typeface="Calibri" panose="020F0502020204030204" pitchFamily="34" charset="0"/>
-                        <a:cs typeface="Times New Roman" panose="02020603050405020304" pitchFamily="18" charset="0"/>
-                      </a:endParaRPr>
-                    </a:p>
-                  </a:txBody>
-                  <a:tcPr marL="68580" marR="68580" marT="0" marB="0" anchor="b"/>
-                </a:tc>
-                <a:extLst>
-                  <a:ext uri="{0D108BD9-81ED-4DB2-BD59-A6C34878D82A}">
-                    <a16:rowId xmlns:a16="http://schemas.microsoft.com/office/drawing/2014/main" val="3442890520"/>
-                  </a:ext>
-                </a:extLst>
-              </a:tr>
-              <a:tr h="0">
-                <a:tc>
-                  <a:txBody>
-                    <a:bodyPr/>
-                    <a:lstStyle/>
-                    <a:p>
-                      <a:pPr marL="0" marR="0" algn="r">
-                        <a:lnSpc>
-                          <a:spcPct val="107000"/>
-                        </a:lnSpc>
-                        <a:spcBef>
-                          <a:spcPts val="0"/>
-                        </a:spcBef>
-                        <a:spcAft>
-                          <a:spcPts val="0"/>
-                        </a:spcAft>
-                      </a:pPr>
-                      <a:r>
-                        <a:rPr lang="en-US" sz="1000">
-                          <a:effectLst/>
-                        </a:rPr>
-                        <a:t>17</a:t>
-                      </a:r>
-                      <a:endParaRPr lang="en-US" sz="1100">
-                        <a:effectLst/>
-                        <a:latin typeface="Calibri" panose="020F0502020204030204" pitchFamily="34" charset="0"/>
-                        <a:ea typeface="Calibri" panose="020F0502020204030204" pitchFamily="34" charset="0"/>
-                        <a:cs typeface="Times New Roman" panose="02020603050405020304" pitchFamily="18" charset="0"/>
-                      </a:endParaRPr>
-                    </a:p>
-                  </a:txBody>
-                  <a:tcPr marL="68580" marR="68580" marT="0" marB="0" anchor="b"/>
-                </a:tc>
-                <a:tc>
-                  <a:txBody>
-                    <a:bodyPr/>
-                    <a:lstStyle/>
-                    <a:p>
-                      <a:pPr marL="0" marR="0">
-                        <a:lnSpc>
-                          <a:spcPct val="107000"/>
-                        </a:lnSpc>
-                        <a:spcBef>
-                          <a:spcPts val="0"/>
-                        </a:spcBef>
-                        <a:spcAft>
-                          <a:spcPts val="0"/>
-                        </a:spcAft>
-                      </a:pPr>
-                      <a:r>
-                        <a:rPr lang="en-US" sz="1000">
-                          <a:effectLst/>
-                        </a:rPr>
-                        <a:t>Josh Obermeyer</a:t>
-                      </a:r>
-                      <a:endParaRPr lang="en-US" sz="1100">
-                        <a:effectLst/>
-                        <a:latin typeface="Calibri" panose="020F0502020204030204" pitchFamily="34" charset="0"/>
-                        <a:ea typeface="Calibri" panose="020F0502020204030204" pitchFamily="34" charset="0"/>
-                        <a:cs typeface="Times New Roman" panose="02020603050405020304" pitchFamily="18" charset="0"/>
-                      </a:endParaRPr>
-                    </a:p>
-                  </a:txBody>
-                  <a:tcPr marL="68580" marR="68580" marT="0" marB="0" anchor="b"/>
-                </a:tc>
-                <a:tc>
-                  <a:txBody>
-                    <a:bodyPr/>
-                    <a:lstStyle/>
-                    <a:p>
-                      <a:pPr marL="0" marR="0">
-                        <a:lnSpc>
-                          <a:spcPct val="107000"/>
-                        </a:lnSpc>
-                        <a:spcBef>
-                          <a:spcPts val="0"/>
-                        </a:spcBef>
-                        <a:spcAft>
-                          <a:spcPts val="0"/>
-                        </a:spcAft>
-                      </a:pPr>
-                      <a:r>
-                        <a:rPr lang="en-US" sz="1000">
-                          <a:effectLst/>
-                        </a:rPr>
-                        <a:t>Springfield</a:t>
-                      </a:r>
-                      <a:endParaRPr lang="en-US" sz="1100">
-                        <a:effectLst/>
-                        <a:latin typeface="Calibri" panose="020F0502020204030204" pitchFamily="34" charset="0"/>
-                        <a:ea typeface="Calibri" panose="020F0502020204030204" pitchFamily="34" charset="0"/>
-                        <a:cs typeface="Times New Roman" panose="02020603050405020304" pitchFamily="18" charset="0"/>
-                      </a:endParaRPr>
-                    </a:p>
-                  </a:txBody>
-                  <a:tcPr marL="68580" marR="68580" marT="0" marB="0" anchor="b"/>
-                </a:tc>
-                <a:tc>
-                  <a:txBody>
-                    <a:bodyPr/>
-                    <a:lstStyle/>
-                    <a:p>
-                      <a:pPr marL="0" marR="0" algn="r">
-                        <a:lnSpc>
-                          <a:spcPct val="107000"/>
-                        </a:lnSpc>
-                        <a:spcBef>
-                          <a:spcPts val="0"/>
-                        </a:spcBef>
-                        <a:spcAft>
-                          <a:spcPts val="0"/>
-                        </a:spcAft>
-                      </a:pPr>
-                      <a:r>
-                        <a:rPr lang="en-US" sz="1000">
-                          <a:effectLst/>
-                        </a:rPr>
-                        <a:t>19:44</a:t>
-                      </a:r>
-                      <a:endParaRPr lang="en-US" sz="1100">
-                        <a:effectLst/>
-                        <a:latin typeface="Calibri" panose="020F0502020204030204" pitchFamily="34" charset="0"/>
-                        <a:ea typeface="Calibri" panose="020F0502020204030204" pitchFamily="34" charset="0"/>
-                        <a:cs typeface="Times New Roman" panose="02020603050405020304" pitchFamily="18" charset="0"/>
-                      </a:endParaRPr>
-                    </a:p>
-                  </a:txBody>
-                  <a:tcPr marL="68580" marR="68580" marT="0" marB="0" anchor="b"/>
-                </a:tc>
-                <a:tc>
-                  <a:txBody>
-                    <a:bodyPr/>
-                    <a:lstStyle/>
-                    <a:p>
-                      <a:pPr marL="0" marR="0" algn="r">
-                        <a:lnSpc>
-                          <a:spcPct val="107000"/>
-                        </a:lnSpc>
-                        <a:spcBef>
-                          <a:spcPts val="0"/>
-                        </a:spcBef>
-                        <a:spcAft>
-                          <a:spcPts val="0"/>
-                        </a:spcAft>
-                      </a:pPr>
-                      <a:r>
-                        <a:rPr lang="en-US" sz="1000">
-                          <a:effectLst/>
-                        </a:rPr>
-                        <a:t>15</a:t>
-                      </a:r>
-                      <a:endParaRPr lang="en-US" sz="1100">
-                        <a:effectLst/>
-                        <a:latin typeface="Calibri" panose="020F0502020204030204" pitchFamily="34" charset="0"/>
-                        <a:ea typeface="Calibri" panose="020F0502020204030204" pitchFamily="34" charset="0"/>
-                        <a:cs typeface="Times New Roman" panose="02020603050405020304" pitchFamily="18" charset="0"/>
-                      </a:endParaRPr>
-                    </a:p>
-                  </a:txBody>
-                  <a:tcPr marL="68580" marR="68580" marT="0" marB="0" anchor="b"/>
-                </a:tc>
-                <a:extLst>
-                  <a:ext uri="{0D108BD9-81ED-4DB2-BD59-A6C34878D82A}">
-                    <a16:rowId xmlns:a16="http://schemas.microsoft.com/office/drawing/2014/main" val="2305139706"/>
-                  </a:ext>
-                </a:extLst>
-              </a:tr>
-              <a:tr h="0">
-                <a:tc>
-                  <a:txBody>
-                    <a:bodyPr/>
-                    <a:lstStyle/>
-                    <a:p>
-                      <a:pPr marL="0" marR="0" algn="r">
-                        <a:lnSpc>
-                          <a:spcPct val="107000"/>
-                        </a:lnSpc>
-                        <a:spcBef>
-                          <a:spcPts val="0"/>
-                        </a:spcBef>
-                        <a:spcAft>
-                          <a:spcPts val="0"/>
-                        </a:spcAft>
-                      </a:pPr>
-                      <a:r>
-                        <a:rPr lang="en-US" sz="1000">
-                          <a:effectLst/>
-                        </a:rPr>
-                        <a:t>18</a:t>
-                      </a:r>
-                      <a:endParaRPr lang="en-US" sz="1100">
-                        <a:effectLst/>
-                        <a:latin typeface="Calibri" panose="020F0502020204030204" pitchFamily="34" charset="0"/>
-                        <a:ea typeface="Calibri" panose="020F0502020204030204" pitchFamily="34" charset="0"/>
-                        <a:cs typeface="Times New Roman" panose="02020603050405020304" pitchFamily="18" charset="0"/>
-                      </a:endParaRPr>
-                    </a:p>
-                  </a:txBody>
-                  <a:tcPr marL="68580" marR="68580" marT="0" marB="0" anchor="b"/>
-                </a:tc>
-                <a:tc>
-                  <a:txBody>
-                    <a:bodyPr/>
-                    <a:lstStyle/>
-                    <a:p>
-                      <a:pPr marL="0" marR="0">
-                        <a:lnSpc>
-                          <a:spcPct val="107000"/>
-                        </a:lnSpc>
-                        <a:spcBef>
-                          <a:spcPts val="0"/>
-                        </a:spcBef>
-                        <a:spcAft>
-                          <a:spcPts val="0"/>
-                        </a:spcAft>
-                      </a:pPr>
-                      <a:r>
-                        <a:rPr lang="en-US" sz="1000">
-                          <a:effectLst/>
-                        </a:rPr>
-                        <a:t>Alex Morris</a:t>
-                      </a:r>
-                      <a:endParaRPr lang="en-US" sz="1100">
-                        <a:effectLst/>
-                        <a:latin typeface="Calibri" panose="020F0502020204030204" pitchFamily="34" charset="0"/>
-                        <a:ea typeface="Calibri" panose="020F0502020204030204" pitchFamily="34" charset="0"/>
-                        <a:cs typeface="Times New Roman" panose="02020603050405020304" pitchFamily="18" charset="0"/>
-                      </a:endParaRPr>
-                    </a:p>
-                  </a:txBody>
-                  <a:tcPr marL="68580" marR="68580" marT="0" marB="0" anchor="b"/>
-                </a:tc>
-                <a:tc>
-                  <a:txBody>
-                    <a:bodyPr/>
-                    <a:lstStyle/>
-                    <a:p>
-                      <a:pPr marL="0" marR="0">
-                        <a:lnSpc>
-                          <a:spcPct val="107000"/>
-                        </a:lnSpc>
-                        <a:spcBef>
-                          <a:spcPts val="0"/>
-                        </a:spcBef>
-                        <a:spcAft>
-                          <a:spcPts val="0"/>
-                        </a:spcAft>
-                      </a:pPr>
-                      <a:r>
-                        <a:rPr lang="en-US" sz="1000">
-                          <a:effectLst/>
-                        </a:rPr>
-                        <a:t>Central High</a:t>
-                      </a:r>
-                      <a:endParaRPr lang="en-US" sz="1100">
-                        <a:effectLst/>
-                        <a:latin typeface="Calibri" panose="020F0502020204030204" pitchFamily="34" charset="0"/>
-                        <a:ea typeface="Calibri" panose="020F0502020204030204" pitchFamily="34" charset="0"/>
-                        <a:cs typeface="Times New Roman" panose="02020603050405020304" pitchFamily="18" charset="0"/>
-                      </a:endParaRPr>
-                    </a:p>
-                  </a:txBody>
-                  <a:tcPr marL="68580" marR="68580" marT="0" marB="0" anchor="b"/>
-                </a:tc>
-                <a:tc>
-                  <a:txBody>
-                    <a:bodyPr/>
-                    <a:lstStyle/>
-                    <a:p>
-                      <a:pPr marL="0" marR="0" algn="r">
-                        <a:lnSpc>
-                          <a:spcPct val="107000"/>
-                        </a:lnSpc>
-                        <a:spcBef>
-                          <a:spcPts val="0"/>
-                        </a:spcBef>
-                        <a:spcAft>
-                          <a:spcPts val="0"/>
-                        </a:spcAft>
-                      </a:pPr>
-                      <a:r>
-                        <a:rPr lang="en-US" sz="1000">
-                          <a:effectLst/>
-                        </a:rPr>
-                        <a:t>19:50</a:t>
-                      </a:r>
-                      <a:endParaRPr lang="en-US" sz="1100">
-                        <a:effectLst/>
-                        <a:latin typeface="Calibri" panose="020F0502020204030204" pitchFamily="34" charset="0"/>
-                        <a:ea typeface="Calibri" panose="020F0502020204030204" pitchFamily="34" charset="0"/>
-                        <a:cs typeface="Times New Roman" panose="02020603050405020304" pitchFamily="18" charset="0"/>
-                      </a:endParaRPr>
-                    </a:p>
-                  </a:txBody>
-                  <a:tcPr marL="68580" marR="68580" marT="0" marB="0" anchor="b"/>
-                </a:tc>
-                <a:tc>
-                  <a:txBody>
-                    <a:bodyPr/>
-                    <a:lstStyle/>
-                    <a:p>
-                      <a:pPr marL="0" marR="0" algn="r">
-                        <a:lnSpc>
-                          <a:spcPct val="107000"/>
-                        </a:lnSpc>
-                        <a:spcBef>
-                          <a:spcPts val="0"/>
-                        </a:spcBef>
-                        <a:spcAft>
-                          <a:spcPts val="0"/>
-                        </a:spcAft>
-                      </a:pPr>
-                      <a:r>
-                        <a:rPr lang="en-US" sz="1000">
-                          <a:effectLst/>
-                        </a:rPr>
-                        <a:t>16</a:t>
-                      </a:r>
-                      <a:endParaRPr lang="en-US" sz="1100">
-                        <a:effectLst/>
-                        <a:latin typeface="Calibri" panose="020F0502020204030204" pitchFamily="34" charset="0"/>
-                        <a:ea typeface="Calibri" panose="020F0502020204030204" pitchFamily="34" charset="0"/>
-                        <a:cs typeface="Times New Roman" panose="02020603050405020304" pitchFamily="18" charset="0"/>
-                      </a:endParaRPr>
-                    </a:p>
-                  </a:txBody>
-                  <a:tcPr marL="68580" marR="68580" marT="0" marB="0" anchor="b"/>
-                </a:tc>
-                <a:extLst>
-                  <a:ext uri="{0D108BD9-81ED-4DB2-BD59-A6C34878D82A}">
-                    <a16:rowId xmlns:a16="http://schemas.microsoft.com/office/drawing/2014/main" val="3984572512"/>
-                  </a:ext>
-                </a:extLst>
-              </a:tr>
-              <a:tr h="0">
-                <a:tc>
-                  <a:txBody>
-                    <a:bodyPr/>
-                    <a:lstStyle/>
-                    <a:p>
-                      <a:pPr marL="0" marR="0" algn="r">
-                        <a:lnSpc>
-                          <a:spcPct val="107000"/>
-                        </a:lnSpc>
-                        <a:spcBef>
-                          <a:spcPts val="0"/>
-                        </a:spcBef>
-                        <a:spcAft>
-                          <a:spcPts val="0"/>
-                        </a:spcAft>
-                      </a:pPr>
-                      <a:r>
-                        <a:rPr lang="en-US" sz="1000">
-                          <a:effectLst/>
-                        </a:rPr>
-                        <a:t>19</a:t>
-                      </a:r>
-                      <a:endParaRPr lang="en-US" sz="1100">
-                        <a:effectLst/>
-                        <a:latin typeface="Calibri" panose="020F0502020204030204" pitchFamily="34" charset="0"/>
-                        <a:ea typeface="Calibri" panose="020F0502020204030204" pitchFamily="34" charset="0"/>
-                        <a:cs typeface="Times New Roman" panose="02020603050405020304" pitchFamily="18" charset="0"/>
-                      </a:endParaRPr>
-                    </a:p>
-                  </a:txBody>
-                  <a:tcPr marL="68580" marR="68580" marT="0" marB="0" anchor="b"/>
-                </a:tc>
-                <a:tc>
-                  <a:txBody>
-                    <a:bodyPr/>
-                    <a:lstStyle/>
-                    <a:p>
-                      <a:pPr marL="0" marR="0">
-                        <a:lnSpc>
-                          <a:spcPct val="107000"/>
-                        </a:lnSpc>
-                        <a:spcBef>
-                          <a:spcPts val="0"/>
-                        </a:spcBef>
-                        <a:spcAft>
-                          <a:spcPts val="0"/>
-                        </a:spcAft>
-                      </a:pPr>
-                      <a:r>
-                        <a:rPr lang="en-US" sz="1000">
-                          <a:effectLst/>
-                        </a:rPr>
-                        <a:t>William Cook</a:t>
-                      </a:r>
-                      <a:endParaRPr lang="en-US" sz="1100">
-                        <a:effectLst/>
-                        <a:latin typeface="Calibri" panose="020F0502020204030204" pitchFamily="34" charset="0"/>
-                        <a:ea typeface="Calibri" panose="020F0502020204030204" pitchFamily="34" charset="0"/>
-                        <a:cs typeface="Times New Roman" panose="02020603050405020304" pitchFamily="18" charset="0"/>
-                      </a:endParaRPr>
-                    </a:p>
-                  </a:txBody>
-                  <a:tcPr marL="68580" marR="68580" marT="0" marB="0" anchor="b"/>
-                </a:tc>
-                <a:tc>
-                  <a:txBody>
-                    <a:bodyPr/>
-                    <a:lstStyle/>
-                    <a:p>
-                      <a:pPr marL="0" marR="0">
-                        <a:lnSpc>
-                          <a:spcPct val="107000"/>
-                        </a:lnSpc>
-                        <a:spcBef>
-                          <a:spcPts val="0"/>
-                        </a:spcBef>
-                        <a:spcAft>
-                          <a:spcPts val="0"/>
-                        </a:spcAft>
-                      </a:pPr>
-                      <a:r>
-                        <a:rPr lang="en-US" sz="1000">
-                          <a:effectLst/>
-                        </a:rPr>
-                        <a:t>Gray County</a:t>
-                      </a:r>
-                      <a:endParaRPr lang="en-US" sz="1100">
-                        <a:effectLst/>
-                        <a:latin typeface="Calibri" panose="020F0502020204030204" pitchFamily="34" charset="0"/>
-                        <a:ea typeface="Calibri" panose="020F0502020204030204" pitchFamily="34" charset="0"/>
-                        <a:cs typeface="Times New Roman" panose="02020603050405020304" pitchFamily="18" charset="0"/>
-                      </a:endParaRPr>
-                    </a:p>
-                  </a:txBody>
-                  <a:tcPr marL="68580" marR="68580" marT="0" marB="0" anchor="b"/>
-                </a:tc>
-                <a:tc>
-                  <a:txBody>
-                    <a:bodyPr/>
-                    <a:lstStyle/>
-                    <a:p>
-                      <a:pPr marL="0" marR="0" algn="r">
-                        <a:lnSpc>
-                          <a:spcPct val="107000"/>
-                        </a:lnSpc>
-                        <a:spcBef>
-                          <a:spcPts val="0"/>
-                        </a:spcBef>
-                        <a:spcAft>
-                          <a:spcPts val="0"/>
-                        </a:spcAft>
-                      </a:pPr>
-                      <a:r>
-                        <a:rPr lang="en-US" sz="1000">
-                          <a:effectLst/>
-                        </a:rPr>
-                        <a:t>19:56</a:t>
-                      </a:r>
-                      <a:endParaRPr lang="en-US" sz="1100">
-                        <a:effectLst/>
-                        <a:latin typeface="Calibri" panose="020F0502020204030204" pitchFamily="34" charset="0"/>
-                        <a:ea typeface="Calibri" panose="020F0502020204030204" pitchFamily="34" charset="0"/>
-                        <a:cs typeface="Times New Roman" panose="02020603050405020304" pitchFamily="18" charset="0"/>
-                      </a:endParaRPr>
-                    </a:p>
-                  </a:txBody>
-                  <a:tcPr marL="68580" marR="68580" marT="0" marB="0" anchor="b"/>
-                </a:tc>
-                <a:tc>
-                  <a:txBody>
-                    <a:bodyPr/>
-                    <a:lstStyle/>
-                    <a:p>
-                      <a:pPr marL="0" marR="0" algn="r">
-                        <a:lnSpc>
-                          <a:spcPct val="107000"/>
-                        </a:lnSpc>
-                        <a:spcBef>
-                          <a:spcPts val="0"/>
-                        </a:spcBef>
-                        <a:spcAft>
-                          <a:spcPts val="0"/>
-                        </a:spcAft>
-                      </a:pPr>
-                      <a:r>
-                        <a:rPr lang="en-US" sz="1000">
-                          <a:effectLst/>
-                        </a:rPr>
-                        <a:t>17</a:t>
-                      </a:r>
-                      <a:endParaRPr lang="en-US" sz="1100">
-                        <a:effectLst/>
-                        <a:latin typeface="Calibri" panose="020F0502020204030204" pitchFamily="34" charset="0"/>
-                        <a:ea typeface="Calibri" panose="020F0502020204030204" pitchFamily="34" charset="0"/>
-                        <a:cs typeface="Times New Roman" panose="02020603050405020304" pitchFamily="18" charset="0"/>
-                      </a:endParaRPr>
-                    </a:p>
-                  </a:txBody>
-                  <a:tcPr marL="68580" marR="68580" marT="0" marB="0" anchor="b"/>
-                </a:tc>
-                <a:extLst>
-                  <a:ext uri="{0D108BD9-81ED-4DB2-BD59-A6C34878D82A}">
-                    <a16:rowId xmlns:a16="http://schemas.microsoft.com/office/drawing/2014/main" val="3834983738"/>
-                  </a:ext>
-                </a:extLst>
-              </a:tr>
-              <a:tr h="0">
-                <a:tc>
-                  <a:txBody>
-                    <a:bodyPr/>
-                    <a:lstStyle/>
-                    <a:p>
-                      <a:pPr marL="0" marR="0" algn="r">
-                        <a:lnSpc>
-                          <a:spcPct val="107000"/>
-                        </a:lnSpc>
-                        <a:spcBef>
-                          <a:spcPts val="0"/>
-                        </a:spcBef>
-                        <a:spcAft>
-                          <a:spcPts val="0"/>
-                        </a:spcAft>
-                      </a:pPr>
-                      <a:r>
-                        <a:rPr lang="en-US" sz="1000">
-                          <a:effectLst/>
-                        </a:rPr>
-                        <a:t>20</a:t>
-                      </a:r>
-                      <a:endParaRPr lang="en-US" sz="1100">
-                        <a:effectLst/>
-                        <a:latin typeface="Calibri" panose="020F0502020204030204" pitchFamily="34" charset="0"/>
-                        <a:ea typeface="Calibri" panose="020F0502020204030204" pitchFamily="34" charset="0"/>
-                        <a:cs typeface="Times New Roman" panose="02020603050405020304" pitchFamily="18" charset="0"/>
-                      </a:endParaRPr>
-                    </a:p>
-                  </a:txBody>
-                  <a:tcPr marL="68580" marR="68580" marT="0" marB="0" anchor="b"/>
-                </a:tc>
-                <a:tc>
-                  <a:txBody>
-                    <a:bodyPr/>
-                    <a:lstStyle/>
-                    <a:p>
-                      <a:pPr marL="0" marR="0">
-                        <a:lnSpc>
-                          <a:spcPct val="107000"/>
-                        </a:lnSpc>
-                        <a:spcBef>
-                          <a:spcPts val="0"/>
-                        </a:spcBef>
-                        <a:spcAft>
-                          <a:spcPts val="0"/>
-                        </a:spcAft>
-                      </a:pPr>
-                      <a:r>
-                        <a:rPr lang="en-US" sz="1000">
-                          <a:effectLst/>
-                        </a:rPr>
-                        <a:t>Justin Holloway</a:t>
-                      </a:r>
-                      <a:endParaRPr lang="en-US" sz="1100">
-                        <a:effectLst/>
-                        <a:latin typeface="Calibri" panose="020F0502020204030204" pitchFamily="34" charset="0"/>
-                        <a:ea typeface="Calibri" panose="020F0502020204030204" pitchFamily="34" charset="0"/>
-                        <a:cs typeface="Times New Roman" panose="02020603050405020304" pitchFamily="18" charset="0"/>
-                      </a:endParaRPr>
-                    </a:p>
-                  </a:txBody>
-                  <a:tcPr marL="68580" marR="68580" marT="0" marB="0" anchor="b"/>
-                </a:tc>
-                <a:tc>
-                  <a:txBody>
-                    <a:bodyPr/>
-                    <a:lstStyle/>
-                    <a:p>
-                      <a:pPr marL="0" marR="0">
-                        <a:lnSpc>
-                          <a:spcPct val="107000"/>
-                        </a:lnSpc>
-                        <a:spcBef>
-                          <a:spcPts val="0"/>
-                        </a:spcBef>
-                        <a:spcAft>
-                          <a:spcPts val="0"/>
-                        </a:spcAft>
-                      </a:pPr>
-                      <a:r>
-                        <a:rPr lang="en-US" sz="1000">
-                          <a:effectLst/>
-                        </a:rPr>
-                        <a:t>Springfield</a:t>
-                      </a:r>
-                      <a:endParaRPr lang="en-US" sz="1100">
-                        <a:effectLst/>
-                        <a:latin typeface="Calibri" panose="020F0502020204030204" pitchFamily="34" charset="0"/>
-                        <a:ea typeface="Calibri" panose="020F0502020204030204" pitchFamily="34" charset="0"/>
-                        <a:cs typeface="Times New Roman" panose="02020603050405020304" pitchFamily="18" charset="0"/>
-                      </a:endParaRPr>
-                    </a:p>
-                  </a:txBody>
-                  <a:tcPr marL="68580" marR="68580" marT="0" marB="0" anchor="b"/>
-                </a:tc>
-                <a:tc>
-                  <a:txBody>
-                    <a:bodyPr/>
-                    <a:lstStyle/>
-                    <a:p>
-                      <a:pPr marL="0" marR="0" algn="r">
-                        <a:lnSpc>
-                          <a:spcPct val="107000"/>
-                        </a:lnSpc>
-                        <a:spcBef>
-                          <a:spcPts val="0"/>
-                        </a:spcBef>
-                        <a:spcAft>
-                          <a:spcPts val="0"/>
-                        </a:spcAft>
-                      </a:pPr>
-                      <a:r>
-                        <a:rPr lang="en-US" sz="1000">
-                          <a:effectLst/>
-                        </a:rPr>
-                        <a:t>19:57</a:t>
-                      </a:r>
-                      <a:endParaRPr lang="en-US" sz="1100">
-                        <a:effectLst/>
-                        <a:latin typeface="Calibri" panose="020F0502020204030204" pitchFamily="34" charset="0"/>
-                        <a:ea typeface="Calibri" panose="020F0502020204030204" pitchFamily="34" charset="0"/>
-                        <a:cs typeface="Times New Roman" panose="02020603050405020304" pitchFamily="18" charset="0"/>
-                      </a:endParaRPr>
-                    </a:p>
-                  </a:txBody>
-                  <a:tcPr marL="68580" marR="68580" marT="0" marB="0" anchor="b"/>
-                </a:tc>
-                <a:tc>
-                  <a:txBody>
-                    <a:bodyPr/>
-                    <a:lstStyle/>
-                    <a:p>
-                      <a:pPr marL="0" marR="0" algn="r">
-                        <a:lnSpc>
-                          <a:spcPct val="107000"/>
-                        </a:lnSpc>
-                        <a:spcBef>
-                          <a:spcPts val="0"/>
-                        </a:spcBef>
-                        <a:spcAft>
-                          <a:spcPts val="0"/>
-                        </a:spcAft>
-                      </a:pPr>
-                      <a:r>
-                        <a:rPr lang="en-US" sz="1000">
-                          <a:effectLst/>
-                        </a:rPr>
-                        <a:t>18</a:t>
-                      </a:r>
-                      <a:endParaRPr lang="en-US" sz="1100">
-                        <a:effectLst/>
-                        <a:latin typeface="Calibri" panose="020F0502020204030204" pitchFamily="34" charset="0"/>
-                        <a:ea typeface="Calibri" panose="020F0502020204030204" pitchFamily="34" charset="0"/>
-                        <a:cs typeface="Times New Roman" panose="02020603050405020304" pitchFamily="18" charset="0"/>
-                      </a:endParaRPr>
-                    </a:p>
-                  </a:txBody>
-                  <a:tcPr marL="68580" marR="68580" marT="0" marB="0" anchor="b"/>
-                </a:tc>
-                <a:extLst>
-                  <a:ext uri="{0D108BD9-81ED-4DB2-BD59-A6C34878D82A}">
-                    <a16:rowId xmlns:a16="http://schemas.microsoft.com/office/drawing/2014/main" val="3803741059"/>
-                  </a:ext>
-                </a:extLst>
-              </a:tr>
-              <a:tr h="0">
-                <a:tc>
-                  <a:txBody>
-                    <a:bodyPr/>
-                    <a:lstStyle/>
-                    <a:p>
-                      <a:pPr marL="0" marR="0" algn="r">
-                        <a:lnSpc>
-                          <a:spcPct val="107000"/>
-                        </a:lnSpc>
-                        <a:spcBef>
-                          <a:spcPts val="0"/>
-                        </a:spcBef>
-                        <a:spcAft>
-                          <a:spcPts val="0"/>
-                        </a:spcAft>
-                      </a:pPr>
-                      <a:r>
-                        <a:rPr lang="en-US" sz="1000">
-                          <a:effectLst/>
-                        </a:rPr>
-                        <a:t>21</a:t>
-                      </a:r>
-                      <a:endParaRPr lang="en-US" sz="1100">
-                        <a:effectLst/>
-                        <a:latin typeface="Calibri" panose="020F0502020204030204" pitchFamily="34" charset="0"/>
-                        <a:ea typeface="Calibri" panose="020F0502020204030204" pitchFamily="34" charset="0"/>
-                        <a:cs typeface="Times New Roman" panose="02020603050405020304" pitchFamily="18" charset="0"/>
-                      </a:endParaRPr>
-                    </a:p>
-                  </a:txBody>
-                  <a:tcPr marL="68580" marR="68580" marT="0" marB="0" anchor="b"/>
-                </a:tc>
-                <a:tc>
-                  <a:txBody>
-                    <a:bodyPr/>
-                    <a:lstStyle/>
-                    <a:p>
-                      <a:pPr marL="0" marR="0">
-                        <a:lnSpc>
-                          <a:spcPct val="107000"/>
-                        </a:lnSpc>
-                        <a:spcBef>
-                          <a:spcPts val="0"/>
-                        </a:spcBef>
-                        <a:spcAft>
-                          <a:spcPts val="0"/>
-                        </a:spcAft>
-                      </a:pPr>
-                      <a:r>
-                        <a:rPr lang="en-US" sz="1000">
-                          <a:effectLst/>
-                        </a:rPr>
-                        <a:t>Hunter Kohlsmith</a:t>
-                      </a:r>
-                      <a:endParaRPr lang="en-US" sz="1100">
-                        <a:effectLst/>
-                        <a:latin typeface="Calibri" panose="020F0502020204030204" pitchFamily="34" charset="0"/>
-                        <a:ea typeface="Calibri" panose="020F0502020204030204" pitchFamily="34" charset="0"/>
-                        <a:cs typeface="Times New Roman" panose="02020603050405020304" pitchFamily="18" charset="0"/>
-                      </a:endParaRPr>
-                    </a:p>
-                  </a:txBody>
-                  <a:tcPr marL="68580" marR="68580" marT="0" marB="0" anchor="b"/>
-                </a:tc>
-                <a:tc>
-                  <a:txBody>
-                    <a:bodyPr/>
-                    <a:lstStyle/>
-                    <a:p>
-                      <a:pPr marL="0" marR="0">
-                        <a:lnSpc>
-                          <a:spcPct val="107000"/>
-                        </a:lnSpc>
-                        <a:spcBef>
-                          <a:spcPts val="0"/>
-                        </a:spcBef>
-                        <a:spcAft>
-                          <a:spcPts val="0"/>
-                        </a:spcAft>
-                      </a:pPr>
-                      <a:r>
-                        <a:rPr lang="en-US" sz="1000">
-                          <a:effectLst/>
-                        </a:rPr>
-                        <a:t>Gray County</a:t>
-                      </a:r>
-                      <a:endParaRPr lang="en-US" sz="1100">
-                        <a:effectLst/>
-                        <a:latin typeface="Calibri" panose="020F0502020204030204" pitchFamily="34" charset="0"/>
-                        <a:ea typeface="Calibri" panose="020F0502020204030204" pitchFamily="34" charset="0"/>
-                        <a:cs typeface="Times New Roman" panose="02020603050405020304" pitchFamily="18" charset="0"/>
-                      </a:endParaRPr>
-                    </a:p>
-                  </a:txBody>
-                  <a:tcPr marL="68580" marR="68580" marT="0" marB="0" anchor="b"/>
-                </a:tc>
-                <a:tc>
-                  <a:txBody>
-                    <a:bodyPr/>
-                    <a:lstStyle/>
-                    <a:p>
-                      <a:pPr marL="0" marR="0" algn="r">
-                        <a:lnSpc>
-                          <a:spcPct val="107000"/>
-                        </a:lnSpc>
-                        <a:spcBef>
-                          <a:spcPts val="0"/>
-                        </a:spcBef>
-                        <a:spcAft>
-                          <a:spcPts val="0"/>
-                        </a:spcAft>
-                      </a:pPr>
-                      <a:r>
-                        <a:rPr lang="en-US" sz="1000">
-                          <a:effectLst/>
-                        </a:rPr>
-                        <a:t>19:58</a:t>
-                      </a:r>
-                      <a:endParaRPr lang="en-US" sz="1100">
-                        <a:effectLst/>
-                        <a:latin typeface="Calibri" panose="020F0502020204030204" pitchFamily="34" charset="0"/>
-                        <a:ea typeface="Calibri" panose="020F0502020204030204" pitchFamily="34" charset="0"/>
-                        <a:cs typeface="Times New Roman" panose="02020603050405020304" pitchFamily="18" charset="0"/>
-                      </a:endParaRPr>
-                    </a:p>
-                  </a:txBody>
-                  <a:tcPr marL="68580" marR="68580" marT="0" marB="0" anchor="b"/>
-                </a:tc>
-                <a:tc>
-                  <a:txBody>
-                    <a:bodyPr/>
-                    <a:lstStyle/>
-                    <a:p>
-                      <a:pPr marL="0" marR="0" algn="r">
-                        <a:lnSpc>
-                          <a:spcPct val="107000"/>
-                        </a:lnSpc>
-                        <a:spcBef>
-                          <a:spcPts val="0"/>
-                        </a:spcBef>
-                        <a:spcAft>
-                          <a:spcPts val="0"/>
-                        </a:spcAft>
-                      </a:pPr>
-                      <a:r>
-                        <a:rPr lang="en-US" sz="1000">
-                          <a:effectLst/>
-                        </a:rPr>
-                        <a:t>19</a:t>
-                      </a:r>
-                      <a:endParaRPr lang="en-US" sz="1100">
-                        <a:effectLst/>
-                        <a:latin typeface="Calibri" panose="020F0502020204030204" pitchFamily="34" charset="0"/>
-                        <a:ea typeface="Calibri" panose="020F0502020204030204" pitchFamily="34" charset="0"/>
-                        <a:cs typeface="Times New Roman" panose="02020603050405020304" pitchFamily="18" charset="0"/>
-                      </a:endParaRPr>
-                    </a:p>
-                  </a:txBody>
-                  <a:tcPr marL="68580" marR="68580" marT="0" marB="0" anchor="b"/>
-                </a:tc>
-                <a:extLst>
-                  <a:ext uri="{0D108BD9-81ED-4DB2-BD59-A6C34878D82A}">
-                    <a16:rowId xmlns:a16="http://schemas.microsoft.com/office/drawing/2014/main" val="1323160406"/>
-                  </a:ext>
-                </a:extLst>
-              </a:tr>
-              <a:tr h="0">
-                <a:tc>
-                  <a:txBody>
-                    <a:bodyPr/>
-                    <a:lstStyle/>
-                    <a:p>
-                      <a:pPr marL="0" marR="0" algn="r">
-                        <a:lnSpc>
-                          <a:spcPct val="107000"/>
-                        </a:lnSpc>
-                        <a:spcBef>
-                          <a:spcPts val="0"/>
-                        </a:spcBef>
-                        <a:spcAft>
-                          <a:spcPts val="0"/>
-                        </a:spcAft>
-                      </a:pPr>
-                      <a:r>
-                        <a:rPr lang="en-US" sz="1000">
-                          <a:effectLst/>
-                        </a:rPr>
-                        <a:t>22</a:t>
-                      </a:r>
-                      <a:endParaRPr lang="en-US" sz="1100">
-                        <a:effectLst/>
-                        <a:latin typeface="Calibri" panose="020F0502020204030204" pitchFamily="34" charset="0"/>
-                        <a:ea typeface="Calibri" panose="020F0502020204030204" pitchFamily="34" charset="0"/>
-                        <a:cs typeface="Times New Roman" panose="02020603050405020304" pitchFamily="18" charset="0"/>
-                      </a:endParaRPr>
-                    </a:p>
-                  </a:txBody>
-                  <a:tcPr marL="68580" marR="68580" marT="0" marB="0" anchor="b"/>
-                </a:tc>
-                <a:tc>
-                  <a:txBody>
-                    <a:bodyPr/>
-                    <a:lstStyle/>
-                    <a:p>
-                      <a:pPr marL="0" marR="0">
-                        <a:lnSpc>
-                          <a:spcPct val="107000"/>
-                        </a:lnSpc>
-                        <a:spcBef>
-                          <a:spcPts val="0"/>
-                        </a:spcBef>
-                        <a:spcAft>
-                          <a:spcPts val="0"/>
-                        </a:spcAft>
-                      </a:pPr>
-                      <a:r>
-                        <a:rPr lang="en-US" sz="1000">
-                          <a:effectLst/>
-                        </a:rPr>
-                        <a:t>Anthony Rone</a:t>
-                      </a:r>
-                      <a:endParaRPr lang="en-US" sz="1100">
-                        <a:effectLst/>
-                        <a:latin typeface="Calibri" panose="020F0502020204030204" pitchFamily="34" charset="0"/>
-                        <a:ea typeface="Calibri" panose="020F0502020204030204" pitchFamily="34" charset="0"/>
-                        <a:cs typeface="Times New Roman" panose="02020603050405020304" pitchFamily="18" charset="0"/>
-                      </a:endParaRPr>
-                    </a:p>
-                  </a:txBody>
-                  <a:tcPr marL="68580" marR="68580" marT="0" marB="0" anchor="b"/>
-                </a:tc>
-                <a:tc>
-                  <a:txBody>
-                    <a:bodyPr/>
-                    <a:lstStyle/>
-                    <a:p>
-                      <a:pPr marL="0" marR="0">
-                        <a:lnSpc>
-                          <a:spcPct val="107000"/>
-                        </a:lnSpc>
-                        <a:spcBef>
-                          <a:spcPts val="0"/>
-                        </a:spcBef>
-                        <a:spcAft>
-                          <a:spcPts val="0"/>
-                        </a:spcAft>
-                      </a:pPr>
-                      <a:r>
-                        <a:rPr lang="en-US" sz="1000">
-                          <a:effectLst/>
-                        </a:rPr>
-                        <a:t>Gray County</a:t>
-                      </a:r>
-                      <a:endParaRPr lang="en-US" sz="1100">
-                        <a:effectLst/>
-                        <a:latin typeface="Calibri" panose="020F0502020204030204" pitchFamily="34" charset="0"/>
-                        <a:ea typeface="Calibri" panose="020F0502020204030204" pitchFamily="34" charset="0"/>
-                        <a:cs typeface="Times New Roman" panose="02020603050405020304" pitchFamily="18" charset="0"/>
-                      </a:endParaRPr>
-                    </a:p>
-                  </a:txBody>
-                  <a:tcPr marL="68580" marR="68580" marT="0" marB="0" anchor="b"/>
-                </a:tc>
-                <a:tc>
-                  <a:txBody>
-                    <a:bodyPr/>
-                    <a:lstStyle/>
-                    <a:p>
-                      <a:pPr marL="0" marR="0" algn="r">
-                        <a:lnSpc>
-                          <a:spcPct val="107000"/>
-                        </a:lnSpc>
-                        <a:spcBef>
-                          <a:spcPts val="0"/>
-                        </a:spcBef>
-                        <a:spcAft>
-                          <a:spcPts val="0"/>
-                        </a:spcAft>
-                      </a:pPr>
-                      <a:r>
-                        <a:rPr lang="en-US" sz="1000">
-                          <a:effectLst/>
-                        </a:rPr>
-                        <a:t>20:05</a:t>
-                      </a:r>
-                      <a:endParaRPr lang="en-US" sz="1100">
-                        <a:effectLst/>
-                        <a:latin typeface="Calibri" panose="020F0502020204030204" pitchFamily="34" charset="0"/>
-                        <a:ea typeface="Calibri" panose="020F0502020204030204" pitchFamily="34" charset="0"/>
-                        <a:cs typeface="Times New Roman" panose="02020603050405020304" pitchFamily="18" charset="0"/>
-                      </a:endParaRPr>
-                    </a:p>
-                  </a:txBody>
-                  <a:tcPr marL="68580" marR="68580" marT="0" marB="0" anchor="b"/>
-                </a:tc>
-                <a:tc>
-                  <a:txBody>
-                    <a:bodyPr/>
-                    <a:lstStyle/>
-                    <a:p>
-                      <a:pPr marL="0" marR="0" algn="r">
-                        <a:lnSpc>
-                          <a:spcPct val="107000"/>
-                        </a:lnSpc>
-                        <a:spcBef>
-                          <a:spcPts val="0"/>
-                        </a:spcBef>
-                        <a:spcAft>
-                          <a:spcPts val="0"/>
-                        </a:spcAft>
-                      </a:pPr>
-                      <a:r>
-                        <a:rPr lang="en-US" sz="1000">
-                          <a:effectLst/>
-                        </a:rPr>
-                        <a:t>20</a:t>
-                      </a:r>
-                      <a:endParaRPr lang="en-US" sz="1100">
-                        <a:effectLst/>
-                        <a:latin typeface="Calibri" panose="020F0502020204030204" pitchFamily="34" charset="0"/>
-                        <a:ea typeface="Calibri" panose="020F0502020204030204" pitchFamily="34" charset="0"/>
-                        <a:cs typeface="Times New Roman" panose="02020603050405020304" pitchFamily="18" charset="0"/>
-                      </a:endParaRPr>
-                    </a:p>
-                  </a:txBody>
-                  <a:tcPr marL="68580" marR="68580" marT="0" marB="0" anchor="b"/>
-                </a:tc>
-                <a:extLst>
-                  <a:ext uri="{0D108BD9-81ED-4DB2-BD59-A6C34878D82A}">
-                    <a16:rowId xmlns:a16="http://schemas.microsoft.com/office/drawing/2014/main" val="4156630710"/>
-                  </a:ext>
-                </a:extLst>
-              </a:tr>
-              <a:tr h="0">
-                <a:tc>
-                  <a:txBody>
-                    <a:bodyPr/>
-                    <a:lstStyle/>
-                    <a:p>
-                      <a:pPr marL="0" marR="0" algn="r">
-                        <a:lnSpc>
-                          <a:spcPct val="107000"/>
-                        </a:lnSpc>
-                        <a:spcBef>
-                          <a:spcPts val="0"/>
-                        </a:spcBef>
-                        <a:spcAft>
-                          <a:spcPts val="0"/>
-                        </a:spcAft>
-                      </a:pPr>
-                      <a:r>
-                        <a:rPr lang="en-US" sz="1000">
-                          <a:effectLst/>
-                        </a:rPr>
-                        <a:t>23</a:t>
-                      </a:r>
-                      <a:endParaRPr lang="en-US" sz="1100">
-                        <a:effectLst/>
-                        <a:latin typeface="Calibri" panose="020F0502020204030204" pitchFamily="34" charset="0"/>
-                        <a:ea typeface="Calibri" panose="020F0502020204030204" pitchFamily="34" charset="0"/>
-                        <a:cs typeface="Times New Roman" panose="02020603050405020304" pitchFamily="18" charset="0"/>
-                      </a:endParaRPr>
-                    </a:p>
-                  </a:txBody>
-                  <a:tcPr marL="68580" marR="68580" marT="0" marB="0" anchor="b"/>
-                </a:tc>
-                <a:tc>
-                  <a:txBody>
-                    <a:bodyPr/>
-                    <a:lstStyle/>
-                    <a:p>
-                      <a:pPr marL="0" marR="0">
-                        <a:lnSpc>
-                          <a:spcPct val="107000"/>
-                        </a:lnSpc>
-                        <a:spcBef>
-                          <a:spcPts val="0"/>
-                        </a:spcBef>
-                        <a:spcAft>
-                          <a:spcPts val="0"/>
-                        </a:spcAft>
-                      </a:pPr>
-                      <a:r>
-                        <a:rPr lang="en-US" sz="1000">
-                          <a:effectLst/>
-                        </a:rPr>
-                        <a:t>Ethan Conrad</a:t>
-                      </a:r>
-                      <a:endParaRPr lang="en-US" sz="1100">
-                        <a:effectLst/>
-                        <a:latin typeface="Calibri" panose="020F0502020204030204" pitchFamily="34" charset="0"/>
-                        <a:ea typeface="Calibri" panose="020F0502020204030204" pitchFamily="34" charset="0"/>
-                        <a:cs typeface="Times New Roman" panose="02020603050405020304" pitchFamily="18" charset="0"/>
-                      </a:endParaRPr>
-                    </a:p>
-                  </a:txBody>
-                  <a:tcPr marL="68580" marR="68580" marT="0" marB="0" anchor="b"/>
-                </a:tc>
-                <a:tc>
-                  <a:txBody>
-                    <a:bodyPr/>
-                    <a:lstStyle/>
-                    <a:p>
-                      <a:pPr marL="0" marR="0">
-                        <a:lnSpc>
-                          <a:spcPct val="107000"/>
-                        </a:lnSpc>
-                        <a:spcBef>
-                          <a:spcPts val="0"/>
-                        </a:spcBef>
-                        <a:spcAft>
-                          <a:spcPts val="0"/>
-                        </a:spcAft>
-                      </a:pPr>
-                      <a:r>
-                        <a:rPr lang="en-US" sz="1000">
-                          <a:effectLst/>
-                        </a:rPr>
-                        <a:t>Central High</a:t>
-                      </a:r>
-                      <a:endParaRPr lang="en-US" sz="1100">
-                        <a:effectLst/>
-                        <a:latin typeface="Calibri" panose="020F0502020204030204" pitchFamily="34" charset="0"/>
-                        <a:ea typeface="Calibri" panose="020F0502020204030204" pitchFamily="34" charset="0"/>
-                        <a:cs typeface="Times New Roman" panose="02020603050405020304" pitchFamily="18" charset="0"/>
-                      </a:endParaRPr>
-                    </a:p>
-                  </a:txBody>
-                  <a:tcPr marL="68580" marR="68580" marT="0" marB="0" anchor="b"/>
-                </a:tc>
-                <a:tc>
-                  <a:txBody>
-                    <a:bodyPr/>
-                    <a:lstStyle/>
-                    <a:p>
-                      <a:pPr marL="0" marR="0" algn="r">
-                        <a:lnSpc>
-                          <a:spcPct val="107000"/>
-                        </a:lnSpc>
-                        <a:spcBef>
-                          <a:spcPts val="0"/>
-                        </a:spcBef>
-                        <a:spcAft>
-                          <a:spcPts val="0"/>
-                        </a:spcAft>
-                      </a:pPr>
-                      <a:r>
-                        <a:rPr lang="en-US" sz="1000">
-                          <a:effectLst/>
-                        </a:rPr>
-                        <a:t>20:09</a:t>
-                      </a:r>
-                      <a:endParaRPr lang="en-US" sz="1100">
-                        <a:effectLst/>
-                        <a:latin typeface="Calibri" panose="020F0502020204030204" pitchFamily="34" charset="0"/>
-                        <a:ea typeface="Calibri" panose="020F0502020204030204" pitchFamily="34" charset="0"/>
-                        <a:cs typeface="Times New Roman" panose="02020603050405020304" pitchFamily="18" charset="0"/>
-                      </a:endParaRPr>
-                    </a:p>
-                  </a:txBody>
-                  <a:tcPr marL="68580" marR="68580" marT="0" marB="0" anchor="b"/>
-                </a:tc>
-                <a:tc>
-                  <a:txBody>
-                    <a:bodyPr/>
-                    <a:lstStyle/>
-                    <a:p>
-                      <a:pPr>
-                        <a:lnSpc>
-                          <a:spcPct val="107000"/>
-                        </a:lnSpc>
-                      </a:pPr>
-                      <a:endParaRPr lang="en-US" sz="1100">
-                        <a:effectLst/>
-                        <a:latin typeface="Calibri" panose="020F0502020204030204" pitchFamily="34" charset="0"/>
-                        <a:cs typeface="Times New Roman" panose="02020603050405020304" pitchFamily="18" charset="0"/>
-                      </a:endParaRPr>
-                    </a:p>
-                  </a:txBody>
-                  <a:tcPr marL="68580" marR="68580" marT="0" marB="0" anchor="b"/>
-                </a:tc>
-                <a:extLst>
-                  <a:ext uri="{0D108BD9-81ED-4DB2-BD59-A6C34878D82A}">
-                    <a16:rowId xmlns:a16="http://schemas.microsoft.com/office/drawing/2014/main" val="3488417953"/>
-                  </a:ext>
-                </a:extLst>
-              </a:tr>
-              <a:tr h="0">
-                <a:tc>
-                  <a:txBody>
-                    <a:bodyPr/>
-                    <a:lstStyle/>
-                    <a:p>
-                      <a:pPr marL="0" marR="0" algn="r">
-                        <a:lnSpc>
-                          <a:spcPct val="107000"/>
-                        </a:lnSpc>
-                        <a:spcBef>
-                          <a:spcPts val="0"/>
-                        </a:spcBef>
-                        <a:spcAft>
-                          <a:spcPts val="0"/>
-                        </a:spcAft>
-                      </a:pPr>
-                      <a:r>
-                        <a:rPr lang="en-US" sz="1000">
-                          <a:effectLst/>
-                        </a:rPr>
-                        <a:t>24</a:t>
-                      </a:r>
-                      <a:endParaRPr lang="en-US" sz="1100">
-                        <a:effectLst/>
-                        <a:latin typeface="Calibri" panose="020F0502020204030204" pitchFamily="34" charset="0"/>
-                        <a:ea typeface="Calibri" panose="020F0502020204030204" pitchFamily="34" charset="0"/>
-                        <a:cs typeface="Times New Roman" panose="02020603050405020304" pitchFamily="18" charset="0"/>
-                      </a:endParaRPr>
-                    </a:p>
-                  </a:txBody>
-                  <a:tcPr marL="68580" marR="68580" marT="0" marB="0" anchor="b"/>
-                </a:tc>
-                <a:tc>
-                  <a:txBody>
-                    <a:bodyPr/>
-                    <a:lstStyle/>
-                    <a:p>
-                      <a:pPr marL="0" marR="0">
-                        <a:lnSpc>
-                          <a:spcPct val="107000"/>
-                        </a:lnSpc>
-                        <a:spcBef>
-                          <a:spcPts val="0"/>
-                        </a:spcBef>
-                        <a:spcAft>
-                          <a:spcPts val="0"/>
-                        </a:spcAft>
-                      </a:pPr>
-                      <a:r>
-                        <a:rPr lang="en-US" sz="1000">
-                          <a:effectLst/>
-                        </a:rPr>
-                        <a:t>Matthew McCain</a:t>
-                      </a:r>
-                      <a:endParaRPr lang="en-US" sz="1100">
-                        <a:effectLst/>
-                        <a:latin typeface="Calibri" panose="020F0502020204030204" pitchFamily="34" charset="0"/>
-                        <a:ea typeface="Calibri" panose="020F0502020204030204" pitchFamily="34" charset="0"/>
-                        <a:cs typeface="Times New Roman" panose="02020603050405020304" pitchFamily="18" charset="0"/>
-                      </a:endParaRPr>
-                    </a:p>
-                  </a:txBody>
-                  <a:tcPr marL="68580" marR="68580" marT="0" marB="0" anchor="b"/>
-                </a:tc>
-                <a:tc>
-                  <a:txBody>
-                    <a:bodyPr/>
-                    <a:lstStyle/>
-                    <a:p>
-                      <a:pPr marL="0" marR="0">
-                        <a:lnSpc>
-                          <a:spcPct val="107000"/>
-                        </a:lnSpc>
-                        <a:spcBef>
-                          <a:spcPts val="0"/>
-                        </a:spcBef>
-                        <a:spcAft>
-                          <a:spcPts val="0"/>
-                        </a:spcAft>
-                      </a:pPr>
-                      <a:r>
-                        <a:rPr lang="en-US" sz="1000">
-                          <a:effectLst/>
-                        </a:rPr>
-                        <a:t>Gray County</a:t>
-                      </a:r>
-                      <a:endParaRPr lang="en-US" sz="1100">
-                        <a:effectLst/>
-                        <a:latin typeface="Calibri" panose="020F0502020204030204" pitchFamily="34" charset="0"/>
-                        <a:ea typeface="Calibri" panose="020F0502020204030204" pitchFamily="34" charset="0"/>
-                        <a:cs typeface="Times New Roman" panose="02020603050405020304" pitchFamily="18" charset="0"/>
-                      </a:endParaRPr>
-                    </a:p>
-                  </a:txBody>
-                  <a:tcPr marL="68580" marR="68580" marT="0" marB="0" anchor="b"/>
-                </a:tc>
-                <a:tc>
-                  <a:txBody>
-                    <a:bodyPr/>
-                    <a:lstStyle/>
-                    <a:p>
-                      <a:pPr marL="0" marR="0" algn="r">
-                        <a:lnSpc>
-                          <a:spcPct val="107000"/>
-                        </a:lnSpc>
-                        <a:spcBef>
-                          <a:spcPts val="0"/>
-                        </a:spcBef>
-                        <a:spcAft>
-                          <a:spcPts val="0"/>
-                        </a:spcAft>
-                      </a:pPr>
-                      <a:r>
-                        <a:rPr lang="en-US" sz="1000">
-                          <a:effectLst/>
-                        </a:rPr>
-                        <a:t>20:26</a:t>
-                      </a:r>
-                      <a:endParaRPr lang="en-US" sz="1100">
-                        <a:effectLst/>
-                        <a:latin typeface="Calibri" panose="020F0502020204030204" pitchFamily="34" charset="0"/>
-                        <a:ea typeface="Calibri" panose="020F0502020204030204" pitchFamily="34" charset="0"/>
-                        <a:cs typeface="Times New Roman" panose="02020603050405020304" pitchFamily="18" charset="0"/>
-                      </a:endParaRPr>
-                    </a:p>
-                  </a:txBody>
-                  <a:tcPr marL="68580" marR="68580" marT="0" marB="0" anchor="b"/>
-                </a:tc>
-                <a:tc>
-                  <a:txBody>
-                    <a:bodyPr/>
-                    <a:lstStyle/>
-                    <a:p>
-                      <a:pPr marL="0" marR="0" algn="r">
-                        <a:lnSpc>
-                          <a:spcPct val="107000"/>
-                        </a:lnSpc>
-                        <a:spcBef>
-                          <a:spcPts val="0"/>
-                        </a:spcBef>
-                        <a:spcAft>
-                          <a:spcPts val="0"/>
-                        </a:spcAft>
-                      </a:pPr>
-                      <a:r>
-                        <a:rPr lang="en-US" sz="1000">
-                          <a:effectLst/>
-                        </a:rPr>
-                        <a:t>21</a:t>
-                      </a:r>
-                      <a:endParaRPr lang="en-US" sz="1100">
-                        <a:effectLst/>
-                        <a:latin typeface="Calibri" panose="020F0502020204030204" pitchFamily="34" charset="0"/>
-                        <a:ea typeface="Calibri" panose="020F0502020204030204" pitchFamily="34" charset="0"/>
-                        <a:cs typeface="Times New Roman" panose="02020603050405020304" pitchFamily="18" charset="0"/>
-                      </a:endParaRPr>
-                    </a:p>
-                  </a:txBody>
-                  <a:tcPr marL="68580" marR="68580" marT="0" marB="0" anchor="b"/>
-                </a:tc>
-                <a:extLst>
-                  <a:ext uri="{0D108BD9-81ED-4DB2-BD59-A6C34878D82A}">
-                    <a16:rowId xmlns:a16="http://schemas.microsoft.com/office/drawing/2014/main" val="3433347201"/>
-                  </a:ext>
-                </a:extLst>
-              </a:tr>
-              <a:tr h="0">
-                <a:tc>
-                  <a:txBody>
-                    <a:bodyPr/>
-                    <a:lstStyle/>
-                    <a:p>
-                      <a:pPr>
-                        <a:lnSpc>
-                          <a:spcPct val="107000"/>
-                        </a:lnSpc>
-                      </a:pPr>
-                      <a:endParaRPr lang="en-US" sz="1100">
-                        <a:effectLst/>
-                        <a:latin typeface="Calibri" panose="020F0502020204030204" pitchFamily="34" charset="0"/>
-                        <a:cs typeface="Times New Roman" panose="02020603050405020304" pitchFamily="18" charset="0"/>
-                      </a:endParaRPr>
-                    </a:p>
-                  </a:txBody>
-                  <a:tcPr marL="68580" marR="68580" marT="0" marB="0" anchor="b"/>
-                </a:tc>
-                <a:tc>
-                  <a:txBody>
-                    <a:bodyPr/>
-                    <a:lstStyle/>
-                    <a:p>
-                      <a:pPr>
-                        <a:lnSpc>
-                          <a:spcPct val="107000"/>
-                        </a:lnSpc>
-                      </a:pPr>
-                      <a:endParaRPr lang="en-US" sz="1100">
-                        <a:effectLst/>
-                        <a:latin typeface="Calibri" panose="020F0502020204030204" pitchFamily="34" charset="0"/>
-                        <a:cs typeface="Times New Roman" panose="02020603050405020304" pitchFamily="18" charset="0"/>
-                      </a:endParaRPr>
-                    </a:p>
-                  </a:txBody>
-                  <a:tcPr marL="68580" marR="68580" marT="0" marB="0" anchor="b"/>
-                </a:tc>
-                <a:tc>
-                  <a:txBody>
-                    <a:bodyPr/>
-                    <a:lstStyle/>
-                    <a:p>
-                      <a:pPr>
-                        <a:lnSpc>
-                          <a:spcPct val="107000"/>
-                        </a:lnSpc>
-                      </a:pPr>
-                      <a:endParaRPr lang="en-US" sz="1100">
-                        <a:effectLst/>
-                        <a:latin typeface="Calibri" panose="020F0502020204030204" pitchFamily="34" charset="0"/>
-                        <a:cs typeface="Times New Roman" panose="02020603050405020304" pitchFamily="18" charset="0"/>
-                      </a:endParaRPr>
-                    </a:p>
-                  </a:txBody>
-                  <a:tcPr marL="68580" marR="68580" marT="0" marB="0" anchor="b"/>
-                </a:tc>
-                <a:tc>
-                  <a:txBody>
-                    <a:bodyPr/>
-                    <a:lstStyle/>
-                    <a:p>
-                      <a:pPr>
-                        <a:lnSpc>
-                          <a:spcPct val="107000"/>
-                        </a:lnSpc>
-                      </a:pPr>
-                      <a:endParaRPr lang="en-US" sz="1100">
-                        <a:effectLst/>
-                        <a:latin typeface="Calibri" panose="020F0502020204030204" pitchFamily="34" charset="0"/>
-                        <a:cs typeface="Times New Roman" panose="02020603050405020304" pitchFamily="18" charset="0"/>
-                      </a:endParaRPr>
-                    </a:p>
-                  </a:txBody>
-                  <a:tcPr marL="68580" marR="68580" marT="0" marB="0" anchor="b"/>
-                </a:tc>
-                <a:tc>
-                  <a:txBody>
-                    <a:bodyPr/>
-                    <a:lstStyle/>
-                    <a:p>
-                      <a:pPr>
-                        <a:lnSpc>
-                          <a:spcPct val="107000"/>
-                        </a:lnSpc>
-                      </a:pPr>
-                      <a:endParaRPr lang="en-US" sz="1100">
-                        <a:effectLst/>
-                        <a:latin typeface="Calibri" panose="020F0502020204030204" pitchFamily="34" charset="0"/>
-                        <a:cs typeface="Times New Roman" panose="02020603050405020304" pitchFamily="18" charset="0"/>
-                      </a:endParaRPr>
-                    </a:p>
-                  </a:txBody>
-                  <a:tcPr marL="68580" marR="68580" marT="0" marB="0" anchor="b"/>
-                </a:tc>
-                <a:extLst>
-                  <a:ext uri="{0D108BD9-81ED-4DB2-BD59-A6C34878D82A}">
-                    <a16:rowId xmlns:a16="http://schemas.microsoft.com/office/drawing/2014/main" val="717160252"/>
-                  </a:ext>
-                </a:extLst>
-              </a:tr>
-              <a:tr h="0">
-                <a:tc gridSpan="2">
-                  <a:txBody>
-                    <a:bodyPr/>
-                    <a:lstStyle/>
-                    <a:p>
-                      <a:pPr marL="0" marR="0">
-                        <a:lnSpc>
-                          <a:spcPct val="107000"/>
-                        </a:lnSpc>
-                        <a:spcBef>
-                          <a:spcPts val="0"/>
-                        </a:spcBef>
-                        <a:spcAft>
-                          <a:spcPts val="0"/>
-                        </a:spcAft>
-                      </a:pPr>
-                      <a:r>
-                        <a:rPr lang="en-US" sz="1000">
-                          <a:effectLst/>
-                        </a:rPr>
-                        <a:t>Team Scores</a:t>
-                      </a:r>
-                      <a:endParaRPr lang="en-US" sz="1100">
-                        <a:effectLst/>
-                        <a:latin typeface="Calibri" panose="020F0502020204030204" pitchFamily="34" charset="0"/>
-                        <a:ea typeface="Calibri" panose="020F0502020204030204" pitchFamily="34" charset="0"/>
-                        <a:cs typeface="Times New Roman" panose="02020603050405020304" pitchFamily="18" charset="0"/>
-                      </a:endParaRPr>
-                    </a:p>
-                  </a:txBody>
-                  <a:tcPr marL="68580" marR="68580" marT="0" marB="0" anchor="b"/>
-                </a:tc>
-                <a:tc hMerge="1">
-                  <a:txBody>
-                    <a:bodyPr/>
-                    <a:lstStyle/>
-                    <a:p>
-                      <a:endParaRPr lang="en-US"/>
-                    </a:p>
-                  </a:txBody>
-                  <a:tcPr/>
-                </a:tc>
-                <a:tc>
-                  <a:txBody>
-                    <a:bodyPr/>
-                    <a:lstStyle/>
-                    <a:p>
-                      <a:pPr>
-                        <a:lnSpc>
-                          <a:spcPct val="107000"/>
-                        </a:lnSpc>
-                      </a:pPr>
-                      <a:endParaRPr lang="en-US" sz="1100">
-                        <a:effectLst/>
-                        <a:latin typeface="Calibri" panose="020F0502020204030204" pitchFamily="34" charset="0"/>
-                        <a:cs typeface="Times New Roman" panose="02020603050405020304" pitchFamily="18" charset="0"/>
-                      </a:endParaRPr>
-                    </a:p>
-                  </a:txBody>
-                  <a:tcPr marL="68580" marR="68580" marT="0" marB="0" anchor="b"/>
-                </a:tc>
-                <a:tc>
-                  <a:txBody>
-                    <a:bodyPr/>
-                    <a:lstStyle/>
-                    <a:p>
-                      <a:pPr>
-                        <a:lnSpc>
-                          <a:spcPct val="107000"/>
-                        </a:lnSpc>
-                      </a:pPr>
-                      <a:endParaRPr lang="en-US" sz="1100">
-                        <a:effectLst/>
-                        <a:latin typeface="Calibri" panose="020F0502020204030204" pitchFamily="34" charset="0"/>
-                        <a:cs typeface="Times New Roman" panose="02020603050405020304" pitchFamily="18" charset="0"/>
-                      </a:endParaRPr>
-                    </a:p>
-                  </a:txBody>
-                  <a:tcPr marL="68580" marR="68580" marT="0" marB="0" anchor="b"/>
-                </a:tc>
-                <a:tc>
-                  <a:txBody>
-                    <a:bodyPr/>
-                    <a:lstStyle/>
-                    <a:p>
-                      <a:pPr>
-                        <a:lnSpc>
-                          <a:spcPct val="107000"/>
-                        </a:lnSpc>
-                      </a:pPr>
-                      <a:endParaRPr lang="en-US" sz="1100">
-                        <a:effectLst/>
-                        <a:latin typeface="Calibri" panose="020F0502020204030204" pitchFamily="34" charset="0"/>
-                        <a:cs typeface="Times New Roman" panose="02020603050405020304" pitchFamily="18" charset="0"/>
-                      </a:endParaRPr>
-                    </a:p>
-                  </a:txBody>
-                  <a:tcPr marL="68580" marR="68580" marT="0" marB="0" anchor="b"/>
-                </a:tc>
-                <a:extLst>
-                  <a:ext uri="{0D108BD9-81ED-4DB2-BD59-A6C34878D82A}">
-                    <a16:rowId xmlns:a16="http://schemas.microsoft.com/office/drawing/2014/main" val="2078541650"/>
-                  </a:ext>
-                </a:extLst>
-              </a:tr>
-              <a:tr h="0">
-                <a:tc>
-                  <a:txBody>
-                    <a:bodyPr/>
-                    <a:lstStyle/>
-                    <a:p>
-                      <a:pPr marL="0" marR="0">
-                        <a:lnSpc>
-                          <a:spcPct val="107000"/>
-                        </a:lnSpc>
-                        <a:spcBef>
-                          <a:spcPts val="0"/>
-                        </a:spcBef>
-                        <a:spcAft>
-                          <a:spcPts val="0"/>
-                        </a:spcAft>
-                      </a:pPr>
-                      <a:r>
-                        <a:rPr lang="en-US" sz="1000">
-                          <a:effectLst/>
-                        </a:rPr>
-                        <a:t>Place</a:t>
-                      </a:r>
-                      <a:endParaRPr lang="en-US" sz="1100">
-                        <a:effectLst/>
-                        <a:latin typeface="Calibri" panose="020F0502020204030204" pitchFamily="34" charset="0"/>
-                        <a:ea typeface="Calibri" panose="020F0502020204030204" pitchFamily="34" charset="0"/>
-                        <a:cs typeface="Times New Roman" panose="02020603050405020304" pitchFamily="18" charset="0"/>
-                      </a:endParaRPr>
-                    </a:p>
-                  </a:txBody>
-                  <a:tcPr marL="68580" marR="68580" marT="0" marB="0" anchor="b"/>
-                </a:tc>
-                <a:tc>
-                  <a:txBody>
-                    <a:bodyPr/>
-                    <a:lstStyle/>
-                    <a:p>
-                      <a:pPr marL="0" marR="0">
-                        <a:lnSpc>
-                          <a:spcPct val="107000"/>
-                        </a:lnSpc>
-                        <a:spcBef>
-                          <a:spcPts val="0"/>
-                        </a:spcBef>
-                        <a:spcAft>
-                          <a:spcPts val="0"/>
-                        </a:spcAft>
-                      </a:pPr>
-                      <a:r>
-                        <a:rPr lang="en-US" sz="1000">
-                          <a:effectLst/>
-                        </a:rPr>
-                        <a:t>Team Name</a:t>
-                      </a:r>
-                      <a:endParaRPr lang="en-US" sz="1100">
-                        <a:effectLst/>
-                        <a:latin typeface="Calibri" panose="020F0502020204030204" pitchFamily="34" charset="0"/>
-                        <a:ea typeface="Calibri" panose="020F0502020204030204" pitchFamily="34" charset="0"/>
-                        <a:cs typeface="Times New Roman" panose="02020603050405020304" pitchFamily="18" charset="0"/>
-                      </a:endParaRPr>
-                    </a:p>
-                  </a:txBody>
-                  <a:tcPr marL="68580" marR="68580" marT="0" marB="0" anchor="b"/>
-                </a:tc>
-                <a:tc>
-                  <a:txBody>
-                    <a:bodyPr/>
-                    <a:lstStyle/>
-                    <a:p>
-                      <a:pPr marL="0" marR="0">
-                        <a:lnSpc>
-                          <a:spcPct val="107000"/>
-                        </a:lnSpc>
-                        <a:spcBef>
-                          <a:spcPts val="0"/>
-                        </a:spcBef>
-                        <a:spcAft>
-                          <a:spcPts val="0"/>
-                        </a:spcAft>
-                      </a:pPr>
-                      <a:r>
-                        <a:rPr lang="en-US" sz="1000">
-                          <a:effectLst/>
-                        </a:rPr>
-                        <a:t>Scorers</a:t>
-                      </a:r>
-                      <a:endParaRPr lang="en-US" sz="1100">
-                        <a:effectLst/>
-                        <a:latin typeface="Calibri" panose="020F0502020204030204" pitchFamily="34" charset="0"/>
-                        <a:ea typeface="Calibri" panose="020F0502020204030204" pitchFamily="34" charset="0"/>
-                        <a:cs typeface="Times New Roman" panose="02020603050405020304" pitchFamily="18" charset="0"/>
-                      </a:endParaRPr>
-                    </a:p>
-                  </a:txBody>
-                  <a:tcPr marL="68580" marR="68580" marT="0" marB="0" anchor="b"/>
-                </a:tc>
-                <a:tc>
-                  <a:txBody>
-                    <a:bodyPr/>
-                    <a:lstStyle/>
-                    <a:p>
-                      <a:pPr marL="0" marR="0" algn="r">
-                        <a:lnSpc>
-                          <a:spcPct val="107000"/>
-                        </a:lnSpc>
-                        <a:spcBef>
-                          <a:spcPts val="0"/>
-                        </a:spcBef>
-                        <a:spcAft>
-                          <a:spcPts val="0"/>
-                        </a:spcAft>
-                      </a:pPr>
-                      <a:r>
-                        <a:rPr lang="en-US" sz="1000">
-                          <a:effectLst/>
-                        </a:rPr>
-                        <a:t>Total Points</a:t>
-                      </a:r>
-                      <a:endParaRPr lang="en-US" sz="1100">
-                        <a:effectLst/>
-                        <a:latin typeface="Calibri" panose="020F0502020204030204" pitchFamily="34" charset="0"/>
-                        <a:ea typeface="Calibri" panose="020F0502020204030204" pitchFamily="34" charset="0"/>
-                        <a:cs typeface="Times New Roman" panose="02020603050405020304" pitchFamily="18" charset="0"/>
-                      </a:endParaRPr>
-                    </a:p>
-                  </a:txBody>
-                  <a:tcPr marL="68580" marR="68580" marT="0" marB="0" anchor="b"/>
-                </a:tc>
-                <a:tc>
-                  <a:txBody>
-                    <a:bodyPr/>
-                    <a:lstStyle/>
-                    <a:p>
-                      <a:pPr>
-                        <a:lnSpc>
-                          <a:spcPct val="107000"/>
-                        </a:lnSpc>
-                      </a:pPr>
-                      <a:endParaRPr lang="en-US" sz="1100">
-                        <a:effectLst/>
-                        <a:latin typeface="Calibri" panose="020F0502020204030204" pitchFamily="34" charset="0"/>
-                        <a:cs typeface="Times New Roman" panose="02020603050405020304" pitchFamily="18" charset="0"/>
-                      </a:endParaRPr>
-                    </a:p>
-                  </a:txBody>
-                  <a:tcPr marL="68580" marR="68580" marT="0" marB="0" anchor="b"/>
-                </a:tc>
-                <a:extLst>
-                  <a:ext uri="{0D108BD9-81ED-4DB2-BD59-A6C34878D82A}">
-                    <a16:rowId xmlns:a16="http://schemas.microsoft.com/office/drawing/2014/main" val="416293591"/>
-                  </a:ext>
-                </a:extLst>
-              </a:tr>
-              <a:tr h="0">
-                <a:tc>
-                  <a:txBody>
-                    <a:bodyPr/>
-                    <a:lstStyle/>
-                    <a:p>
-                      <a:pPr marL="0" marR="0" algn="r">
-                        <a:lnSpc>
-                          <a:spcPct val="107000"/>
-                        </a:lnSpc>
-                        <a:spcBef>
-                          <a:spcPts val="0"/>
-                        </a:spcBef>
-                        <a:spcAft>
-                          <a:spcPts val="0"/>
-                        </a:spcAft>
-                      </a:pPr>
-                      <a:r>
-                        <a:rPr lang="en-US" sz="1000">
-                          <a:effectLst/>
-                        </a:rPr>
-                        <a:t>1</a:t>
-                      </a:r>
-                      <a:endParaRPr lang="en-US" sz="1100">
-                        <a:effectLst/>
-                        <a:latin typeface="Calibri" panose="020F0502020204030204" pitchFamily="34" charset="0"/>
-                        <a:ea typeface="Calibri" panose="020F0502020204030204" pitchFamily="34" charset="0"/>
-                        <a:cs typeface="Times New Roman" panose="02020603050405020304" pitchFamily="18" charset="0"/>
-                      </a:endParaRPr>
-                    </a:p>
-                  </a:txBody>
-                  <a:tcPr marL="68580" marR="68580" marT="0" marB="0" anchor="b"/>
-                </a:tc>
-                <a:tc>
-                  <a:txBody>
-                    <a:bodyPr/>
-                    <a:lstStyle/>
-                    <a:p>
-                      <a:pPr marL="0" marR="0">
-                        <a:lnSpc>
-                          <a:spcPct val="107000"/>
-                        </a:lnSpc>
-                        <a:spcBef>
-                          <a:spcPts val="0"/>
-                        </a:spcBef>
-                        <a:spcAft>
-                          <a:spcPts val="0"/>
-                        </a:spcAft>
-                      </a:pPr>
-                      <a:r>
-                        <a:rPr lang="en-US" sz="1000">
-                          <a:effectLst/>
-                        </a:rPr>
-                        <a:t>Central High</a:t>
-                      </a:r>
-                      <a:endParaRPr lang="en-US" sz="1100">
-                        <a:effectLst/>
-                        <a:latin typeface="Calibri" panose="020F0502020204030204" pitchFamily="34" charset="0"/>
-                        <a:ea typeface="Calibri" panose="020F0502020204030204" pitchFamily="34" charset="0"/>
-                        <a:cs typeface="Times New Roman" panose="02020603050405020304" pitchFamily="18" charset="0"/>
-                      </a:endParaRPr>
-                    </a:p>
-                  </a:txBody>
-                  <a:tcPr marL="68580" marR="68580" marT="0" marB="0" anchor="b"/>
-                </a:tc>
-                <a:tc>
-                  <a:txBody>
-                    <a:bodyPr/>
-                    <a:lstStyle/>
-                    <a:p>
-                      <a:pPr marL="0" marR="0">
-                        <a:lnSpc>
-                          <a:spcPct val="107000"/>
-                        </a:lnSpc>
-                        <a:spcBef>
-                          <a:spcPts val="0"/>
-                        </a:spcBef>
-                        <a:spcAft>
-                          <a:spcPts val="0"/>
-                        </a:spcAft>
-                      </a:pPr>
-                      <a:r>
-                        <a:rPr lang="en-US" sz="1000">
-                          <a:effectLst/>
-                        </a:rPr>
-                        <a:t>1+4+6+7+10 (13+16)</a:t>
-                      </a:r>
-                      <a:endParaRPr lang="en-US" sz="1100">
-                        <a:effectLst/>
-                        <a:latin typeface="Calibri" panose="020F0502020204030204" pitchFamily="34" charset="0"/>
-                        <a:ea typeface="Calibri" panose="020F0502020204030204" pitchFamily="34" charset="0"/>
-                        <a:cs typeface="Times New Roman" panose="02020603050405020304" pitchFamily="18" charset="0"/>
-                      </a:endParaRPr>
-                    </a:p>
-                  </a:txBody>
-                  <a:tcPr marL="68580" marR="68580" marT="0" marB="0" anchor="b"/>
-                </a:tc>
-                <a:tc>
-                  <a:txBody>
-                    <a:bodyPr/>
-                    <a:lstStyle/>
-                    <a:p>
-                      <a:pPr marL="0" marR="0" algn="r">
-                        <a:lnSpc>
-                          <a:spcPct val="107000"/>
-                        </a:lnSpc>
-                        <a:spcBef>
-                          <a:spcPts val="0"/>
-                        </a:spcBef>
-                        <a:spcAft>
-                          <a:spcPts val="0"/>
-                        </a:spcAft>
-                      </a:pPr>
-                      <a:r>
-                        <a:rPr lang="en-US" sz="1000">
-                          <a:effectLst/>
-                        </a:rPr>
-                        <a:t>28</a:t>
-                      </a:r>
-                      <a:endParaRPr lang="en-US" sz="1100">
-                        <a:effectLst/>
-                        <a:latin typeface="Calibri" panose="020F0502020204030204" pitchFamily="34" charset="0"/>
-                        <a:ea typeface="Calibri" panose="020F0502020204030204" pitchFamily="34" charset="0"/>
-                        <a:cs typeface="Times New Roman" panose="02020603050405020304" pitchFamily="18" charset="0"/>
-                      </a:endParaRPr>
-                    </a:p>
-                  </a:txBody>
-                  <a:tcPr marL="68580" marR="68580" marT="0" marB="0" anchor="b"/>
-                </a:tc>
-                <a:tc>
-                  <a:txBody>
-                    <a:bodyPr/>
-                    <a:lstStyle/>
-                    <a:p>
-                      <a:pPr>
-                        <a:lnSpc>
-                          <a:spcPct val="107000"/>
-                        </a:lnSpc>
-                      </a:pPr>
-                      <a:endParaRPr lang="en-US" sz="1100">
-                        <a:effectLst/>
-                        <a:latin typeface="Calibri" panose="020F0502020204030204" pitchFamily="34" charset="0"/>
-                        <a:cs typeface="Times New Roman" panose="02020603050405020304" pitchFamily="18" charset="0"/>
-                      </a:endParaRPr>
-                    </a:p>
-                  </a:txBody>
-                  <a:tcPr marL="68580" marR="68580" marT="0" marB="0" anchor="b"/>
-                </a:tc>
-                <a:extLst>
-                  <a:ext uri="{0D108BD9-81ED-4DB2-BD59-A6C34878D82A}">
-                    <a16:rowId xmlns:a16="http://schemas.microsoft.com/office/drawing/2014/main" val="509939760"/>
-                  </a:ext>
-                </a:extLst>
-              </a:tr>
-              <a:tr h="0">
-                <a:tc>
-                  <a:txBody>
-                    <a:bodyPr/>
-                    <a:lstStyle/>
-                    <a:p>
-                      <a:pPr marL="0" marR="0" algn="r">
-                        <a:lnSpc>
-                          <a:spcPct val="107000"/>
-                        </a:lnSpc>
-                        <a:spcBef>
-                          <a:spcPts val="0"/>
-                        </a:spcBef>
-                        <a:spcAft>
-                          <a:spcPts val="0"/>
-                        </a:spcAft>
-                      </a:pPr>
-                      <a:r>
-                        <a:rPr lang="en-US" sz="1000">
-                          <a:effectLst/>
-                        </a:rPr>
-                        <a:t>2</a:t>
-                      </a:r>
-                      <a:endParaRPr lang="en-US" sz="1100">
-                        <a:effectLst/>
-                        <a:latin typeface="Calibri" panose="020F0502020204030204" pitchFamily="34" charset="0"/>
-                        <a:ea typeface="Calibri" panose="020F0502020204030204" pitchFamily="34" charset="0"/>
-                        <a:cs typeface="Times New Roman" panose="02020603050405020304" pitchFamily="18" charset="0"/>
-                      </a:endParaRPr>
-                    </a:p>
-                  </a:txBody>
-                  <a:tcPr marL="68580" marR="68580" marT="0" marB="0" anchor="b"/>
-                </a:tc>
-                <a:tc>
-                  <a:txBody>
-                    <a:bodyPr/>
-                    <a:lstStyle/>
-                    <a:p>
-                      <a:pPr marL="0" marR="0">
-                        <a:lnSpc>
-                          <a:spcPct val="107000"/>
-                        </a:lnSpc>
-                        <a:spcBef>
-                          <a:spcPts val="0"/>
-                        </a:spcBef>
-                        <a:spcAft>
-                          <a:spcPts val="0"/>
-                        </a:spcAft>
-                      </a:pPr>
-                      <a:r>
-                        <a:rPr lang="en-US" sz="1000">
-                          <a:effectLst/>
-                        </a:rPr>
-                        <a:t>Springfield</a:t>
-                      </a:r>
-                      <a:endParaRPr lang="en-US" sz="1100">
-                        <a:effectLst/>
-                        <a:latin typeface="Calibri" panose="020F0502020204030204" pitchFamily="34" charset="0"/>
-                        <a:ea typeface="Calibri" panose="020F0502020204030204" pitchFamily="34" charset="0"/>
-                        <a:cs typeface="Times New Roman" panose="02020603050405020304" pitchFamily="18" charset="0"/>
-                      </a:endParaRPr>
-                    </a:p>
-                  </a:txBody>
-                  <a:tcPr marL="68580" marR="68580" marT="0" marB="0" anchor="b"/>
-                </a:tc>
-                <a:tc>
-                  <a:txBody>
-                    <a:bodyPr/>
-                    <a:lstStyle/>
-                    <a:p>
-                      <a:pPr marL="0" marR="0">
-                        <a:lnSpc>
-                          <a:spcPct val="107000"/>
-                        </a:lnSpc>
-                        <a:spcBef>
-                          <a:spcPts val="0"/>
-                        </a:spcBef>
-                        <a:spcAft>
-                          <a:spcPts val="0"/>
-                        </a:spcAft>
-                      </a:pPr>
-                      <a:r>
-                        <a:rPr lang="en-US" sz="1000">
-                          <a:effectLst/>
-                        </a:rPr>
-                        <a:t>2+3+8+11+12 (15+18)</a:t>
-                      </a:r>
-                      <a:endParaRPr lang="en-US" sz="1100">
-                        <a:effectLst/>
-                        <a:latin typeface="Calibri" panose="020F0502020204030204" pitchFamily="34" charset="0"/>
-                        <a:ea typeface="Calibri" panose="020F0502020204030204" pitchFamily="34" charset="0"/>
-                        <a:cs typeface="Times New Roman" panose="02020603050405020304" pitchFamily="18" charset="0"/>
-                      </a:endParaRPr>
-                    </a:p>
-                  </a:txBody>
-                  <a:tcPr marL="68580" marR="68580" marT="0" marB="0" anchor="b"/>
-                </a:tc>
-                <a:tc>
-                  <a:txBody>
-                    <a:bodyPr/>
-                    <a:lstStyle/>
-                    <a:p>
-                      <a:pPr marL="0" marR="0" algn="r">
-                        <a:lnSpc>
-                          <a:spcPct val="107000"/>
-                        </a:lnSpc>
-                        <a:spcBef>
-                          <a:spcPts val="0"/>
-                        </a:spcBef>
-                        <a:spcAft>
-                          <a:spcPts val="0"/>
-                        </a:spcAft>
-                      </a:pPr>
-                      <a:r>
-                        <a:rPr lang="en-US" sz="1000">
-                          <a:effectLst/>
-                        </a:rPr>
-                        <a:t>36</a:t>
-                      </a:r>
-                      <a:endParaRPr lang="en-US" sz="1100">
-                        <a:effectLst/>
-                        <a:latin typeface="Calibri" panose="020F0502020204030204" pitchFamily="34" charset="0"/>
-                        <a:ea typeface="Calibri" panose="020F0502020204030204" pitchFamily="34" charset="0"/>
-                        <a:cs typeface="Times New Roman" panose="02020603050405020304" pitchFamily="18" charset="0"/>
-                      </a:endParaRPr>
-                    </a:p>
-                  </a:txBody>
-                  <a:tcPr marL="68580" marR="68580" marT="0" marB="0" anchor="b"/>
-                </a:tc>
-                <a:tc>
-                  <a:txBody>
-                    <a:bodyPr/>
-                    <a:lstStyle/>
-                    <a:p>
-                      <a:pPr>
-                        <a:lnSpc>
-                          <a:spcPct val="107000"/>
-                        </a:lnSpc>
-                      </a:pPr>
-                      <a:endParaRPr lang="en-US" sz="1100">
-                        <a:effectLst/>
-                        <a:latin typeface="Calibri" panose="020F0502020204030204" pitchFamily="34" charset="0"/>
-                        <a:cs typeface="Times New Roman" panose="02020603050405020304" pitchFamily="18" charset="0"/>
-                      </a:endParaRPr>
-                    </a:p>
-                  </a:txBody>
-                  <a:tcPr marL="68580" marR="68580" marT="0" marB="0" anchor="b"/>
-                </a:tc>
-                <a:extLst>
-                  <a:ext uri="{0D108BD9-81ED-4DB2-BD59-A6C34878D82A}">
-                    <a16:rowId xmlns:a16="http://schemas.microsoft.com/office/drawing/2014/main" val="3961151864"/>
-                  </a:ext>
-                </a:extLst>
-              </a:tr>
-              <a:tr h="0">
-                <a:tc>
-                  <a:txBody>
-                    <a:bodyPr/>
-                    <a:lstStyle/>
-                    <a:p>
-                      <a:pPr marL="0" marR="0" algn="r">
-                        <a:lnSpc>
-                          <a:spcPct val="107000"/>
-                        </a:lnSpc>
-                        <a:spcBef>
-                          <a:spcPts val="0"/>
-                        </a:spcBef>
-                        <a:spcAft>
-                          <a:spcPts val="0"/>
-                        </a:spcAft>
-                      </a:pPr>
-                      <a:r>
-                        <a:rPr lang="en-US" sz="1000">
-                          <a:effectLst/>
-                        </a:rPr>
-                        <a:t>3</a:t>
-                      </a:r>
-                      <a:endParaRPr lang="en-US" sz="1100">
-                        <a:effectLst/>
-                        <a:latin typeface="Calibri" panose="020F0502020204030204" pitchFamily="34" charset="0"/>
-                        <a:ea typeface="Calibri" panose="020F0502020204030204" pitchFamily="34" charset="0"/>
-                        <a:cs typeface="Times New Roman" panose="02020603050405020304" pitchFamily="18" charset="0"/>
-                      </a:endParaRPr>
-                    </a:p>
-                  </a:txBody>
-                  <a:tcPr marL="68580" marR="68580" marT="0" marB="0" anchor="b"/>
-                </a:tc>
-                <a:tc>
-                  <a:txBody>
-                    <a:bodyPr/>
-                    <a:lstStyle/>
-                    <a:p>
-                      <a:pPr marL="0" marR="0">
-                        <a:lnSpc>
-                          <a:spcPct val="107000"/>
-                        </a:lnSpc>
-                        <a:spcBef>
-                          <a:spcPts val="0"/>
-                        </a:spcBef>
-                        <a:spcAft>
-                          <a:spcPts val="0"/>
-                        </a:spcAft>
-                      </a:pPr>
-                      <a:r>
-                        <a:rPr lang="en-US" sz="1000">
-                          <a:effectLst/>
-                        </a:rPr>
-                        <a:t>Gray County</a:t>
-                      </a:r>
-                      <a:endParaRPr lang="en-US" sz="1100">
-                        <a:effectLst/>
-                        <a:latin typeface="Calibri" panose="020F0502020204030204" pitchFamily="34" charset="0"/>
-                        <a:ea typeface="Calibri" panose="020F0502020204030204" pitchFamily="34" charset="0"/>
-                        <a:cs typeface="Times New Roman" panose="02020603050405020304" pitchFamily="18" charset="0"/>
-                      </a:endParaRPr>
-                    </a:p>
-                  </a:txBody>
-                  <a:tcPr marL="68580" marR="68580" marT="0" marB="0" anchor="b"/>
-                </a:tc>
-                <a:tc>
-                  <a:txBody>
-                    <a:bodyPr/>
-                    <a:lstStyle/>
-                    <a:p>
-                      <a:pPr marL="0" marR="0">
-                        <a:lnSpc>
-                          <a:spcPct val="107000"/>
-                        </a:lnSpc>
-                        <a:spcBef>
-                          <a:spcPts val="0"/>
-                        </a:spcBef>
-                        <a:spcAft>
-                          <a:spcPts val="0"/>
-                        </a:spcAft>
-                      </a:pPr>
-                      <a:r>
-                        <a:rPr lang="en-US" sz="1000">
-                          <a:effectLst/>
-                        </a:rPr>
-                        <a:t>5+9+14+17+19 (20+21)</a:t>
-                      </a:r>
-                      <a:endParaRPr lang="en-US" sz="1100">
-                        <a:effectLst/>
-                        <a:latin typeface="Calibri" panose="020F0502020204030204" pitchFamily="34" charset="0"/>
-                        <a:ea typeface="Calibri" panose="020F0502020204030204" pitchFamily="34" charset="0"/>
-                        <a:cs typeface="Times New Roman" panose="02020603050405020304" pitchFamily="18" charset="0"/>
-                      </a:endParaRPr>
-                    </a:p>
-                  </a:txBody>
-                  <a:tcPr marL="68580" marR="68580" marT="0" marB="0" anchor="b"/>
-                </a:tc>
-                <a:tc>
-                  <a:txBody>
-                    <a:bodyPr/>
-                    <a:lstStyle/>
-                    <a:p>
-                      <a:pPr marL="0" marR="0" algn="r">
-                        <a:lnSpc>
-                          <a:spcPct val="107000"/>
-                        </a:lnSpc>
-                        <a:spcBef>
-                          <a:spcPts val="0"/>
-                        </a:spcBef>
-                        <a:spcAft>
-                          <a:spcPts val="0"/>
-                        </a:spcAft>
-                      </a:pPr>
-                      <a:r>
-                        <a:rPr lang="en-US" sz="1000">
-                          <a:effectLst/>
-                        </a:rPr>
-                        <a:t>64</a:t>
-                      </a:r>
-                      <a:endParaRPr lang="en-US" sz="1100">
-                        <a:effectLst/>
-                        <a:latin typeface="Calibri" panose="020F0502020204030204" pitchFamily="34" charset="0"/>
-                        <a:ea typeface="Calibri" panose="020F0502020204030204" pitchFamily="34" charset="0"/>
-                        <a:cs typeface="Times New Roman" panose="02020603050405020304" pitchFamily="18" charset="0"/>
-                      </a:endParaRPr>
-                    </a:p>
-                  </a:txBody>
-                  <a:tcPr marL="68580" marR="68580" marT="0" marB="0" anchor="b"/>
-                </a:tc>
-                <a:tc>
-                  <a:txBody>
-                    <a:bodyPr/>
-                    <a:lstStyle/>
-                    <a:p>
-                      <a:pPr>
-                        <a:lnSpc>
-                          <a:spcPct val="107000"/>
-                        </a:lnSpc>
-                      </a:pPr>
-                      <a:endParaRPr lang="en-US" sz="1100" dirty="0">
-                        <a:effectLst/>
-                        <a:latin typeface="Calibri" panose="020F0502020204030204" pitchFamily="34" charset="0"/>
-                        <a:cs typeface="Times New Roman" panose="02020603050405020304" pitchFamily="18" charset="0"/>
-                      </a:endParaRPr>
-                    </a:p>
-                  </a:txBody>
-                  <a:tcPr marL="68580" marR="68580" marT="0" marB="0" anchor="b"/>
-                </a:tc>
-                <a:extLst>
-                  <a:ext uri="{0D108BD9-81ED-4DB2-BD59-A6C34878D82A}">
-                    <a16:rowId xmlns:a16="http://schemas.microsoft.com/office/drawing/2014/main" val="3987538596"/>
-                  </a:ext>
-                </a:extLst>
-              </a:tr>
-            </a:tbl>
-          </a:graphicData>
-        </a:graphic>
-      </p:graphicFrame>
-      <p:sp>
-        <p:nvSpPr>
-          <p:cNvPr id="5" name="Rectangle 1">
-            <a:extLst>
-              <a:ext uri="{FF2B5EF4-FFF2-40B4-BE49-F238E27FC236}">
-                <a16:creationId xmlns:a16="http://schemas.microsoft.com/office/drawing/2014/main" id="{9982F368-51C2-4AD8-94F5-ED345F0E033F}"/>
-              </a:ext>
-            </a:extLst>
-          </p:cNvPr>
-          <p:cNvSpPr>
-            <a:spLocks noChangeArrowheads="1"/>
-          </p:cNvSpPr>
-          <p:nvPr/>
-        </p:nvSpPr>
-        <p:spPr bwMode="auto">
-          <a:xfrm>
-            <a:off x="351548" y="864134"/>
-            <a:ext cx="5467136" cy="877163"/>
-          </a:xfrm>
-          <a:prstGeom prst="rect">
-            <a:avLst/>
-          </a:prstGeom>
-          <a:noFill/>
-          <a:ln>
-            <a:noFill/>
-          </a:ln>
-          <a:effectLst/>
-          <a:extLst>
-            <a:ext uri="{909E8E84-426E-40DD-AFC4-6F175D3DCCD1}">
-              <a14:hiddenFill xmlns:a14="http://schemas.microsoft.com/office/drawing/2010/main">
-                <a:solidFill>
-                  <a:schemeClr val="accent1"/>
-                </a:solidFill>
-              </a14:hiddenFill>
-            </a:ext>
-            <a:ext uri="{91240B29-F687-4F45-9708-019B960494DF}">
-              <a14:hiddenLine xmlns:a14="http://schemas.microsoft.com/office/drawing/2010/main" w="9525">
-                <a:solidFill>
-                  <a:schemeClr val="tx1"/>
-                </a:solidFill>
-                <a:miter lim="800000"/>
-                <a:headEnd/>
-                <a:tailEnd/>
-              </a14:hiddenLine>
-            </a:ext>
-            <a:ext uri="{AF507438-7753-43E0-B8FC-AC1667EBCBE1}">
-              <a14:hiddenEffects xmlns:a14="http://schemas.microsoft.com/office/drawing/2010/main">
-                <a:effectLst>
-                  <a:outerShdw dist="35921" dir="2700000" algn="ctr" rotWithShape="0">
-                    <a:schemeClr val="bg2"/>
-                  </a:outerShdw>
-                </a:effectLst>
-              </a14:hiddenEffects>
-            </a:ext>
-          </a:extLst>
-        </p:spPr>
-        <p:txBody>
-          <a:bodyPr vert="horz" wrap="square" lIns="91440" tIns="45720" rIns="91440" bIns="45720" numCol="1" anchor="ctr" anchorCtr="0" compatLnSpc="1">
-            <a:prstTxWarp prst="textNoShape">
-              <a:avLst/>
-            </a:prstTxWarp>
-            <a:spAutoFit/>
-          </a:bodyPr>
-          <a:lstStyle>
-            <a:lvl1pPr eaLnBrk="0" fontAlgn="base" hangingPunct="0">
-              <a:spcBef>
-                <a:spcPct val="0"/>
-              </a:spcBef>
-              <a:spcAft>
-                <a:spcPct val="0"/>
-              </a:spcAft>
-              <a:defRPr>
-                <a:solidFill>
-                  <a:schemeClr val="tx1"/>
-                </a:solidFill>
-                <a:latin typeface="Arial" panose="020B0604020202020204" pitchFamily="34" charset="0"/>
-              </a:defRPr>
-            </a:lvl1pPr>
-            <a:lvl2pPr marL="457200" eaLnBrk="0" fontAlgn="base" hangingPunct="0">
-              <a:spcBef>
-                <a:spcPct val="0"/>
-              </a:spcBef>
-              <a:spcAft>
-                <a:spcPct val="0"/>
-              </a:spcAft>
-              <a:defRPr>
-                <a:solidFill>
-                  <a:schemeClr val="tx1"/>
-                </a:solidFill>
-                <a:latin typeface="Arial" panose="020B0604020202020204" pitchFamily="34" charset="0"/>
-              </a:defRPr>
-            </a:lvl2pPr>
-            <a:lvl3pPr marL="914400" eaLnBrk="0" fontAlgn="base" hangingPunct="0">
-              <a:spcBef>
-                <a:spcPct val="0"/>
-              </a:spcBef>
-              <a:spcAft>
-                <a:spcPct val="0"/>
-              </a:spcAft>
-              <a:defRPr>
-                <a:solidFill>
-                  <a:schemeClr val="tx1"/>
-                </a:solidFill>
-                <a:latin typeface="Arial" panose="020B0604020202020204" pitchFamily="34" charset="0"/>
-              </a:defRPr>
-            </a:lvl3pPr>
-            <a:lvl4pPr marL="1371600" eaLnBrk="0" fontAlgn="base" hangingPunct="0">
-              <a:spcBef>
-                <a:spcPct val="0"/>
-              </a:spcBef>
-              <a:spcAft>
-                <a:spcPct val="0"/>
-              </a:spcAft>
-              <a:defRPr>
-                <a:solidFill>
-                  <a:schemeClr val="tx1"/>
-                </a:solidFill>
-                <a:latin typeface="Arial" panose="020B0604020202020204" pitchFamily="34" charset="0"/>
-              </a:defRPr>
-            </a:lvl4pPr>
-            <a:lvl5pPr marL="1828800" eaLnBrk="0" fontAlgn="base" hangingPunct="0">
-              <a:spcBef>
-                <a:spcPct val="0"/>
-              </a:spcBef>
-              <a:spcAft>
-                <a:spcPct val="0"/>
-              </a:spcAft>
-              <a:defRPr>
-                <a:solidFill>
-                  <a:schemeClr val="tx1"/>
-                </a:solidFill>
-                <a:latin typeface="Arial" panose="020B0604020202020204" pitchFamily="34" charset="0"/>
-              </a:defRPr>
-            </a:lvl5pPr>
-            <a:lvl6pPr marL="2286000" eaLnBrk="0" fontAlgn="base" hangingPunct="0">
-              <a:spcBef>
-                <a:spcPct val="0"/>
-              </a:spcBef>
-              <a:spcAft>
-                <a:spcPct val="0"/>
-              </a:spcAft>
-              <a:defRPr>
-                <a:solidFill>
-                  <a:schemeClr val="tx1"/>
-                </a:solidFill>
-                <a:latin typeface="Arial" panose="020B0604020202020204" pitchFamily="34" charset="0"/>
-              </a:defRPr>
-            </a:lvl6pPr>
-            <a:lvl7pPr marL="2743200" eaLnBrk="0" fontAlgn="base" hangingPunct="0">
-              <a:spcBef>
-                <a:spcPct val="0"/>
-              </a:spcBef>
-              <a:spcAft>
-                <a:spcPct val="0"/>
-              </a:spcAft>
-              <a:defRPr>
-                <a:solidFill>
-                  <a:schemeClr val="tx1"/>
-                </a:solidFill>
-                <a:latin typeface="Arial" panose="020B0604020202020204" pitchFamily="34" charset="0"/>
-              </a:defRPr>
-            </a:lvl7pPr>
-            <a:lvl8pPr marL="3200400" eaLnBrk="0" fontAlgn="base" hangingPunct="0">
-              <a:spcBef>
-                <a:spcPct val="0"/>
-              </a:spcBef>
-              <a:spcAft>
-                <a:spcPct val="0"/>
-              </a:spcAft>
-              <a:defRPr>
-                <a:solidFill>
-                  <a:schemeClr val="tx1"/>
-                </a:solidFill>
-                <a:latin typeface="Arial" panose="020B0604020202020204" pitchFamily="34" charset="0"/>
-              </a:defRPr>
-            </a:lvl8pPr>
-            <a:lvl9pPr marL="3657600" eaLnBrk="0" fontAlgn="base" hangingPunct="0">
-              <a:spcBef>
-                <a:spcPct val="0"/>
-              </a:spcBef>
-              <a:spcAft>
-                <a:spcPct val="0"/>
-              </a:spcAft>
-              <a:defRPr>
-                <a:solidFill>
-                  <a:schemeClr val="tx1"/>
-                </a:solidFill>
-                <a:latin typeface="Arial" panose="020B0604020202020204" pitchFamily="34" charset="0"/>
-              </a:defRPr>
-            </a:lvl9pPr>
-          </a:lstStyle>
-          <a:p>
-            <a:pPr marL="0" marR="0" lvl="0" indent="0" algn="l" defTabSz="914400" rtl="0" eaLnBrk="0" fontAlgn="base" latinLnBrk="0" hangingPunct="0">
-              <a:lnSpc>
-                <a:spcPct val="100000"/>
-              </a:lnSpc>
-              <a:spcBef>
-                <a:spcPct val="0"/>
-              </a:spcBef>
-              <a:spcAft>
-                <a:spcPct val="0"/>
-              </a:spcAft>
-              <a:buClrTx/>
-              <a:buSzTx/>
-              <a:buFontTx/>
-              <a:buNone/>
-              <a:tabLst/>
-            </a:pPr>
-            <a:r>
-              <a:rPr kumimoji="0" lang="en-US" altLang="en-US" sz="1400" b="0" i="0" u="none" strike="noStrike" cap="none" normalizeH="0" baseline="0" dirty="0">
-                <a:ln>
-                  <a:noFill/>
-                </a:ln>
-                <a:solidFill>
-                  <a:schemeClr val="tx1"/>
-                </a:solidFill>
-                <a:effectLst/>
-                <a:latin typeface="Calibri" panose="020F0502020204030204" pitchFamily="34" charset="0"/>
-                <a:ea typeface="Calibri" panose="020F0502020204030204" pitchFamily="34" charset="0"/>
-                <a:cs typeface="Times New Roman" panose="02020603050405020304" pitchFamily="18" charset="0"/>
-              </a:rPr>
-              <a:t>Here is an example that shows the finish place, along with points awarded and total team scores for a race with participants from four different </a:t>
-            </a:r>
-            <a:r>
-              <a:rPr kumimoji="0" lang="en-US" altLang="en-US" sz="1400" b="0" i="0" u="none" strike="noStrike" cap="none" normalizeH="0" baseline="0" dirty="0" err="1">
-                <a:ln>
-                  <a:noFill/>
-                </a:ln>
-                <a:solidFill>
-                  <a:schemeClr val="tx1"/>
-                </a:solidFill>
-                <a:effectLst/>
-                <a:latin typeface="Calibri" panose="020F0502020204030204" pitchFamily="34" charset="0"/>
-                <a:ea typeface="Calibri" panose="020F0502020204030204" pitchFamily="34" charset="0"/>
-                <a:cs typeface="Times New Roman" panose="02020603050405020304" pitchFamily="18" charset="0"/>
-              </a:rPr>
-              <a:t>teams:</a:t>
-            </a:r>
-            <a:r>
-              <a:rPr kumimoji="0" lang="en-US" altLang="en-US" sz="1400" b="0" i="0" u="none" strike="noStrike" cap="none" normalizeH="0" baseline="0" dirty="0" err="1">
-                <a:ln>
-                  <a:noFill/>
-                </a:ln>
-                <a:solidFill>
-                  <a:srgbClr val="FFFFFF"/>
-                </a:solidFill>
-                <a:effectLst/>
-                <a:latin typeface="Calibri" panose="020F0502020204030204" pitchFamily="34" charset="0"/>
-                <a:ea typeface="Calibri" panose="020F0502020204030204" pitchFamily="34" charset="0"/>
-                <a:cs typeface="Times New Roman" panose="02020603050405020304" pitchFamily="18" charset="0"/>
-              </a:rPr>
-              <a:t>Shawn</a:t>
-            </a:r>
-            <a:r>
-              <a:rPr kumimoji="0" lang="en-US" altLang="en-US" sz="1400" b="0" i="0" u="none" strike="noStrike" cap="none" normalizeH="0" baseline="0" dirty="0">
-                <a:ln>
-                  <a:noFill/>
-                </a:ln>
-                <a:solidFill>
-                  <a:srgbClr val="FFFFFF"/>
-                </a:solidFill>
-                <a:effectLst/>
-                <a:latin typeface="Calibri" panose="020F0502020204030204" pitchFamily="34" charset="0"/>
-                <a:ea typeface="Calibri" panose="020F0502020204030204" pitchFamily="34" charset="0"/>
-                <a:cs typeface="Times New Roman" panose="02020603050405020304" pitchFamily="18" charset="0"/>
-              </a:rPr>
-              <a:t> Berger </a:t>
-            </a:r>
-            <a:r>
-              <a:rPr kumimoji="0" lang="en-US" altLang="en-US" sz="900" b="0" i="0" u="none" strike="noStrike" cap="none" normalizeH="0" baseline="0" dirty="0">
-                <a:ln>
-                  <a:noFill/>
-                </a:ln>
-                <a:solidFill>
-                  <a:srgbClr val="FFFFFF"/>
-                </a:solidFill>
-                <a:effectLst/>
-                <a:latin typeface="Calibri" panose="020F0502020204030204" pitchFamily="34" charset="0"/>
-                <a:ea typeface="Calibri" panose="020F0502020204030204" pitchFamily="34" charset="0"/>
-                <a:cs typeface="Times New Roman" panose="02020603050405020304" pitchFamily="18" charset="0"/>
-              </a:rPr>
-              <a:t>from Hamilton Academy did not receive points because their team has les</a:t>
-            </a:r>
-            <a:endParaRPr kumimoji="0" lang="en-US" altLang="en-US" sz="1800" b="0" i="0" u="none" strike="noStrike" cap="none" normalizeH="0" baseline="0" dirty="0">
-              <a:ln>
-                <a:noFill/>
-              </a:ln>
-              <a:solidFill>
-                <a:schemeClr val="tx1"/>
-              </a:solidFill>
-              <a:effectLst/>
-              <a:latin typeface="Arial" panose="020B0604020202020204" pitchFamily="34" charset="0"/>
-            </a:endParaRPr>
-          </a:p>
-        </p:txBody>
-      </p:sp>
-      <p:sp>
-        <p:nvSpPr>
-          <p:cNvPr id="7" name="TextBox 6">
-            <a:extLst>
-              <a:ext uri="{FF2B5EF4-FFF2-40B4-BE49-F238E27FC236}">
-                <a16:creationId xmlns:a16="http://schemas.microsoft.com/office/drawing/2014/main" id="{9A82FB80-EDC9-4B84-AC8D-AB7E074D867A}"/>
-              </a:ext>
-            </a:extLst>
-          </p:cNvPr>
-          <p:cNvSpPr txBox="1"/>
-          <p:nvPr/>
-        </p:nvSpPr>
-        <p:spPr>
-          <a:xfrm>
-            <a:off x="5818684" y="1631188"/>
-            <a:ext cx="6103398" cy="1465209"/>
-          </a:xfrm>
-          <a:prstGeom prst="rect">
-            <a:avLst/>
-          </a:prstGeom>
-          <a:noFill/>
-        </p:spPr>
-        <p:txBody>
-          <a:bodyPr wrap="square">
-            <a:spAutoFit/>
-          </a:bodyPr>
-          <a:lstStyle/>
-          <a:p>
-            <a:pPr marL="342900" marR="0" lvl="0" indent="-342900">
-              <a:lnSpc>
-                <a:spcPct val="107000"/>
-              </a:lnSpc>
-              <a:spcBef>
-                <a:spcPts val="600"/>
-              </a:spcBef>
-              <a:spcAft>
-                <a:spcPts val="0"/>
-              </a:spcAft>
-              <a:buFont typeface="Wingdings" panose="05000000000000000000" pitchFamily="2" charset="2"/>
-              <a:buChar char=""/>
-            </a:pPr>
-            <a:r>
-              <a:rPr lang="en-US" sz="1400" dirty="0">
-                <a:effectLst/>
-                <a:latin typeface="Calibri" panose="020F0502020204030204" pitchFamily="34" charset="0"/>
-                <a:ea typeface="Calibri" panose="020F0502020204030204" pitchFamily="34" charset="0"/>
-                <a:cs typeface="Times New Roman" panose="02020603050405020304" pitchFamily="18" charset="0"/>
-              </a:rPr>
-              <a:t>Jake </a:t>
-            </a:r>
-            <a:r>
-              <a:rPr lang="en-US" sz="1400" dirty="0" err="1">
-                <a:effectLst/>
-                <a:latin typeface="Calibri" panose="020F0502020204030204" pitchFamily="34" charset="0"/>
-                <a:ea typeface="Calibri" panose="020F0502020204030204" pitchFamily="34" charset="0"/>
-                <a:cs typeface="Times New Roman" panose="02020603050405020304" pitchFamily="18" charset="0"/>
-              </a:rPr>
-              <a:t>Sandefur</a:t>
-            </a:r>
-            <a:r>
-              <a:rPr lang="en-US" sz="1400" dirty="0">
-                <a:effectLst/>
-                <a:latin typeface="Calibri" panose="020F0502020204030204" pitchFamily="34" charset="0"/>
-                <a:ea typeface="Calibri" panose="020F0502020204030204" pitchFamily="34" charset="0"/>
-                <a:cs typeface="Times New Roman" panose="02020603050405020304" pitchFamily="18" charset="0"/>
-              </a:rPr>
-              <a:t> and Shawn Berger from Hamilton Academy did not receive points because their team has less than five runners.  Also notice that Hamilton Academy is not listed in the team scores.</a:t>
-            </a:r>
-          </a:p>
-          <a:p>
-            <a:pPr marL="342900" marR="0" lvl="0" indent="-342900">
-              <a:lnSpc>
-                <a:spcPct val="107000"/>
-              </a:lnSpc>
-              <a:spcBef>
-                <a:spcPts val="0"/>
-              </a:spcBef>
-              <a:spcAft>
-                <a:spcPts val="0"/>
-              </a:spcAft>
-              <a:buFont typeface="Wingdings" panose="05000000000000000000" pitchFamily="2" charset="2"/>
-              <a:buChar char=""/>
-            </a:pPr>
-            <a:r>
-              <a:rPr lang="en-US" sz="1400" dirty="0">
-                <a:effectLst/>
-                <a:latin typeface="Calibri" panose="020F0502020204030204" pitchFamily="34" charset="0"/>
-                <a:ea typeface="Calibri" panose="020F0502020204030204" pitchFamily="34" charset="0"/>
-                <a:cs typeface="Times New Roman" panose="02020603050405020304" pitchFamily="18" charset="0"/>
-              </a:rPr>
-              <a:t>Ethan Conrad from Central High did not receive points because he was the 8th place finisher for his team.  Only the top seven places per team can earn points.</a:t>
-            </a:r>
-          </a:p>
-        </p:txBody>
-      </p:sp>
-    </p:spTree>
-    <p:extLst>
-      <p:ext uri="{BB962C8B-B14F-4D97-AF65-F5344CB8AC3E}">
-        <p14:creationId xmlns:p14="http://schemas.microsoft.com/office/powerpoint/2010/main" val="1715347159"/>
+        <p14:creationId xmlns:p14="http://schemas.microsoft.com/office/powerpoint/2010/main" val="3330554349"/>
       </p:ext>
     </p:extLst>
   </p:cSld>

--- a/slides.pptx
+++ b/slides.pptx
@@ -8180,7 +8180,7 @@
             </a:pPr>
             <a:r>
               <a:rPr lang="en-US" dirty="0"/>
-              <a:t>2 </a:t>
+              <a:t>1 </a:t>
             </a:r>
             <a:r>
               <a:rPr lang="en-US" dirty="0" err="1"/>
